--- a/materials/slides/7.pptx
+++ b/materials/slides/7.pptx
@@ -5,10 +5,10 @@
     <p:sldMasterId id="2147483776" r:id="rId1"/>
   </p:sldMasterIdLst>
   <p:notesMasterIdLst>
-    <p:notesMasterId r:id="rId27"/>
+    <p:notesMasterId r:id="rId37"/>
   </p:notesMasterIdLst>
   <p:handoutMasterIdLst>
-    <p:handoutMasterId r:id="rId28"/>
+    <p:handoutMasterId r:id="rId38"/>
   </p:handoutMasterIdLst>
   <p:sldIdLst>
     <p:sldId id="552" r:id="rId2"/>
@@ -23,19 +23,29 @@
     <p:sldId id="561" r:id="rId11"/>
     <p:sldId id="562" r:id="rId12"/>
     <p:sldId id="563" r:id="rId13"/>
-    <p:sldId id="576" r:id="rId14"/>
-    <p:sldId id="564" r:id="rId15"/>
-    <p:sldId id="565" r:id="rId16"/>
-    <p:sldId id="566" r:id="rId17"/>
-    <p:sldId id="567" r:id="rId18"/>
-    <p:sldId id="568" r:id="rId19"/>
-    <p:sldId id="569" r:id="rId20"/>
-    <p:sldId id="570" r:id="rId21"/>
-    <p:sldId id="571" r:id="rId22"/>
-    <p:sldId id="572" r:id="rId23"/>
-    <p:sldId id="573" r:id="rId24"/>
-    <p:sldId id="574" r:id="rId25"/>
-    <p:sldId id="575" r:id="rId26"/>
+    <p:sldId id="577" r:id="rId14"/>
+    <p:sldId id="576" r:id="rId15"/>
+    <p:sldId id="578" r:id="rId16"/>
+    <p:sldId id="579" r:id="rId17"/>
+    <p:sldId id="580" r:id="rId18"/>
+    <p:sldId id="583" r:id="rId19"/>
+    <p:sldId id="584" r:id="rId20"/>
+    <p:sldId id="585" r:id="rId21"/>
+    <p:sldId id="586" r:id="rId22"/>
+    <p:sldId id="587" r:id="rId23"/>
+    <p:sldId id="588" r:id="rId24"/>
+    <p:sldId id="581" r:id="rId25"/>
+    <p:sldId id="589" r:id="rId26"/>
+    <p:sldId id="590" r:id="rId27"/>
+    <p:sldId id="567" r:id="rId28"/>
+    <p:sldId id="568" r:id="rId29"/>
+    <p:sldId id="569" r:id="rId30"/>
+    <p:sldId id="570" r:id="rId31"/>
+    <p:sldId id="571" r:id="rId32"/>
+    <p:sldId id="572" r:id="rId33"/>
+    <p:sldId id="573" r:id="rId34"/>
+    <p:sldId id="574" r:id="rId35"/>
+    <p:sldId id="575" r:id="rId36"/>
   </p:sldIdLst>
   <p:sldSz cx="12192000" cy="6858000"/>
   <p:notesSz cx="6858000" cy="9144000"/>
@@ -166,7 +176,7 @@
   </p:defaultTextStyle>
   <p:extLst>
     <p:ext uri="{EFAFB233-063F-42B5-8137-9DF3F51BA10A}">
-      <p15:sldGuideLst xmlns:p15="http://schemas.microsoft.com/office/powerpoint/2012/main" xmlns="">
+      <p15:sldGuideLst xmlns="" xmlns:p15="http://schemas.microsoft.com/office/powerpoint/2012/main">
         <p15:guide id="1" orient="horz" pos="2160" userDrawn="1">
           <p15:clr>
             <a:srgbClr val="A4A3A4"/>
@@ -180,7 +190,7 @@
       </p15:sldGuideLst>
     </p:ext>
     <p:ext uri="{2D200454-40CA-4A62-9FC3-DE9A4176ACB9}">
-      <p15:notesGuideLst xmlns:p15="http://schemas.microsoft.com/office/powerpoint/2012/main" xmlns="">
+      <p15:notesGuideLst xmlns="" xmlns:p15="http://schemas.microsoft.com/office/powerpoint/2012/main">
         <p15:guide id="1" orient="horz" pos="2880">
           <p15:clr>
             <a:srgbClr val="A4A3A4"/>
@@ -4556,8 +4566,31 @@
             </a:r>
             <a:r>
               <a:rPr lang="zh-CN" altLang="en-US" dirty="0"/>
-              <a:t>输出域边界或其附近设计测试用例</a:t>
-            </a:r>
+              <a:t>输出域边界或其附近设计</a:t>
+            </a:r>
+            <a:r>
+              <a:rPr lang="zh-CN" altLang="en-US" dirty="0" smtClean="0"/>
+              <a:t>测试用例</a:t>
+            </a:r>
+            <a:endParaRPr lang="en-US" altLang="zh-CN" dirty="0" smtClean="0"/>
+          </a:p>
+          <a:p>
+            <a:pPr marL="471487" lvl="1" indent="0">
+              <a:buNone/>
+            </a:pPr>
+            <a:r>
+              <a:rPr lang="zh-CN" altLang="en-US" dirty="0">
+                <a:solidFill>
+                  <a:srgbClr val="FF0000"/>
+                </a:solidFill>
+              </a:rPr>
+              <a:t>注：主要关注程序的逻辑分支问题。</a:t>
+            </a:r>
+          </a:p>
+          <a:p>
+            <a:pPr marL="471487" lvl="1" indent="0">
+              <a:buNone/>
+            </a:pPr>
             <a:endParaRPr lang="en-US" altLang="zh-CN" dirty="0"/>
           </a:p>
           <a:p>
@@ -4999,6 +5032,109 @@
                       </p:childTnLst>
                     </p:cTn>
                   </p:par>
+                  <p:par>
+                    <p:cTn id="27" fill="hold">
+                      <p:stCondLst>
+                        <p:cond delay="indefinite"/>
+                      </p:stCondLst>
+                      <p:childTnLst>
+                        <p:par>
+                          <p:cTn id="28" fill="hold">
+                            <p:stCondLst>
+                              <p:cond delay="0"/>
+                            </p:stCondLst>
+                            <p:childTnLst>
+                              <p:par>
+                                <p:cTn id="29" presetID="2" presetClass="entr" presetSubtype="4" fill="hold" nodeType="clickEffect">
+                                  <p:stCondLst>
+                                    <p:cond delay="0"/>
+                                  </p:stCondLst>
+                                  <p:childTnLst>
+                                    <p:set>
+                                      <p:cBhvr>
+                                        <p:cTn id="30" dur="1" fill="hold">
+                                          <p:stCondLst>
+                                            <p:cond delay="0"/>
+                                          </p:stCondLst>
+                                        </p:cTn>
+                                        <p:tgtEl>
+                                          <p:spTgt spid="3">
+                                            <p:txEl>
+                                              <p:pRg st="4" end="4"/>
+                                            </p:txEl>
+                                          </p:spTgt>
+                                        </p:tgtEl>
+                                        <p:attrNameLst>
+                                          <p:attrName>style.visibility</p:attrName>
+                                        </p:attrNameLst>
+                                      </p:cBhvr>
+                                      <p:to>
+                                        <p:strVal val="visible"/>
+                                      </p:to>
+                                    </p:set>
+                                    <p:anim calcmode="lin" valueType="num">
+                                      <p:cBhvr additive="base">
+                                        <p:cTn id="31" dur="500" fill="hold"/>
+                                        <p:tgtEl>
+                                          <p:spTgt spid="3">
+                                            <p:txEl>
+                                              <p:pRg st="4" end="4"/>
+                                            </p:txEl>
+                                          </p:spTgt>
+                                        </p:tgtEl>
+                                        <p:attrNameLst>
+                                          <p:attrName>ppt_x</p:attrName>
+                                        </p:attrNameLst>
+                                      </p:cBhvr>
+                                      <p:tavLst>
+                                        <p:tav tm="0">
+                                          <p:val>
+                                            <p:strVal val="#ppt_x"/>
+                                          </p:val>
+                                        </p:tav>
+                                        <p:tav tm="100000">
+                                          <p:val>
+                                            <p:strVal val="#ppt_x"/>
+                                          </p:val>
+                                        </p:tav>
+                                      </p:tavLst>
+                                    </p:anim>
+                                    <p:anim calcmode="lin" valueType="num">
+                                      <p:cBhvr additive="base">
+                                        <p:cTn id="32" dur="500" fill="hold"/>
+                                        <p:tgtEl>
+                                          <p:spTgt spid="3">
+                                            <p:txEl>
+                                              <p:pRg st="4" end="4"/>
+                                            </p:txEl>
+                                          </p:spTgt>
+                                        </p:tgtEl>
+                                        <p:attrNameLst>
+                                          <p:attrName>ppt_y</p:attrName>
+                                        </p:attrNameLst>
+                                      </p:cBhvr>
+                                      <p:tavLst>
+                                        <p:tav tm="0">
+                                          <p:val>
+                                            <p:strVal val="1+#ppt_h/2"/>
+                                          </p:val>
+                                        </p:tav>
+                                        <p:tav tm="100000">
+                                          <p:val>
+                                            <p:strVal val="#ppt_y"/>
+                                          </p:val>
+                                        </p:tav>
+                                      </p:tavLst>
+                                    </p:anim>
+                                  </p:childTnLst>
+                                </p:cTn>
+                              </p:par>
+                            </p:childTnLst>
+                          </p:cTn>
+                        </p:par>
+                      </p:childTnLst>
+                    </p:cTn>
+                  </p:par>
                 </p:childTnLst>
               </p:cTn>
               <p:prevCondLst>
@@ -5302,6 +5438,19 @@
               <a:t>是否存在无法按预先自定义的出错处理方式来处理的情况</a:t>
             </a:r>
             <a:endParaRPr lang="en-US" altLang="zh-CN" dirty="0" smtClean="0"/>
+          </a:p>
+          <a:p>
+            <a:pPr marL="0" lvl="1" indent="0">
+              <a:buNone/>
+            </a:pPr>
+            <a:r>
+              <a:rPr lang="zh-CN" altLang="en-US" dirty="0">
+                <a:solidFill>
+                  <a:srgbClr val="FF0000"/>
+                </a:solidFill>
+              </a:rPr>
+              <a:t>注：主要关注程序的逻辑分支问题。</a:t>
+            </a:r>
           </a:p>
           <a:p>
             <a:endParaRPr lang="zh-CN" altLang="en-US" dirty="0"/>
@@ -5947,6 +6096,109 @@
                       </p:childTnLst>
                     </p:cTn>
                   </p:par>
+                  <p:par>
+                    <p:cTn id="39" fill="hold">
+                      <p:stCondLst>
+                        <p:cond delay="indefinite"/>
+                      </p:stCondLst>
+                      <p:childTnLst>
+                        <p:par>
+                          <p:cTn id="40" fill="hold">
+                            <p:stCondLst>
+                              <p:cond delay="0"/>
+                            </p:stCondLst>
+                            <p:childTnLst>
+                              <p:par>
+                                <p:cTn id="41" presetID="2" presetClass="entr" presetSubtype="4" fill="hold" nodeType="clickEffect">
+                                  <p:stCondLst>
+                                    <p:cond delay="0"/>
+                                  </p:stCondLst>
+                                  <p:childTnLst>
+                                    <p:set>
+                                      <p:cBhvr>
+                                        <p:cTn id="42" dur="1" fill="hold">
+                                          <p:stCondLst>
+                                            <p:cond delay="0"/>
+                                          </p:stCondLst>
+                                        </p:cTn>
+                                        <p:tgtEl>
+                                          <p:spTgt spid="2">
+                                            <p:txEl>
+                                              <p:pRg st="6" end="6"/>
+                                            </p:txEl>
+                                          </p:spTgt>
+                                        </p:tgtEl>
+                                        <p:attrNameLst>
+                                          <p:attrName>style.visibility</p:attrName>
+                                        </p:attrNameLst>
+                                      </p:cBhvr>
+                                      <p:to>
+                                        <p:strVal val="visible"/>
+                                      </p:to>
+                                    </p:set>
+                                    <p:anim calcmode="lin" valueType="num">
+                                      <p:cBhvr additive="base">
+                                        <p:cTn id="43" dur="500" fill="hold"/>
+                                        <p:tgtEl>
+                                          <p:spTgt spid="2">
+                                            <p:txEl>
+                                              <p:pRg st="6" end="6"/>
+                                            </p:txEl>
+                                          </p:spTgt>
+                                        </p:tgtEl>
+                                        <p:attrNameLst>
+                                          <p:attrName>ppt_x</p:attrName>
+                                        </p:attrNameLst>
+                                      </p:cBhvr>
+                                      <p:tavLst>
+                                        <p:tav tm="0">
+                                          <p:val>
+                                            <p:strVal val="#ppt_x"/>
+                                          </p:val>
+                                        </p:tav>
+                                        <p:tav tm="100000">
+                                          <p:val>
+                                            <p:strVal val="#ppt_x"/>
+                                          </p:val>
+                                        </p:tav>
+                                      </p:tavLst>
+                                    </p:anim>
+                                    <p:anim calcmode="lin" valueType="num">
+                                      <p:cBhvr additive="base">
+                                        <p:cTn id="44" dur="500" fill="hold"/>
+                                        <p:tgtEl>
+                                          <p:spTgt spid="2">
+                                            <p:txEl>
+                                              <p:pRg st="6" end="6"/>
+                                            </p:txEl>
+                                          </p:spTgt>
+                                        </p:tgtEl>
+                                        <p:attrNameLst>
+                                          <p:attrName>ppt_y</p:attrName>
+                                        </p:attrNameLst>
+                                      </p:cBhvr>
+                                      <p:tavLst>
+                                        <p:tav tm="0">
+                                          <p:val>
+                                            <p:strVal val="1+#ppt_h/2"/>
+                                          </p:val>
+                                        </p:tav>
+                                        <p:tav tm="100000">
+                                          <p:val>
+                                            <p:strVal val="#ppt_y"/>
+                                          </p:val>
+                                        </p:tav>
+                                      </p:tavLst>
+                                    </p:anim>
+                                  </p:childTnLst>
+                                </p:cTn>
+                              </p:par>
+                            </p:childTnLst>
+                          </p:cTn>
+                        </p:par>
+                      </p:childTnLst>
+                    </p:cTn>
+                  </p:par>
                 </p:childTnLst>
               </p:cTn>
               <p:prevCondLst>
@@ -5973,6 +6225,132 @@
 </file>
 
 <file path=ppt/slides/slide13.xml><?xml version="1.0" encoding="utf-8"?>
+<p:sld xmlns:a="http://schemas.openxmlformats.org/drawingml/2006/main" xmlns:r="http://schemas.openxmlformats.org/officeDocument/2006/relationships" xmlns:p="http://schemas.openxmlformats.org/presentationml/2006/main">
+  <p:cSld>
+    <p:spTree>
+      <p:nvGrpSpPr>
+        <p:cNvPr id="1" name=""/>
+        <p:cNvGrpSpPr/>
+        <p:nvPr/>
+      </p:nvGrpSpPr>
+      <p:grpSpPr>
+        <a:xfrm>
+          <a:off x="0" y="0"/>
+          <a:ext cx="0" cy="0"/>
+          <a:chOff x="0" y="0"/>
+          <a:chExt cx="0" cy="0"/>
+        </a:xfrm>
+      </p:grpSpPr>
+      <p:sp>
+        <p:nvSpPr>
+          <p:cNvPr id="2" name="内容占位符 1"/>
+          <p:cNvSpPr>
+            <a:spLocks noGrp="1"/>
+          </p:cNvSpPr>
+          <p:nvPr>
+            <p:ph idx="1"/>
+          </p:nvPr>
+        </p:nvSpPr>
+        <p:spPr>
+          <a:xfrm>
+            <a:off x="2927648" y="1052736"/>
+            <a:ext cx="10221383" cy="4641850"/>
+          </a:xfrm>
+        </p:spPr>
+        <p:txBody>
+          <a:bodyPr/>
+          <a:lstStyle/>
+          <a:p>
+            <a:r>
+              <a:rPr lang="zh-CN" altLang="en-US" dirty="0"/>
+              <a:t>单元测试的基本概念</a:t>
+            </a:r>
+            <a:endParaRPr lang="en-US" altLang="zh-CN" dirty="0"/>
+          </a:p>
+          <a:p>
+            <a:r>
+              <a:rPr lang="zh-CN" altLang="en-US" dirty="0"/>
+              <a:t>单元测试的主要内容</a:t>
+            </a:r>
+            <a:endParaRPr lang="en-US" altLang="zh-CN" dirty="0"/>
+          </a:p>
+          <a:p>
+            <a:r>
+              <a:rPr lang="zh-CN" altLang="en-US" dirty="0">
+                <a:solidFill>
+                  <a:srgbClr val="FF0000"/>
+                </a:solidFill>
+              </a:rPr>
+              <a:t>驱动和桩模块的设计</a:t>
+            </a:r>
+            <a:endParaRPr lang="en-US" altLang="zh-CN" dirty="0">
+              <a:solidFill>
+                <a:srgbClr val="FF0000"/>
+              </a:solidFill>
+            </a:endParaRPr>
+          </a:p>
+          <a:p>
+            <a:r>
+              <a:rPr lang="zh-CN" altLang="en-US" dirty="0"/>
+              <a:t>单元测试实例</a:t>
+            </a:r>
+            <a:endParaRPr lang="en-US" altLang="zh-CN" dirty="0"/>
+          </a:p>
+          <a:p>
+            <a:pPr>
+              <a:lnSpc>
+                <a:spcPct val="150000"/>
+              </a:lnSpc>
+            </a:pPr>
+            <a:endParaRPr lang="zh-CN" altLang="en-US" dirty="0"/>
+          </a:p>
+        </p:txBody>
+      </p:sp>
+      <p:sp>
+        <p:nvSpPr>
+          <p:cNvPr id="3" name="标题 2"/>
+          <p:cNvSpPr>
+            <a:spLocks noGrp="1"/>
+          </p:cNvSpPr>
+          <p:nvPr>
+            <p:ph type="title" idx="4294967295"/>
+          </p:nvPr>
+        </p:nvSpPr>
+        <p:spPr/>
+        <p:txBody>
+          <a:bodyPr/>
+          <a:lstStyle/>
+          <a:p>
+            <a:pPr algn="ctr"/>
+            <a:r>
+              <a:rPr lang="zh-CN" altLang="en-US" dirty="0" smtClean="0"/>
+              <a:t>目   录</a:t>
+            </a:r>
+            <a:endParaRPr lang="zh-CN" altLang="en-US" dirty="0"/>
+          </a:p>
+        </p:txBody>
+      </p:sp>
+    </p:spTree>
+    <p:extLst>
+      <p:ext uri="{BB962C8B-B14F-4D97-AF65-F5344CB8AC3E}">
+        <p14:creationId xmlns:p14="http://schemas.microsoft.com/office/powerpoint/2010/main" val="1909018954"/>
+      </p:ext>
+    </p:extLst>
+  </p:cSld>
+  <p:clrMapOvr>
+    <a:masterClrMapping/>
+  </p:clrMapOvr>
+  <p:timing>
+    <p:tnLst>
+      <p:par>
+        <p:cTn id="1" dur="indefinite" restart="never" nodeType="tmRoot"/>
+      </p:par>
+    </p:tnLst>
+  </p:timing>
+</p:sld>
+</file>
+
+<file path=ppt/slides/slide14.xml><?xml version="1.0" encoding="utf-8"?>
 <p:sld xmlns:a="http://schemas.openxmlformats.org/drawingml/2006/main" xmlns:r="http://schemas.openxmlformats.org/officeDocument/2006/relationships" xmlns:p="http://schemas.openxmlformats.org/presentationml/2006/main">
   <p:cSld>
     <p:spTree>
@@ -6313,270 +6691,6 @@
 </p:sld>
 </file>
 
-<file path=ppt/slides/slide14.xml><?xml version="1.0" encoding="utf-8"?>
-<p:sld xmlns:a="http://schemas.openxmlformats.org/drawingml/2006/main" xmlns:r="http://schemas.openxmlformats.org/officeDocument/2006/relationships" xmlns:p="http://schemas.openxmlformats.org/presentationml/2006/main">
-  <p:cSld>
-    <p:spTree>
-      <p:nvGrpSpPr>
-        <p:cNvPr id="1" name=""/>
-        <p:cNvGrpSpPr/>
-        <p:nvPr/>
-      </p:nvGrpSpPr>
-      <p:grpSpPr>
-        <a:xfrm>
-          <a:off x="0" y="0"/>
-          <a:ext cx="0" cy="0"/>
-          <a:chOff x="0" y="0"/>
-          <a:chExt cx="0" cy="0"/>
-        </a:xfrm>
-      </p:grpSpPr>
-      <p:sp>
-        <p:nvSpPr>
-          <p:cNvPr id="3" name="标题 2"/>
-          <p:cNvSpPr>
-            <a:spLocks noGrp="1"/>
-          </p:cNvSpPr>
-          <p:nvPr>
-            <p:ph type="title"/>
-          </p:nvPr>
-        </p:nvSpPr>
-        <p:spPr/>
-        <p:txBody>
-          <a:bodyPr/>
-          <a:lstStyle/>
-          <a:p>
-            <a:r>
-              <a:rPr lang="zh-CN" altLang="en-US" dirty="0" smtClean="0"/>
-              <a:t>单元测试内容举例</a:t>
-            </a:r>
-            <a:endParaRPr lang="zh-CN" altLang="en-US" dirty="0"/>
-          </a:p>
-        </p:txBody>
-      </p:sp>
-      <p:sp>
-        <p:nvSpPr>
-          <p:cNvPr id="2" name="内容占位符 1"/>
-          <p:cNvSpPr>
-            <a:spLocks noGrp="1"/>
-          </p:cNvSpPr>
-          <p:nvPr>
-            <p:ph idx="1"/>
-          </p:nvPr>
-        </p:nvSpPr>
-        <p:spPr>
-          <a:xfrm>
-            <a:off x="695400" y="1052736"/>
-            <a:ext cx="10668000" cy="4267200"/>
-          </a:xfrm>
-        </p:spPr>
-        <p:txBody>
-          <a:bodyPr/>
-          <a:lstStyle/>
-          <a:p>
-            <a:pPr marL="0" indent="0">
-              <a:buNone/>
-            </a:pPr>
-            <a:r>
-              <a:rPr lang="en-US" altLang="zh-CN" dirty="0" smtClean="0">
-                <a:cs typeface="Consolas" panose="020B0609020204030204" pitchFamily="49" charset="0"/>
-              </a:rPr>
-              <a:t>// </a:t>
-            </a:r>
-            <a:r>
-              <a:rPr lang="en-US" altLang="zh-CN" dirty="0" err="1" smtClean="0">
-                <a:cs typeface="Consolas" panose="020B0609020204030204" pitchFamily="49" charset="0"/>
-              </a:rPr>
-              <a:t>FuncRevenueAccount</a:t>
-            </a:r>
-            <a:r>
-              <a:rPr lang="zh-CN" altLang="en-US" dirty="0" smtClean="0">
-                <a:cs typeface="Consolas" panose="020B0609020204030204" pitchFamily="49" charset="0"/>
-              </a:rPr>
-              <a:t>是一个账单优惠计算的函数</a:t>
-            </a:r>
-          </a:p>
-          <a:p>
-            <a:pPr marL="0" indent="0">
-              <a:buNone/>
-            </a:pPr>
-            <a:r>
-              <a:rPr lang="en-US" altLang="zh-CN" dirty="0" smtClean="0">
-                <a:cs typeface="Consolas" panose="020B0609020204030204" pitchFamily="49" charset="0"/>
-              </a:rPr>
-              <a:t>#include "</a:t>
-            </a:r>
-            <a:r>
-              <a:rPr lang="en-US" altLang="zh-CN" dirty="0" err="1" smtClean="0">
-                <a:cs typeface="Consolas" panose="020B0609020204030204" pitchFamily="49" charset="0"/>
-              </a:rPr>
-              <a:t>stdio.h</a:t>
-            </a:r>
-            <a:r>
-              <a:rPr lang="en-US" altLang="zh-CN" dirty="0" smtClean="0">
-                <a:cs typeface="Consolas" panose="020B0609020204030204" pitchFamily="49" charset="0"/>
-              </a:rPr>
-              <a:t>"</a:t>
-            </a:r>
-          </a:p>
-          <a:p>
-            <a:pPr marL="0" indent="0">
-              <a:buNone/>
-            </a:pPr>
-            <a:r>
-              <a:rPr lang="en-US" altLang="zh-CN" dirty="0" smtClean="0">
-                <a:cs typeface="Consolas" panose="020B0609020204030204" pitchFamily="49" charset="0"/>
-              </a:rPr>
-              <a:t>#include "</a:t>
-            </a:r>
-            <a:r>
-              <a:rPr lang="en-US" altLang="zh-CN" dirty="0" err="1" smtClean="0">
-                <a:cs typeface="Consolas" panose="020B0609020204030204" pitchFamily="49" charset="0"/>
-              </a:rPr>
-              <a:t>math.h</a:t>
-            </a:r>
-            <a:r>
-              <a:rPr lang="en-US" altLang="zh-CN" dirty="0" smtClean="0">
-                <a:cs typeface="Consolas" panose="020B0609020204030204" pitchFamily="49" charset="0"/>
-              </a:rPr>
-              <a:t>"</a:t>
-            </a:r>
-          </a:p>
-          <a:p>
-            <a:pPr marL="0" indent="0">
-              <a:buNone/>
-            </a:pPr>
-            <a:r>
-              <a:rPr lang="en-US" altLang="zh-CN" dirty="0" smtClean="0">
-                <a:cs typeface="Consolas" panose="020B0609020204030204" pitchFamily="49" charset="0"/>
-              </a:rPr>
-              <a:t>double </a:t>
-            </a:r>
-            <a:r>
-              <a:rPr lang="en-US" altLang="zh-CN" dirty="0" err="1" smtClean="0">
-                <a:cs typeface="Consolas" panose="020B0609020204030204" pitchFamily="49" charset="0"/>
-              </a:rPr>
-              <a:t>FuncRevenueAccount</a:t>
-            </a:r>
-            <a:r>
-              <a:rPr lang="en-US" altLang="zh-CN" dirty="0" smtClean="0">
-                <a:cs typeface="Consolas" panose="020B0609020204030204" pitchFamily="49" charset="0"/>
-              </a:rPr>
-              <a:t>( double amount )</a:t>
-            </a:r>
-          </a:p>
-          <a:p>
-            <a:pPr marL="0" indent="0">
-              <a:buNone/>
-            </a:pPr>
-            <a:r>
-              <a:rPr lang="en-US" altLang="zh-CN" dirty="0" smtClean="0">
-                <a:cs typeface="Consolas" panose="020B0609020204030204" pitchFamily="49" charset="0"/>
-              </a:rPr>
-              <a:t>{</a:t>
-            </a:r>
-          </a:p>
-          <a:p>
-            <a:pPr marL="0" indent="0">
-              <a:buNone/>
-            </a:pPr>
-            <a:r>
-              <a:rPr lang="en-US" altLang="zh-CN" dirty="0" smtClean="0">
-                <a:cs typeface="Consolas" panose="020B0609020204030204" pitchFamily="49" charset="0"/>
-              </a:rPr>
-              <a:t>	double rate = 1.0; // </a:t>
-            </a:r>
-            <a:r>
-              <a:rPr lang="zh-CN" altLang="en-US" dirty="0" smtClean="0">
-                <a:cs typeface="Consolas" panose="020B0609020204030204" pitchFamily="49" charset="0"/>
-              </a:rPr>
-              <a:t>设置折扣率</a:t>
-            </a:r>
-          </a:p>
-          <a:p>
-            <a:pPr marL="0" indent="0">
-              <a:buNone/>
-            </a:pPr>
-            <a:r>
-              <a:rPr lang="zh-CN" altLang="en-US" dirty="0" smtClean="0">
-                <a:cs typeface="Consolas" panose="020B0609020204030204" pitchFamily="49" charset="0"/>
-              </a:rPr>
-              <a:t>	</a:t>
-            </a:r>
-            <a:r>
-              <a:rPr lang="en-US" altLang="zh-CN" dirty="0" smtClean="0">
-                <a:cs typeface="Consolas" panose="020B0609020204030204" pitchFamily="49" charset="0"/>
-              </a:rPr>
-              <a:t>if( amount &lt;= 800 ) // </a:t>
-            </a:r>
-            <a:r>
-              <a:rPr lang="zh-CN" altLang="en-US" dirty="0" smtClean="0">
-                <a:cs typeface="Consolas" panose="020B0609020204030204" pitchFamily="49" charset="0"/>
-              </a:rPr>
-              <a:t>若账单不高于</a:t>
-            </a:r>
-            <a:r>
-              <a:rPr lang="en-US" altLang="zh-CN" dirty="0" smtClean="0">
-                <a:cs typeface="Consolas" panose="020B0609020204030204" pitchFamily="49" charset="0"/>
-              </a:rPr>
-              <a:t>800</a:t>
-            </a:r>
-            <a:r>
-              <a:rPr lang="zh-CN" altLang="en-US" dirty="0" smtClean="0">
-                <a:cs typeface="Consolas" panose="020B0609020204030204" pitchFamily="49" charset="0"/>
-              </a:rPr>
-              <a:t>元，则无折扣</a:t>
-            </a:r>
-          </a:p>
-          <a:p>
-            <a:pPr marL="0" indent="0">
-              <a:buNone/>
-            </a:pPr>
-            <a:r>
-              <a:rPr lang="zh-CN" altLang="en-US" dirty="0" smtClean="0">
-                <a:cs typeface="Consolas" panose="020B0609020204030204" pitchFamily="49" charset="0"/>
-              </a:rPr>
-              <a:t>		</a:t>
-            </a:r>
-          </a:p>
-          <a:p>
-            <a:pPr marL="0" indent="0">
-              <a:buNone/>
-            </a:pPr>
-            <a:r>
-              <a:rPr lang="zh-CN" altLang="en-US" dirty="0" smtClean="0">
-                <a:cs typeface="Consolas" panose="020B0609020204030204" pitchFamily="49" charset="0"/>
-              </a:rPr>
-              <a:t>	</a:t>
-            </a:r>
-            <a:endParaRPr lang="zh-CN" altLang="en-US" dirty="0">
-              <a:cs typeface="Consolas" panose="020B0609020204030204" pitchFamily="49" charset="0"/>
-            </a:endParaRPr>
-          </a:p>
-        </p:txBody>
-      </p:sp>
-    </p:spTree>
-    <p:extLst>
-      <p:ext uri="{BB962C8B-B14F-4D97-AF65-F5344CB8AC3E}">
-        <p14:creationId xmlns:p14="http://schemas.microsoft.com/office/powerpoint/2010/main" val="276331027"/>
-      </p:ext>
-    </p:extLst>
-  </p:cSld>
-  <p:clrMapOvr>
-    <a:masterClrMapping/>
-  </p:clrMapOvr>
-  <p:transition>
-    <p:blinds dir="vert"/>
-  </p:transition>
-  <p:timing>
-    <p:tnLst>
-      <p:par>
-        <p:cTn id="1" dur="indefinite" restart="never" nodeType="tmRoot"/>
-      </p:par>
-    </p:tnLst>
-  </p:timing>
-</p:sld>
-</file>
-
 <file path=ppt/slides/slide15.xml><?xml version="1.0" encoding="utf-8"?>
 <p:sld xmlns:a="http://schemas.openxmlformats.org/drawingml/2006/main" xmlns:r="http://schemas.openxmlformats.org/officeDocument/2006/relationships" xmlns:p="http://schemas.openxmlformats.org/presentationml/2006/main">
   <p:cSld>
@@ -6596,9 +6710,9 @@
       </p:grpSpPr>
       <p:sp>
         <p:nvSpPr>
-          <p:cNvPr id="2" name="标题 1"/>
+          <p:cNvPr id="15363" name="Rectangle 2"/>
           <p:cNvSpPr>
-            <a:spLocks noGrp="1"/>
+            <a:spLocks noGrp="1" noChangeArrowheads="1"/>
           </p:cNvSpPr>
           <p:nvPr>
             <p:ph type="title"/>
@@ -6609,193 +6723,25 @@
           <a:bodyPr/>
           <a:lstStyle/>
           <a:p>
-            <a:r>
-              <a:rPr lang="zh-CN" altLang="en-US" dirty="0" smtClean="0"/>
-              <a:t>单元测试内容举例</a:t>
-            </a:r>
-            <a:endParaRPr lang="zh-CN" altLang="en-US" dirty="0"/>
+            <a:pPr eaLnBrk="1" hangingPunct="1"/>
+            <a:r>
+              <a:rPr lang="zh-CN" altLang="en-US" dirty="0"/>
+              <a:t>驱动和桩模块的设计</a:t>
+            </a:r>
+            <a:endParaRPr lang="zh-CN" altLang="en-US" b="1" dirty="0" smtClean="0">
+              <a:cs typeface="楷体" panose="02010609060101010101" charset="-122"/>
+            </a:endParaRPr>
           </a:p>
         </p:txBody>
       </p:sp>
       <p:sp>
         <p:nvSpPr>
-          <p:cNvPr id="3" name="内容占位符 2"/>
+          <p:cNvPr id="15364" name="Rectangle 3"/>
           <p:cNvSpPr>
-            <a:spLocks noGrp="1"/>
+            <a:spLocks noGrp="1" noChangeArrowheads="1"/>
           </p:cNvSpPr>
           <p:nvPr>
-            <p:ph idx="1"/>
-          </p:nvPr>
-        </p:nvSpPr>
-        <p:spPr>
-          <a:xfrm>
-            <a:off x="695400" y="1052736"/>
-            <a:ext cx="10668000" cy="4267200"/>
-          </a:xfrm>
-        </p:spPr>
-        <p:txBody>
-          <a:bodyPr/>
-          <a:lstStyle/>
-          <a:p>
-            <a:pPr marL="0" indent="0">
-              <a:buNone/>
-            </a:pPr>
-            <a:r>
-              <a:rPr lang="en-US" altLang="zh-CN" dirty="0">
-                <a:cs typeface="Consolas" panose="020B0609020204030204" pitchFamily="49" charset="0"/>
-              </a:rPr>
-              <a:t>rate = 1.0;</a:t>
-            </a:r>
-          </a:p>
-          <a:p>
-            <a:pPr marL="0" indent="0">
-              <a:buNone/>
-            </a:pPr>
-            <a:r>
-              <a:rPr lang="en-US" altLang="zh-CN" dirty="0">
-                <a:cs typeface="Consolas" panose="020B0609020204030204" pitchFamily="49" charset="0"/>
-              </a:rPr>
-              <a:t>	else if( amount &gt; 800 &amp;&amp; amount &lt;= 1800 )</a:t>
-            </a:r>
-          </a:p>
-          <a:p>
-            <a:pPr marL="0" indent="0">
-              <a:buNone/>
-            </a:pPr>
-            <a:r>
-              <a:rPr lang="en-US" altLang="zh-CN" dirty="0">
-                <a:cs typeface="Consolas" panose="020B0609020204030204" pitchFamily="49" charset="0"/>
-              </a:rPr>
-              <a:t>		rate = 0.9; // 9</a:t>
-            </a:r>
-            <a:r>
-              <a:rPr lang="zh-CN" altLang="en-US" dirty="0">
-                <a:cs typeface="Consolas" panose="020B0609020204030204" pitchFamily="49" charset="0"/>
-              </a:rPr>
-              <a:t>折</a:t>
-            </a:r>
-            <a:endParaRPr lang="en-US" altLang="zh-CN" dirty="0">
-              <a:cs typeface="Consolas" panose="020B0609020204030204" pitchFamily="49" charset="0"/>
-            </a:endParaRPr>
-          </a:p>
-          <a:p>
-            <a:pPr marL="0" indent="0">
-              <a:buNone/>
-            </a:pPr>
-            <a:r>
-              <a:rPr lang="en-US" altLang="zh-CN" dirty="0">
-                <a:cs typeface="Consolas" panose="020B0609020204030204" pitchFamily="49" charset="0"/>
-              </a:rPr>
-              <a:t>       else if( amount &gt; 1800 &amp;&amp; amount &lt;= 4800 )</a:t>
-            </a:r>
-          </a:p>
-          <a:p>
-            <a:pPr marL="0" indent="0">
-              <a:buNone/>
-            </a:pPr>
-            <a:r>
-              <a:rPr lang="en-US" altLang="zh-CN" dirty="0">
-                <a:cs typeface="Consolas" panose="020B0609020204030204" pitchFamily="49" charset="0"/>
-              </a:rPr>
-              <a:t>		rate = 0.8; // 8</a:t>
-            </a:r>
-            <a:r>
-              <a:rPr lang="zh-CN" altLang="en-US" dirty="0">
-                <a:cs typeface="Consolas" panose="020B0609020204030204" pitchFamily="49" charset="0"/>
-              </a:rPr>
-              <a:t>折</a:t>
-            </a:r>
-          </a:p>
-          <a:p>
-            <a:pPr marL="0" lvl="2" indent="0">
-              <a:buNone/>
-            </a:pPr>
-            <a:r>
-              <a:rPr lang="en-US" altLang="zh-CN" sz="2800" dirty="0" smtClean="0">
-                <a:cs typeface="Consolas" panose="020B0609020204030204" pitchFamily="49" charset="0"/>
-              </a:rPr>
-              <a:t>    else </a:t>
-            </a:r>
-            <a:r>
-              <a:rPr lang="en-US" altLang="zh-CN" sz="2800" dirty="0">
-                <a:cs typeface="Consolas" panose="020B0609020204030204" pitchFamily="49" charset="0"/>
-              </a:rPr>
-              <a:t>if( amount &gt; 4800 )</a:t>
-            </a:r>
-          </a:p>
-          <a:p>
-            <a:pPr marL="0" lvl="2" indent="0">
-              <a:buNone/>
-            </a:pPr>
-            <a:r>
-              <a:rPr lang="en-US" altLang="zh-CN" sz="2800" dirty="0">
-                <a:cs typeface="Consolas" panose="020B0609020204030204" pitchFamily="49" charset="0"/>
-              </a:rPr>
-              <a:t>		rate = 0.7; // 7</a:t>
-            </a:r>
-            <a:r>
-              <a:rPr lang="zh-CN" altLang="en-US" sz="2800" dirty="0">
-                <a:cs typeface="Consolas" panose="020B0609020204030204" pitchFamily="49" charset="0"/>
-              </a:rPr>
-              <a:t>折</a:t>
-            </a:r>
-          </a:p>
-          <a:p>
-            <a:pPr marL="0" indent="0">
-              <a:buNone/>
-            </a:pPr>
-            <a:endParaRPr lang="zh-CN" altLang="en-US" dirty="0"/>
-          </a:p>
-        </p:txBody>
-      </p:sp>
-    </p:spTree>
-    <p:extLst>
-      <p:ext uri="{BB962C8B-B14F-4D97-AF65-F5344CB8AC3E}">
-        <p14:creationId xmlns:p14="http://schemas.microsoft.com/office/powerpoint/2010/main" val="1729869460"/>
-      </p:ext>
-    </p:extLst>
-  </p:cSld>
-  <p:clrMapOvr>
-    <a:masterClrMapping/>
-  </p:clrMapOvr>
-  <p:transition>
-    <p:blinds dir="vert"/>
-  </p:transition>
-  <p:timing>
-    <p:tnLst>
-      <p:par>
-        <p:cTn id="1" dur="indefinite" restart="never" nodeType="tmRoot"/>
-      </p:par>
-    </p:tnLst>
-  </p:timing>
-</p:sld>
-</file>
-
-<file path=ppt/slides/slide16.xml><?xml version="1.0" encoding="utf-8"?>
-<p:sld xmlns:a="http://schemas.openxmlformats.org/drawingml/2006/main" xmlns:r="http://schemas.openxmlformats.org/officeDocument/2006/relationships" xmlns:p="http://schemas.openxmlformats.org/presentationml/2006/main">
-  <p:cSld>
-    <p:spTree>
-      <p:nvGrpSpPr>
-        <p:cNvPr id="1" name=""/>
-        <p:cNvGrpSpPr/>
-        <p:nvPr/>
-      </p:nvGrpSpPr>
-      <p:grpSpPr>
-        <a:xfrm>
-          <a:off x="0" y="0"/>
-          <a:ext cx="0" cy="0"/>
-          <a:chOff x="0" y="0"/>
-          <a:chExt cx="0" cy="0"/>
-        </a:xfrm>
-      </p:grpSpPr>
-      <p:sp>
-        <p:nvSpPr>
-          <p:cNvPr id="3" name="标题 2"/>
-          <p:cNvSpPr>
-            <a:spLocks noGrp="1"/>
-          </p:cNvSpPr>
-          <p:nvPr>
-            <p:ph type="title"/>
+            <p:ph type="body" idx="1"/>
           </p:nvPr>
         </p:nvSpPr>
         <p:spPr/>
@@ -6803,628 +6749,17 @@
           <a:bodyPr/>
           <a:lstStyle/>
           <a:p>
-            <a:r>
-              <a:rPr lang="zh-CN" altLang="en-US" smtClean="0"/>
-              <a:t>单元测试举例</a:t>
-            </a:r>
-            <a:endParaRPr lang="zh-CN" altLang="en-US" dirty="0"/>
-          </a:p>
-        </p:txBody>
-      </p:sp>
-      <p:sp>
-        <p:nvSpPr>
-          <p:cNvPr id="2" name="内容占位符 1"/>
-          <p:cNvSpPr>
-            <a:spLocks noGrp="1"/>
-          </p:cNvSpPr>
-          <p:nvPr>
-            <p:ph idx="1"/>
-          </p:nvPr>
-        </p:nvSpPr>
-        <p:spPr/>
-        <p:txBody>
-          <a:bodyPr/>
-          <a:lstStyle/>
-          <a:p>
-            <a:pPr marL="0" indent="0">
-              <a:buNone/>
-            </a:pPr>
-            <a:r>
-              <a:rPr lang="zh-CN" altLang="en-US" dirty="0" smtClean="0"/>
-              <a:t>		</a:t>
-            </a:r>
-            <a:r>
-              <a:rPr lang="en-US" altLang="zh-CN" dirty="0" smtClean="0"/>
-              <a:t>else if( amount &lt;= 0 ){ // </a:t>
-            </a:r>
-            <a:r>
-              <a:rPr lang="zh-CN" altLang="en-US" dirty="0" smtClean="0"/>
-              <a:t>否则，赋予一个负数，表示无效</a:t>
-            </a:r>
-          </a:p>
-          <a:p>
-            <a:pPr marL="0" indent="0">
-              <a:buNone/>
-            </a:pPr>
-            <a:r>
-              <a:rPr lang="zh-CN" altLang="en-US" dirty="0" smtClean="0"/>
-              <a:t>		</a:t>
-            </a:r>
-            <a:r>
-              <a:rPr lang="en-US" altLang="zh-CN" dirty="0" smtClean="0"/>
-              <a:t>return -1.0;</a:t>
-            </a:r>
-          </a:p>
-          <a:p>
-            <a:pPr marL="0" indent="0">
-              <a:buNone/>
-            </a:pPr>
-            <a:r>
-              <a:rPr lang="en-US" altLang="zh-CN" dirty="0" smtClean="0"/>
-              <a:t>	}</a:t>
-            </a:r>
-          </a:p>
-          <a:p>
-            <a:pPr marL="0" indent="0">
-              <a:buNone/>
-            </a:pPr>
-            <a:r>
-              <a:rPr lang="en-US" altLang="zh-CN" dirty="0" smtClean="0"/>
-              <a:t>	return amount * rate; // </a:t>
-            </a:r>
-            <a:r>
-              <a:rPr lang="zh-CN" altLang="en-US" dirty="0" smtClean="0"/>
-              <a:t>返回经优惠计算之后的账单</a:t>
-            </a:r>
-          </a:p>
-          <a:p>
-            <a:pPr marL="0" indent="0">
-              <a:buNone/>
-            </a:pPr>
-            <a:r>
-              <a:rPr lang="en-US" altLang="zh-CN" dirty="0" smtClean="0"/>
-              <a:t>}</a:t>
-            </a:r>
-            <a:endParaRPr lang="zh-CN" altLang="en-US" dirty="0" smtClean="0"/>
-          </a:p>
-          <a:p>
-            <a:endParaRPr lang="zh-CN" altLang="en-US" dirty="0"/>
-          </a:p>
-        </p:txBody>
-      </p:sp>
-    </p:spTree>
-    <p:extLst>
-      <p:ext uri="{BB962C8B-B14F-4D97-AF65-F5344CB8AC3E}">
-        <p14:creationId xmlns:p14="http://schemas.microsoft.com/office/powerpoint/2010/main" val="3055598518"/>
-      </p:ext>
-    </p:extLst>
-  </p:cSld>
-  <p:clrMapOvr>
-    <a:masterClrMapping/>
-  </p:clrMapOvr>
-  <p:transition>
-    <p:blinds dir="vert"/>
-  </p:transition>
-  <p:timing>
-    <p:tnLst>
-      <p:par>
-        <p:cTn id="1" dur="indefinite" restart="never" nodeType="tmRoot"/>
-      </p:par>
-    </p:tnLst>
-  </p:timing>
-</p:sld>
-</file>
-
-<file path=ppt/slides/slide17.xml><?xml version="1.0" encoding="utf-8"?>
-<p:sld xmlns:a="http://schemas.openxmlformats.org/drawingml/2006/main" xmlns:r="http://schemas.openxmlformats.org/officeDocument/2006/relationships" xmlns:p="http://schemas.openxmlformats.org/presentationml/2006/main">
-  <p:cSld>
-    <p:spTree>
-      <p:nvGrpSpPr>
-        <p:cNvPr id="1" name=""/>
-        <p:cNvGrpSpPr/>
-        <p:nvPr/>
-      </p:nvGrpSpPr>
-      <p:grpSpPr>
-        <a:xfrm>
-          <a:off x="0" y="0"/>
-          <a:ext cx="0" cy="0"/>
-          <a:chOff x="0" y="0"/>
-          <a:chExt cx="0" cy="0"/>
-        </a:xfrm>
-      </p:grpSpPr>
-      <p:sp>
-        <p:nvSpPr>
-          <p:cNvPr id="3" name="标题 2"/>
-          <p:cNvSpPr>
-            <a:spLocks noGrp="1"/>
-          </p:cNvSpPr>
-          <p:nvPr>
-            <p:ph type="title"/>
-          </p:nvPr>
-        </p:nvSpPr>
-        <p:spPr/>
-        <p:txBody>
-          <a:bodyPr/>
-          <a:lstStyle/>
-          <a:p>
-            <a:r>
-              <a:rPr lang="zh-CN" altLang="en-US" smtClean="0"/>
-              <a:t>单元测试举例</a:t>
-            </a:r>
-            <a:endParaRPr lang="zh-CN" altLang="en-US" dirty="0"/>
-          </a:p>
-        </p:txBody>
-      </p:sp>
-      <p:sp>
-        <p:nvSpPr>
-          <p:cNvPr id="2" name="内容占位符 1"/>
-          <p:cNvSpPr>
-            <a:spLocks noGrp="1"/>
-          </p:cNvSpPr>
-          <p:nvPr>
-            <p:ph idx="1"/>
-          </p:nvPr>
-        </p:nvSpPr>
-        <p:spPr>
-          <a:xfrm>
-            <a:off x="623392" y="980728"/>
-            <a:ext cx="11233248" cy="4843264"/>
-          </a:xfrm>
-        </p:spPr>
-        <p:txBody>
-          <a:bodyPr/>
-          <a:lstStyle/>
-          <a:p>
-            <a:r>
-              <a:rPr lang="zh-CN" altLang="en-US" dirty="0" smtClean="0"/>
-              <a:t>第一步：做静态和动态检查</a:t>
-            </a:r>
-            <a:endParaRPr lang="en-US" altLang="zh-CN" dirty="0" smtClean="0"/>
-          </a:p>
-          <a:p>
-            <a:r>
-              <a:rPr lang="zh-CN" altLang="en-US" dirty="0" smtClean="0"/>
-              <a:t>第二步：编写测试用例做相应测试</a:t>
-            </a:r>
-            <a:r>
-              <a:rPr lang="en-US" altLang="zh-CN" dirty="0" smtClean="0"/>
-              <a:t>(</a:t>
-            </a:r>
-            <a:r>
-              <a:rPr lang="zh-CN" altLang="en-US" dirty="0" smtClean="0"/>
-              <a:t>借鉴黑盒测试用例设计方法如：等价类、边界值</a:t>
-            </a:r>
-            <a:r>
-              <a:rPr lang="en-US" altLang="zh-CN" dirty="0" smtClean="0"/>
-              <a:t>)</a:t>
-            </a:r>
-          </a:p>
-          <a:p>
-            <a:r>
-              <a:rPr lang="zh-CN" altLang="en-US" dirty="0" smtClean="0"/>
-              <a:t>第三步：使用判定覆盖或独立路径覆盖进行测试（有时会与黑盒测试用例重合，则选其一即可）</a:t>
-            </a:r>
-            <a:endParaRPr lang="zh-CN" altLang="en-US" dirty="0"/>
-          </a:p>
-        </p:txBody>
-      </p:sp>
-    </p:spTree>
-    <p:extLst>
-      <p:ext uri="{BB962C8B-B14F-4D97-AF65-F5344CB8AC3E}">
-        <p14:creationId xmlns:p14="http://schemas.microsoft.com/office/powerpoint/2010/main" val="669329688"/>
-      </p:ext>
-    </p:extLst>
-  </p:cSld>
-  <p:clrMapOvr>
-    <a:masterClrMapping/>
-  </p:clrMapOvr>
-  <p:transition>
-    <p:blinds dir="vert"/>
-  </p:transition>
-  <p:timing>
-    <p:tnLst>
-      <p:par>
-        <p:cTn id="1" dur="indefinite" restart="never" nodeType="tmRoot">
-          <p:childTnLst>
-            <p:seq concurrent="1" nextAc="seek">
-              <p:cTn id="2" dur="indefinite" nodeType="mainSeq">
-                <p:childTnLst>
-                  <p:par>
-                    <p:cTn id="3" fill="hold">
-                      <p:stCondLst>
-                        <p:cond delay="indefinite"/>
-                      </p:stCondLst>
-                      <p:childTnLst>
-                        <p:par>
-                          <p:cTn id="4" fill="hold">
-                            <p:stCondLst>
-                              <p:cond delay="0"/>
-                            </p:stCondLst>
-                            <p:childTnLst>
-                              <p:par>
-                                <p:cTn id="5" presetID="2" presetClass="entr" presetSubtype="4" fill="hold" nodeType="clickEffect">
-                                  <p:stCondLst>
-                                    <p:cond delay="0"/>
-                                  </p:stCondLst>
-                                  <p:childTnLst>
-                                    <p:set>
-                                      <p:cBhvr>
-                                        <p:cTn id="6" dur="1" fill="hold">
-                                          <p:stCondLst>
-                                            <p:cond delay="0"/>
-                                          </p:stCondLst>
-                                        </p:cTn>
-                                        <p:tgtEl>
-                                          <p:spTgt spid="2">
-                                            <p:txEl>
-                                              <p:pRg st="0" end="0"/>
-                                            </p:txEl>
-                                          </p:spTgt>
-                                        </p:tgtEl>
-                                        <p:attrNameLst>
-                                          <p:attrName>style.visibility</p:attrName>
-                                        </p:attrNameLst>
-                                      </p:cBhvr>
-                                      <p:to>
-                                        <p:strVal val="visible"/>
-                                      </p:to>
-                                    </p:set>
-                                    <p:anim calcmode="lin" valueType="num">
-                                      <p:cBhvr additive="base">
-                                        <p:cTn id="7" dur="500" fill="hold"/>
-                                        <p:tgtEl>
-                                          <p:spTgt spid="2">
-                                            <p:txEl>
-                                              <p:pRg st="0" end="0"/>
-                                            </p:txEl>
-                                          </p:spTgt>
-                                        </p:tgtEl>
-                                        <p:attrNameLst>
-                                          <p:attrName>ppt_x</p:attrName>
-                                        </p:attrNameLst>
-                                      </p:cBhvr>
-                                      <p:tavLst>
-                                        <p:tav tm="0">
-                                          <p:val>
-                                            <p:strVal val="#ppt_x"/>
-                                          </p:val>
-                                        </p:tav>
-                                        <p:tav tm="100000">
-                                          <p:val>
-                                            <p:strVal val="#ppt_x"/>
-                                          </p:val>
-                                        </p:tav>
-                                      </p:tavLst>
-                                    </p:anim>
-                                    <p:anim calcmode="lin" valueType="num">
-                                      <p:cBhvr additive="base">
-                                        <p:cTn id="8" dur="500" fill="hold"/>
-                                        <p:tgtEl>
-                                          <p:spTgt spid="2">
-                                            <p:txEl>
-                                              <p:pRg st="0" end="0"/>
-                                            </p:txEl>
-                                          </p:spTgt>
-                                        </p:tgtEl>
-                                        <p:attrNameLst>
-                                          <p:attrName>ppt_y</p:attrName>
-                                        </p:attrNameLst>
-                                      </p:cBhvr>
-                                      <p:tavLst>
-                                        <p:tav tm="0">
-                                          <p:val>
-                                            <p:strVal val="1+#ppt_h/2"/>
-                                          </p:val>
-                                        </p:tav>
-                                        <p:tav tm="100000">
-                                          <p:val>
-                                            <p:strVal val="#ppt_y"/>
-                                          </p:val>
-                                        </p:tav>
-                                      </p:tavLst>
-                                    </p:anim>
-                                  </p:childTnLst>
-                                </p:cTn>
-                              </p:par>
-                            </p:childTnLst>
-                          </p:cTn>
-                        </p:par>
-                      </p:childTnLst>
-                    </p:cTn>
-                  </p:par>
-                  <p:par>
-                    <p:cTn id="9" fill="hold">
-                      <p:stCondLst>
-                        <p:cond delay="indefinite"/>
-                      </p:stCondLst>
-                      <p:childTnLst>
-                        <p:par>
-                          <p:cTn id="10" fill="hold">
-                            <p:stCondLst>
-                              <p:cond delay="0"/>
-                            </p:stCondLst>
-                            <p:childTnLst>
-                              <p:par>
-                                <p:cTn id="11" presetID="2" presetClass="entr" presetSubtype="4" fill="hold" nodeType="clickEffect">
-                                  <p:stCondLst>
-                                    <p:cond delay="0"/>
-                                  </p:stCondLst>
-                                  <p:childTnLst>
-                                    <p:set>
-                                      <p:cBhvr>
-                                        <p:cTn id="12" dur="1" fill="hold">
-                                          <p:stCondLst>
-                                            <p:cond delay="0"/>
-                                          </p:stCondLst>
-                                        </p:cTn>
-                                        <p:tgtEl>
-                                          <p:spTgt spid="2">
-                                            <p:txEl>
-                                              <p:pRg st="1" end="1"/>
-                                            </p:txEl>
-                                          </p:spTgt>
-                                        </p:tgtEl>
-                                        <p:attrNameLst>
-                                          <p:attrName>style.visibility</p:attrName>
-                                        </p:attrNameLst>
-                                      </p:cBhvr>
-                                      <p:to>
-                                        <p:strVal val="visible"/>
-                                      </p:to>
-                                    </p:set>
-                                    <p:anim calcmode="lin" valueType="num">
-                                      <p:cBhvr additive="base">
-                                        <p:cTn id="13" dur="500" fill="hold"/>
-                                        <p:tgtEl>
-                                          <p:spTgt spid="2">
-                                            <p:txEl>
-                                              <p:pRg st="1" end="1"/>
-                                            </p:txEl>
-                                          </p:spTgt>
-                                        </p:tgtEl>
-                                        <p:attrNameLst>
-                                          <p:attrName>ppt_x</p:attrName>
-                                        </p:attrNameLst>
-                                      </p:cBhvr>
-                                      <p:tavLst>
-                                        <p:tav tm="0">
-                                          <p:val>
-                                            <p:strVal val="#ppt_x"/>
-                                          </p:val>
-                                        </p:tav>
-                                        <p:tav tm="100000">
-                                          <p:val>
-                                            <p:strVal val="#ppt_x"/>
-                                          </p:val>
-                                        </p:tav>
-                                      </p:tavLst>
-                                    </p:anim>
-                                    <p:anim calcmode="lin" valueType="num">
-                                      <p:cBhvr additive="base">
-                                        <p:cTn id="14" dur="500" fill="hold"/>
-                                        <p:tgtEl>
-                                          <p:spTgt spid="2">
-                                            <p:txEl>
-                                              <p:pRg st="1" end="1"/>
-                                            </p:txEl>
-                                          </p:spTgt>
-                                        </p:tgtEl>
-                                        <p:attrNameLst>
-                                          <p:attrName>ppt_y</p:attrName>
-                                        </p:attrNameLst>
-                                      </p:cBhvr>
-                                      <p:tavLst>
-                                        <p:tav tm="0">
-                                          <p:val>
-                                            <p:strVal val="1+#ppt_h/2"/>
-                                          </p:val>
-                                        </p:tav>
-                                        <p:tav tm="100000">
-                                          <p:val>
-                                            <p:strVal val="#ppt_y"/>
-                                          </p:val>
-                                        </p:tav>
-                                      </p:tavLst>
-                                    </p:anim>
-                                  </p:childTnLst>
-                                </p:cTn>
-                              </p:par>
-                            </p:childTnLst>
-                          </p:cTn>
-                        </p:par>
-                      </p:childTnLst>
-                    </p:cTn>
-                  </p:par>
-                  <p:par>
-                    <p:cTn id="15" fill="hold">
-                      <p:stCondLst>
-                        <p:cond delay="indefinite"/>
-                      </p:stCondLst>
-                      <p:childTnLst>
-                        <p:par>
-                          <p:cTn id="16" fill="hold">
-                            <p:stCondLst>
-                              <p:cond delay="0"/>
-                            </p:stCondLst>
-                            <p:childTnLst>
-                              <p:par>
-                                <p:cTn id="17" presetID="2" presetClass="entr" presetSubtype="4" fill="hold" nodeType="clickEffect">
-                                  <p:stCondLst>
-                                    <p:cond delay="0"/>
-                                  </p:stCondLst>
-                                  <p:childTnLst>
-                                    <p:set>
-                                      <p:cBhvr>
-                                        <p:cTn id="18" dur="1" fill="hold">
-                                          <p:stCondLst>
-                                            <p:cond delay="0"/>
-                                          </p:stCondLst>
-                                        </p:cTn>
-                                        <p:tgtEl>
-                                          <p:spTgt spid="2">
-                                            <p:txEl>
-                                              <p:pRg st="2" end="2"/>
-                                            </p:txEl>
-                                          </p:spTgt>
-                                        </p:tgtEl>
-                                        <p:attrNameLst>
-                                          <p:attrName>style.visibility</p:attrName>
-                                        </p:attrNameLst>
-                                      </p:cBhvr>
-                                      <p:to>
-                                        <p:strVal val="visible"/>
-                                      </p:to>
-                                    </p:set>
-                                    <p:anim calcmode="lin" valueType="num">
-                                      <p:cBhvr additive="base">
-                                        <p:cTn id="19" dur="500" fill="hold"/>
-                                        <p:tgtEl>
-                                          <p:spTgt spid="2">
-                                            <p:txEl>
-                                              <p:pRg st="2" end="2"/>
-                                            </p:txEl>
-                                          </p:spTgt>
-                                        </p:tgtEl>
-                                        <p:attrNameLst>
-                                          <p:attrName>ppt_x</p:attrName>
-                                        </p:attrNameLst>
-                                      </p:cBhvr>
-                                      <p:tavLst>
-                                        <p:tav tm="0">
-                                          <p:val>
-                                            <p:strVal val="#ppt_x"/>
-                                          </p:val>
-                                        </p:tav>
-                                        <p:tav tm="100000">
-                                          <p:val>
-                                            <p:strVal val="#ppt_x"/>
-                                          </p:val>
-                                        </p:tav>
-                                      </p:tavLst>
-                                    </p:anim>
-                                    <p:anim calcmode="lin" valueType="num">
-                                      <p:cBhvr additive="base">
-                                        <p:cTn id="20" dur="500" fill="hold"/>
-                                        <p:tgtEl>
-                                          <p:spTgt spid="2">
-                                            <p:txEl>
-                                              <p:pRg st="2" end="2"/>
-                                            </p:txEl>
-                                          </p:spTgt>
-                                        </p:tgtEl>
-                                        <p:attrNameLst>
-                                          <p:attrName>ppt_y</p:attrName>
-                                        </p:attrNameLst>
-                                      </p:cBhvr>
-                                      <p:tavLst>
-                                        <p:tav tm="0">
-                                          <p:val>
-                                            <p:strVal val="1+#ppt_h/2"/>
-                                          </p:val>
-                                        </p:tav>
-                                        <p:tav tm="100000">
-                                          <p:val>
-                                            <p:strVal val="#ppt_y"/>
-                                          </p:val>
-                                        </p:tav>
-                                      </p:tavLst>
-                                    </p:anim>
-                                  </p:childTnLst>
-                                </p:cTn>
-                              </p:par>
-                            </p:childTnLst>
-                          </p:cTn>
-                        </p:par>
-                      </p:childTnLst>
-                    </p:cTn>
-                  </p:par>
-                </p:childTnLst>
-              </p:cTn>
-              <p:prevCondLst>
-                <p:cond evt="onPrev" delay="0">
-                  <p:tgtEl>
-                    <p:sldTgt/>
-                  </p:tgtEl>
-                </p:cond>
-              </p:prevCondLst>
-              <p:nextCondLst>
-                <p:cond evt="onNext" delay="0">
-                  <p:tgtEl>
-                    <p:sldTgt/>
-                  </p:tgtEl>
-                </p:cond>
-              </p:nextCondLst>
-            </p:seq>
-          </p:childTnLst>
-        </p:cTn>
-      </p:par>
-    </p:tnLst>
-  </p:timing>
-</p:sld>
-</file>
-
-<file path=ppt/slides/slide18.xml><?xml version="1.0" encoding="utf-8"?>
-<p:sld xmlns:a="http://schemas.openxmlformats.org/drawingml/2006/main" xmlns:r="http://schemas.openxmlformats.org/officeDocument/2006/relationships" xmlns:p="http://schemas.openxmlformats.org/presentationml/2006/main">
-  <p:cSld>
-    <p:spTree>
-      <p:nvGrpSpPr>
-        <p:cNvPr id="1" name=""/>
-        <p:cNvGrpSpPr/>
-        <p:nvPr/>
-      </p:nvGrpSpPr>
-      <p:grpSpPr>
-        <a:xfrm>
-          <a:off x="0" y="0"/>
-          <a:ext cx="0" cy="0"/>
-          <a:chOff x="0" y="0"/>
-          <a:chExt cx="0" cy="0"/>
-        </a:xfrm>
-      </p:grpSpPr>
-      <p:sp>
-        <p:nvSpPr>
-          <p:cNvPr id="3" name="标题 2"/>
-          <p:cNvSpPr>
-            <a:spLocks noGrp="1"/>
-          </p:cNvSpPr>
-          <p:nvPr>
-            <p:ph type="title"/>
-          </p:nvPr>
-        </p:nvSpPr>
-        <p:spPr/>
-        <p:txBody>
-          <a:bodyPr/>
-          <a:lstStyle/>
-          <a:p>
-            <a:r>
-              <a:rPr lang="zh-CN" altLang="en-US" smtClean="0"/>
-              <a:t>单元测试举例</a:t>
-            </a:r>
-            <a:endParaRPr lang="zh-CN" altLang="en-US" dirty="0"/>
-          </a:p>
-        </p:txBody>
-      </p:sp>
-      <p:sp>
-        <p:nvSpPr>
-          <p:cNvPr id="7" name="内容占位符 6"/>
-          <p:cNvSpPr>
-            <a:spLocks noGrp="1"/>
-          </p:cNvSpPr>
-          <p:nvPr>
-            <p:ph idx="1"/>
-          </p:nvPr>
-        </p:nvSpPr>
-        <p:spPr/>
-        <p:txBody>
-          <a:bodyPr/>
-          <a:lstStyle/>
-          <a:p>
-            <a:endParaRPr lang="zh-CN" altLang="en-US"/>
+            <a:pPr eaLnBrk="1" hangingPunct="1"/>
+            <a:r>
+              <a:rPr lang="zh-CN" altLang="en-US" sz="3400" b="1" smtClean="0"/>
+              <a:t>单元测试环境</a:t>
+            </a:r>
           </a:p>
         </p:txBody>
       </p:sp>
       <p:pic>
         <p:nvPicPr>
-          <p:cNvPr id="5" name="Picture 2"/>
+          <p:cNvPr id="15366" name="Picture 2"/>
           <p:cNvPicPr>
             <a:picLocks noChangeAspect="1" noChangeArrowheads="1"/>
           </p:cNvPicPr>
@@ -7445,8 +6780,8 @@
         </p:blipFill>
         <p:spPr bwMode="auto">
           <a:xfrm>
-            <a:off x="690563" y="857250"/>
-            <a:ext cx="10938867" cy="5657850"/>
+            <a:off x="1127448" y="1916832"/>
+            <a:ext cx="9362440" cy="4094480"/>
           </a:xfrm>
           <a:prstGeom prst="rect">
             <a:avLst/>
@@ -7479,16 +6814,460 @@
     </p:spTree>
     <p:extLst>
       <p:ext uri="{BB962C8B-B14F-4D97-AF65-F5344CB8AC3E}">
-        <p14:creationId xmlns:p14="http://schemas.microsoft.com/office/powerpoint/2010/main" val="1205924547"/>
+        <p14:creationId xmlns:p14="http://schemas.microsoft.com/office/powerpoint/2010/main" val="2765507952"/>
       </p:ext>
     </p:extLst>
   </p:cSld>
   <p:clrMapOvr>
     <a:masterClrMapping/>
   </p:clrMapOvr>
-  <p:transition>
-    <p:blinds dir="vert"/>
-  </p:transition>
+  <p:transition/>
+  <p:timing>
+    <p:tnLst>
+      <p:par>
+        <p:cTn id="1" dur="indefinite" restart="never" nodeType="tmRoot"/>
+      </p:par>
+    </p:tnLst>
+  </p:timing>
+</p:sld>
+</file>
+
+<file path=ppt/slides/slide16.xml><?xml version="1.0" encoding="utf-8"?>
+<p:sld xmlns:a="http://schemas.openxmlformats.org/drawingml/2006/main" xmlns:r="http://schemas.openxmlformats.org/officeDocument/2006/relationships" xmlns:p="http://schemas.openxmlformats.org/presentationml/2006/main">
+  <p:cSld>
+    <p:spTree>
+      <p:nvGrpSpPr>
+        <p:cNvPr id="1" name=""/>
+        <p:cNvGrpSpPr/>
+        <p:nvPr/>
+      </p:nvGrpSpPr>
+      <p:grpSpPr>
+        <a:xfrm>
+          <a:off x="0" y="0"/>
+          <a:ext cx="0" cy="0"/>
+          <a:chOff x="0" y="0"/>
+          <a:chExt cx="0" cy="0"/>
+        </a:xfrm>
+      </p:grpSpPr>
+      <p:sp>
+        <p:nvSpPr>
+          <p:cNvPr id="16387" name="Rectangle 2"/>
+          <p:cNvSpPr>
+            <a:spLocks noGrp="1" noChangeArrowheads="1"/>
+          </p:cNvSpPr>
+          <p:nvPr>
+            <p:ph type="title"/>
+          </p:nvPr>
+        </p:nvSpPr>
+        <p:spPr/>
+        <p:txBody>
+          <a:bodyPr/>
+          <a:lstStyle/>
+          <a:p>
+            <a:pPr eaLnBrk="1" hangingPunct="1"/>
+            <a:r>
+              <a:rPr lang="zh-CN" altLang="en-US" dirty="0"/>
+              <a:t>驱动和桩模块的设计</a:t>
+            </a:r>
+            <a:endParaRPr lang="zh-CN" altLang="en-US" b="1" dirty="0" smtClean="0">
+              <a:cs typeface="楷体" panose="02010609060101010101" charset="-122"/>
+            </a:endParaRPr>
+          </a:p>
+        </p:txBody>
+      </p:sp>
+      <p:sp>
+        <p:nvSpPr>
+          <p:cNvPr id="16388" name="Rectangle 3"/>
+          <p:cNvSpPr>
+            <a:spLocks noGrp="1" noChangeArrowheads="1"/>
+          </p:cNvSpPr>
+          <p:nvPr>
+            <p:ph type="body" idx="1"/>
+          </p:nvPr>
+        </p:nvSpPr>
+        <p:spPr>
+          <a:xfrm>
+            <a:off x="1127448" y="908720"/>
+            <a:ext cx="10668000" cy="4267200"/>
+          </a:xfrm>
+        </p:spPr>
+        <p:txBody>
+          <a:bodyPr/>
+          <a:lstStyle/>
+          <a:p>
+            <a:pPr eaLnBrk="1" hangingPunct="1">
+              <a:spcBef>
+                <a:spcPts val="200"/>
+              </a:spcBef>
+            </a:pPr>
+            <a:r>
+              <a:rPr lang="zh-CN" altLang="en-US" dirty="0"/>
+              <a:t>适用条件</a:t>
+            </a:r>
+            <a:endParaRPr lang="en-US" altLang="zh-CN" dirty="0"/>
+          </a:p>
+          <a:p>
+            <a:pPr eaLnBrk="1" hangingPunct="1">
+              <a:spcBef>
+                <a:spcPts val="200"/>
+              </a:spcBef>
+            </a:pPr>
+            <a:r>
+              <a:rPr lang="zh-CN" altLang="en-US" dirty="0"/>
+              <a:t>若被测单元所调用模块较简单</a:t>
+            </a:r>
+            <a:endParaRPr lang="en-US" altLang="zh-CN" dirty="0"/>
+          </a:p>
+          <a:p>
+            <a:pPr lvl="1" eaLnBrk="1" hangingPunct="1">
+              <a:spcBef>
+                <a:spcPts val="200"/>
+              </a:spcBef>
+            </a:pPr>
+            <a:r>
+              <a:rPr lang="zh-CN" altLang="en-US" b="1" dirty="0" smtClean="0"/>
+              <a:t>代码段很短</a:t>
+            </a:r>
+            <a:endParaRPr lang="en-US" altLang="zh-CN" b="1" dirty="0" smtClean="0"/>
+          </a:p>
+          <a:p>
+            <a:pPr lvl="1" eaLnBrk="1" hangingPunct="1">
+              <a:spcBef>
+                <a:spcPts val="200"/>
+              </a:spcBef>
+            </a:pPr>
+            <a:r>
+              <a:rPr lang="zh-CN" altLang="en-US" b="1" dirty="0" smtClean="0"/>
+              <a:t>代码结构简单</a:t>
+            </a:r>
+            <a:endParaRPr lang="en-US" altLang="zh-CN" b="1" dirty="0" smtClean="0"/>
+          </a:p>
+          <a:p>
+            <a:pPr lvl="1" eaLnBrk="1" hangingPunct="1">
+              <a:spcBef>
+                <a:spcPts val="200"/>
+              </a:spcBef>
+            </a:pPr>
+            <a:r>
+              <a:rPr lang="zh-CN" altLang="en-US" b="1" dirty="0" smtClean="0"/>
+              <a:t>无复杂的循环和逻辑判断</a:t>
+            </a:r>
+            <a:endParaRPr lang="en-US" altLang="zh-CN" b="1" dirty="0" smtClean="0"/>
+          </a:p>
+          <a:p>
+            <a:pPr lvl="1" eaLnBrk="1" hangingPunct="1">
+              <a:spcBef>
+                <a:spcPts val="200"/>
+              </a:spcBef>
+            </a:pPr>
+            <a:r>
+              <a:rPr lang="zh-CN" altLang="en-US" b="1" dirty="0" smtClean="0"/>
+              <a:t>不涉及复杂的动态内存分配和释放</a:t>
+            </a:r>
+            <a:endParaRPr lang="en-US" altLang="zh-CN" b="1" dirty="0" smtClean="0"/>
+          </a:p>
+          <a:p>
+            <a:pPr lvl="1" eaLnBrk="1" hangingPunct="1">
+              <a:spcBef>
+                <a:spcPts val="200"/>
+              </a:spcBef>
+            </a:pPr>
+            <a:r>
+              <a:rPr lang="zh-CN" altLang="en-US" b="1" dirty="0" smtClean="0"/>
+              <a:t>无大量非结构化设计</a:t>
+            </a:r>
+            <a:endParaRPr lang="en-US" altLang="zh-CN" b="1" dirty="0" smtClean="0"/>
+          </a:p>
+          <a:p>
+            <a:pPr eaLnBrk="1" hangingPunct="1">
+              <a:spcBef>
+                <a:spcPts val="200"/>
+              </a:spcBef>
+            </a:pPr>
+            <a:r>
+              <a:rPr lang="zh-CN" altLang="en-US" dirty="0"/>
+              <a:t>不需要专门设计桩模块，直接与被测单元放在一起执行测试</a:t>
+            </a:r>
+          </a:p>
+        </p:txBody>
+      </p:sp>
+    </p:spTree>
+    <p:extLst>
+      <p:ext uri="{BB962C8B-B14F-4D97-AF65-F5344CB8AC3E}">
+        <p14:creationId xmlns:p14="http://schemas.microsoft.com/office/powerpoint/2010/main" val="1209132969"/>
+      </p:ext>
+    </p:extLst>
+  </p:cSld>
+  <p:clrMapOvr>
+    <a:masterClrMapping/>
+  </p:clrMapOvr>
+  <p:transition/>
+  <p:timing>
+    <p:tnLst>
+      <p:par>
+        <p:cTn id="1" dur="indefinite" restart="never" nodeType="tmRoot"/>
+      </p:par>
+    </p:tnLst>
+  </p:timing>
+</p:sld>
+</file>
+
+<file path=ppt/slides/slide17.xml><?xml version="1.0" encoding="utf-8"?>
+<p:sld xmlns:a="http://schemas.openxmlformats.org/drawingml/2006/main" xmlns:r="http://schemas.openxmlformats.org/officeDocument/2006/relationships" xmlns:p="http://schemas.openxmlformats.org/presentationml/2006/main">
+  <p:cSld>
+    <p:spTree>
+      <p:nvGrpSpPr>
+        <p:cNvPr id="1" name=""/>
+        <p:cNvGrpSpPr/>
+        <p:nvPr/>
+      </p:nvGrpSpPr>
+      <p:grpSpPr>
+        <a:xfrm>
+          <a:off x="0" y="0"/>
+          <a:ext cx="0" cy="0"/>
+          <a:chOff x="0" y="0"/>
+          <a:chExt cx="0" cy="0"/>
+        </a:xfrm>
+      </p:grpSpPr>
+      <p:sp>
+        <p:nvSpPr>
+          <p:cNvPr id="17411" name="Rectangle 2"/>
+          <p:cNvSpPr>
+            <a:spLocks noGrp="1" noChangeArrowheads="1"/>
+          </p:cNvSpPr>
+          <p:nvPr>
+            <p:ph type="title"/>
+          </p:nvPr>
+        </p:nvSpPr>
+        <p:spPr/>
+        <p:txBody>
+          <a:bodyPr/>
+          <a:lstStyle/>
+          <a:p>
+            <a:pPr eaLnBrk="1" hangingPunct="1"/>
+            <a:r>
+              <a:rPr lang="zh-CN" altLang="en-US" dirty="0"/>
+              <a:t>驱动和桩模块的设计</a:t>
+            </a:r>
+            <a:endParaRPr lang="zh-CN" altLang="en-US" b="1" dirty="0" smtClean="0">
+              <a:cs typeface="楷体" panose="02010609060101010101" charset="-122"/>
+            </a:endParaRPr>
+          </a:p>
+        </p:txBody>
+      </p:sp>
+      <p:sp>
+        <p:nvSpPr>
+          <p:cNvPr id="17412" name="Rectangle 3"/>
+          <p:cNvSpPr>
+            <a:spLocks noGrp="1" noChangeArrowheads="1"/>
+          </p:cNvSpPr>
+          <p:nvPr>
+            <p:ph type="body" idx="1"/>
+          </p:nvPr>
+        </p:nvSpPr>
+        <p:spPr/>
+        <p:txBody>
+          <a:bodyPr/>
+          <a:lstStyle/>
+          <a:p>
+            <a:pPr eaLnBrk="1" hangingPunct="1"/>
+            <a:r>
+              <a:rPr lang="zh-CN" altLang="en-US" sz="3400" b="1" dirty="0" smtClean="0"/>
+              <a:t>驱动模块和桩模块的设计</a:t>
+            </a:r>
+            <a:endParaRPr lang="en-US" altLang="zh-CN" sz="3400" b="1" dirty="0" smtClean="0"/>
+          </a:p>
+          <a:p>
+            <a:pPr lvl="1" eaLnBrk="1" hangingPunct="1"/>
+            <a:r>
+              <a:rPr lang="zh-CN" altLang="en-US" b="1" dirty="0" smtClean="0">
+                <a:solidFill>
+                  <a:srgbClr val="0000FF"/>
+                </a:solidFill>
+              </a:rPr>
+              <a:t>设计原则</a:t>
+            </a:r>
+            <a:endParaRPr lang="en-US" altLang="zh-CN" b="1" dirty="0" smtClean="0">
+              <a:solidFill>
+                <a:srgbClr val="0000FF"/>
+              </a:solidFill>
+            </a:endParaRPr>
+          </a:p>
+          <a:p>
+            <a:pPr lvl="1" eaLnBrk="1" hangingPunct="1"/>
+            <a:r>
+              <a:rPr lang="zh-CN" altLang="en-US" b="1" dirty="0" smtClean="0"/>
+              <a:t>驱动模块的功能要求</a:t>
+            </a:r>
+            <a:endParaRPr lang="en-US" altLang="zh-CN" b="1" dirty="0" smtClean="0"/>
+          </a:p>
+          <a:p>
+            <a:pPr lvl="1" eaLnBrk="1" hangingPunct="1"/>
+            <a:r>
+              <a:rPr lang="zh-CN" altLang="en-US" b="1" dirty="0" smtClean="0"/>
+              <a:t>桩模块的功能要求</a:t>
+            </a:r>
+          </a:p>
+        </p:txBody>
+      </p:sp>
+    </p:spTree>
+    <p:extLst>
+      <p:ext uri="{BB962C8B-B14F-4D97-AF65-F5344CB8AC3E}">
+        <p14:creationId xmlns:p14="http://schemas.microsoft.com/office/powerpoint/2010/main" val="614027820"/>
+      </p:ext>
+    </p:extLst>
+  </p:cSld>
+  <p:clrMapOvr>
+    <a:masterClrMapping/>
+  </p:clrMapOvr>
+  <p:transition/>
+  <p:timing>
+    <p:tnLst>
+      <p:par>
+        <p:cTn id="1" dur="indefinite" restart="never" nodeType="tmRoot"/>
+      </p:par>
+    </p:tnLst>
+  </p:timing>
+</p:sld>
+</file>
+
+<file path=ppt/slides/slide18.xml><?xml version="1.0" encoding="utf-8"?>
+<p:sld xmlns:a="http://schemas.openxmlformats.org/drawingml/2006/main" xmlns:r="http://schemas.openxmlformats.org/officeDocument/2006/relationships" xmlns:p="http://schemas.openxmlformats.org/presentationml/2006/main">
+  <p:cSld>
+    <p:spTree>
+      <p:nvGrpSpPr>
+        <p:cNvPr id="1" name=""/>
+        <p:cNvGrpSpPr/>
+        <p:nvPr/>
+      </p:nvGrpSpPr>
+      <p:grpSpPr>
+        <a:xfrm>
+          <a:off x="0" y="0"/>
+          <a:ext cx="0" cy="0"/>
+          <a:chOff x="0" y="0"/>
+          <a:chExt cx="0" cy="0"/>
+        </a:xfrm>
+      </p:grpSpPr>
+      <p:sp>
+        <p:nvSpPr>
+          <p:cNvPr id="18435" name="Rectangle 2"/>
+          <p:cNvSpPr>
+            <a:spLocks noGrp="1" noChangeArrowheads="1"/>
+          </p:cNvSpPr>
+          <p:nvPr>
+            <p:ph type="title"/>
+          </p:nvPr>
+        </p:nvSpPr>
+        <p:spPr/>
+        <p:txBody>
+          <a:bodyPr/>
+          <a:lstStyle/>
+          <a:p>
+            <a:pPr eaLnBrk="1" hangingPunct="1"/>
+            <a:r>
+              <a:rPr lang="zh-CN" altLang="en-US" dirty="0"/>
+              <a:t>驱动和桩模块的设计</a:t>
+            </a:r>
+            <a:endParaRPr lang="zh-CN" altLang="en-US" b="1" dirty="0" smtClean="0">
+              <a:cs typeface="楷体" panose="02010609060101010101" charset="-122"/>
+            </a:endParaRPr>
+          </a:p>
+        </p:txBody>
+      </p:sp>
+      <p:sp>
+        <p:nvSpPr>
+          <p:cNvPr id="18436" name="Rectangle 3"/>
+          <p:cNvSpPr>
+            <a:spLocks noGrp="1" noChangeArrowheads="1"/>
+          </p:cNvSpPr>
+          <p:nvPr>
+            <p:ph type="body" idx="1"/>
+          </p:nvPr>
+        </p:nvSpPr>
+        <p:spPr/>
+        <p:txBody>
+          <a:bodyPr/>
+          <a:lstStyle/>
+          <a:p>
+            <a:pPr eaLnBrk="1" hangingPunct="1"/>
+            <a:r>
+              <a:rPr lang="zh-CN" altLang="en-US" sz="3400" b="1" dirty="0" smtClean="0"/>
+              <a:t>一般设计原则</a:t>
+            </a:r>
+            <a:endParaRPr lang="en-US" altLang="zh-CN" sz="3400" b="1" dirty="0" smtClean="0"/>
+          </a:p>
+          <a:p>
+            <a:pPr lvl="1"/>
+            <a:r>
+              <a:rPr lang="zh-CN" altLang="en-US" b="1" dirty="0" smtClean="0"/>
+              <a:t>应考虑到测试结论的有效性决定于单元测试环境下模拟目标环境</a:t>
+            </a:r>
+            <a:r>
+              <a:rPr lang="en-US" altLang="en-US" b="1" dirty="0" smtClean="0"/>
+              <a:t>(</a:t>
+            </a:r>
+            <a:r>
+              <a:rPr lang="zh-CN" altLang="en-US" b="1" dirty="0" smtClean="0"/>
+              <a:t>程序</a:t>
+            </a:r>
+            <a:r>
+              <a:rPr lang="en-US" altLang="en-US" b="1" dirty="0" smtClean="0"/>
+              <a:t>)</a:t>
+            </a:r>
+            <a:r>
+              <a:rPr lang="zh-CN" altLang="en-US" b="1" dirty="0" smtClean="0"/>
+              <a:t>执行的精确度，即应能考虑到</a:t>
+            </a:r>
+            <a:r>
+              <a:rPr lang="zh-CN" altLang="en-US" b="1" dirty="0" smtClean="0">
+                <a:solidFill>
+                  <a:srgbClr val="FF0000"/>
+                </a:solidFill>
+              </a:rPr>
+              <a:t>测试用例执行所应满足的所有环境因素</a:t>
+            </a:r>
+            <a:r>
+              <a:rPr lang="en-US" altLang="en-US" b="1" dirty="0" smtClean="0"/>
+              <a:t>(</a:t>
+            </a:r>
+            <a:r>
+              <a:rPr lang="zh-CN" altLang="en-US" b="1" dirty="0" smtClean="0"/>
+              <a:t>前置条件、后置条件等</a:t>
+            </a:r>
+            <a:r>
+              <a:rPr lang="en-US" altLang="en-US" b="1" dirty="0" smtClean="0"/>
+              <a:t>)</a:t>
+            </a:r>
+            <a:endParaRPr lang="zh-CN" altLang="en-US" b="1" dirty="0" smtClean="0"/>
+          </a:p>
+          <a:p>
+            <a:pPr lvl="1"/>
+            <a:r>
+              <a:rPr lang="zh-CN" altLang="en-US" b="1" dirty="0" smtClean="0"/>
+              <a:t>应充分考虑到测试过程的迭代性，使驱动模块和桩模块在回归测试中</a:t>
+            </a:r>
+            <a:r>
+              <a:rPr lang="zh-CN" altLang="en-US" b="1" dirty="0" smtClean="0">
+                <a:solidFill>
+                  <a:srgbClr val="FF0000"/>
+                </a:solidFill>
+              </a:rPr>
+              <a:t>尽量能不经修改直接使用，提高重用性，进而提高回归测试效率</a:t>
+            </a:r>
+          </a:p>
+        </p:txBody>
+      </p:sp>
+    </p:spTree>
+    <p:extLst>
+      <p:ext uri="{BB962C8B-B14F-4D97-AF65-F5344CB8AC3E}">
+        <p14:creationId xmlns:p14="http://schemas.microsoft.com/office/powerpoint/2010/main" val="1278781609"/>
+      </p:ext>
+    </p:extLst>
+  </p:cSld>
+  <p:clrMapOvr>
+    <a:masterClrMapping/>
+  </p:clrMapOvr>
+  <p:transition/>
   <p:timing>
     <p:tnLst>
       <p:par>
@@ -7518,9 +7297,9 @@
       </p:grpSpPr>
       <p:sp>
         <p:nvSpPr>
-          <p:cNvPr id="3" name="标题 2"/>
+          <p:cNvPr id="19459" name="Rectangle 2"/>
           <p:cNvSpPr>
-            <a:spLocks noGrp="1"/>
+            <a:spLocks noGrp="1" noChangeArrowheads="1"/>
           </p:cNvSpPr>
           <p:nvPr>
             <p:ph type="title"/>
@@ -7531,22 +7310,25 @@
           <a:bodyPr/>
           <a:lstStyle/>
           <a:p>
-            <a:r>
-              <a:rPr lang="zh-CN" altLang="en-US" smtClean="0"/>
-              <a:t>单元测试举例</a:t>
-            </a:r>
-            <a:endParaRPr lang="zh-CN" altLang="en-US" dirty="0"/>
+            <a:pPr eaLnBrk="1" hangingPunct="1"/>
+            <a:r>
+              <a:rPr lang="zh-CN" altLang="en-US" dirty="0"/>
+              <a:t>驱动和桩模块的设计</a:t>
+            </a:r>
+            <a:endParaRPr lang="zh-CN" altLang="en-US" b="1" dirty="0" smtClean="0">
+              <a:cs typeface="楷体" panose="02010609060101010101" charset="-122"/>
+            </a:endParaRPr>
           </a:p>
         </p:txBody>
       </p:sp>
       <p:sp>
         <p:nvSpPr>
-          <p:cNvPr id="7" name="内容占位符 6"/>
+          <p:cNvPr id="19460" name="Rectangle 3"/>
           <p:cNvSpPr>
-            <a:spLocks noGrp="1"/>
+            <a:spLocks noGrp="1" noChangeArrowheads="1"/>
           </p:cNvSpPr>
           <p:nvPr>
-            <p:ph idx="1"/>
+            <p:ph type="body" idx="1"/>
           </p:nvPr>
         </p:nvSpPr>
         <p:spPr/>
@@ -7554,77 +7336,49 @@
           <a:bodyPr/>
           <a:lstStyle/>
           <a:p>
-            <a:endParaRPr lang="zh-CN" altLang="en-US"/>
+            <a:pPr eaLnBrk="1" hangingPunct="1"/>
+            <a:r>
+              <a:rPr lang="zh-CN" altLang="en-US" sz="3400" b="1" smtClean="0"/>
+              <a:t>具体体现</a:t>
+            </a:r>
+            <a:endParaRPr lang="en-US" altLang="zh-CN" sz="3400" b="1" smtClean="0"/>
+          </a:p>
+          <a:p>
+            <a:pPr lvl="1" eaLnBrk="1" hangingPunct="1"/>
+            <a:r>
+              <a:rPr lang="zh-CN" altLang="en-US" b="1" smtClean="0"/>
+              <a:t>尽量结合已有的测试用例来设计测试数据</a:t>
+            </a:r>
+            <a:endParaRPr lang="en-US" altLang="zh-CN" b="1" smtClean="0"/>
+          </a:p>
+          <a:p>
+            <a:pPr lvl="1" eaLnBrk="1" hangingPunct="1"/>
+            <a:r>
+              <a:rPr lang="zh-CN" altLang="en-US" b="1" smtClean="0"/>
+              <a:t>尽量使用已有测试用例的测试数据来驱动被测单元</a:t>
+            </a:r>
+            <a:endParaRPr lang="en-US" altLang="zh-CN" b="1" smtClean="0"/>
+          </a:p>
+          <a:p>
+            <a:pPr lvl="1" eaLnBrk="1" hangingPunct="1"/>
+            <a:r>
+              <a:rPr lang="zh-CN" altLang="en-US" b="1" smtClean="0"/>
+              <a:t>将测试数据和测试脚本分离</a:t>
+            </a:r>
           </a:p>
         </p:txBody>
       </p:sp>
-      <p:pic>
-        <p:nvPicPr>
-          <p:cNvPr id="4" name="Picture 2"/>
-          <p:cNvPicPr>
-            <a:picLocks noChangeAspect="1" noChangeArrowheads="1"/>
-          </p:cNvPicPr>
-          <p:nvPr/>
-        </p:nvPicPr>
-        <p:blipFill>
-          <a:blip r:embed="rId2">
-            <a:extLst>
-              <a:ext uri="{28A0092B-C50C-407E-A947-70E740481C1C}">
-                <a14:useLocalDpi xmlns:a14="http://schemas.microsoft.com/office/drawing/2010/main" val="0"/>
-              </a:ext>
-            </a:extLst>
-          </a:blip>
-          <a:srcRect/>
-          <a:stretch>
-            <a:fillRect/>
-          </a:stretch>
-        </p:blipFill>
-        <p:spPr bwMode="auto">
-          <a:xfrm>
-            <a:off x="338138" y="793750"/>
-            <a:ext cx="11603608" cy="5861050"/>
-          </a:xfrm>
-          <a:prstGeom prst="rect">
-            <a:avLst/>
-          </a:prstGeom>
-          <a:noFill/>
-          <a:ln>
-            <a:noFill/>
-          </a:ln>
-          <a:extLst>
-            <a:ext uri="{909E8E84-426E-40DD-AFC4-6F175D3DCCD1}">
-              <a14:hiddenFill xmlns:a14="http://schemas.microsoft.com/office/drawing/2010/main">
-                <a:solidFill>
-                  <a:srgbClr val="FFFFFF"/>
-                </a:solidFill>
-              </a14:hiddenFill>
-            </a:ext>
-            <a:ext uri="{91240B29-F687-4F45-9708-019B960494DF}">
-              <a14:hiddenLine xmlns:a14="http://schemas.microsoft.com/office/drawing/2010/main" w="9525">
-                <a:solidFill>
-                  <a:srgbClr val="000000"/>
-                </a:solidFill>
-                <a:miter lim="800000"/>
-                <a:headEnd/>
-                <a:tailEnd/>
-              </a14:hiddenLine>
-            </a:ext>
-          </a:extLst>
-        </p:spPr>
-      </p:pic>
     </p:spTree>
     <p:extLst>
       <p:ext uri="{BB962C8B-B14F-4D97-AF65-F5344CB8AC3E}">
-        <p14:creationId xmlns:p14="http://schemas.microsoft.com/office/powerpoint/2010/main" val="2042619177"/>
+        <p14:creationId xmlns:p14="http://schemas.microsoft.com/office/powerpoint/2010/main" val="3084680323"/>
       </p:ext>
     </p:extLst>
   </p:cSld>
   <p:clrMapOvr>
     <a:masterClrMapping/>
   </p:clrMapOvr>
-  <p:transition>
-    <p:blinds dir="vert"/>
-  </p:transition>
+  <p:transition/>
   <p:timing>
     <p:tnLst>
       <p:par>
@@ -7664,7 +7418,7 @@
         </p:nvSpPr>
         <p:spPr>
           <a:xfrm>
-            <a:off x="2927648" y="1052736"/>
+            <a:off x="2927648" y="1307430"/>
             <a:ext cx="10221383" cy="4641850"/>
           </a:xfrm>
         </p:spPr>
@@ -7678,10 +7432,18 @@
               </a:lnSpc>
             </a:pPr>
             <a:r>
-              <a:rPr lang="zh-CN" altLang="en-US" dirty="0" smtClean="0"/>
+              <a:rPr lang="zh-CN" altLang="en-US" dirty="0" smtClean="0">
+                <a:solidFill>
+                  <a:srgbClr val="FF0000"/>
+                </a:solidFill>
+              </a:rPr>
               <a:t>单元测试的基本概念</a:t>
             </a:r>
-            <a:endParaRPr lang="en-US" altLang="zh-CN" dirty="0" smtClean="0"/>
+            <a:endParaRPr lang="en-US" altLang="zh-CN" dirty="0" smtClean="0">
+              <a:solidFill>
+                <a:srgbClr val="FF0000"/>
+              </a:solidFill>
+            </a:endParaRPr>
           </a:p>
           <a:p>
             <a:pPr>
@@ -7691,11 +7453,7 @@
             </a:pPr>
             <a:r>
               <a:rPr lang="zh-CN" altLang="en-US" dirty="0" smtClean="0"/>
-              <a:t>单元测试的主要</a:t>
-            </a:r>
-            <a:r>
-              <a:rPr lang="zh-CN" altLang="en-US" dirty="0" smtClean="0"/>
-              <a:t>内容</a:t>
+              <a:t>单元测试的主要内容</a:t>
             </a:r>
             <a:endParaRPr lang="en-US" altLang="zh-CN" dirty="0" smtClean="0"/>
           </a:p>
@@ -7845,6 +7603,2856 @@
 </file>
 
 <file path=ppt/slides/slide20.xml><?xml version="1.0" encoding="utf-8"?>
+<p:sld xmlns:a="http://schemas.openxmlformats.org/drawingml/2006/main" xmlns:r="http://schemas.openxmlformats.org/officeDocument/2006/relationships" xmlns:p="http://schemas.openxmlformats.org/presentationml/2006/main">
+  <p:cSld>
+    <p:spTree>
+      <p:nvGrpSpPr>
+        <p:cNvPr id="1" name=""/>
+        <p:cNvGrpSpPr/>
+        <p:nvPr/>
+      </p:nvGrpSpPr>
+      <p:grpSpPr>
+        <a:xfrm>
+          <a:off x="0" y="0"/>
+          <a:ext cx="0" cy="0"/>
+          <a:chOff x="0" y="0"/>
+          <a:chExt cx="0" cy="0"/>
+        </a:xfrm>
+      </p:grpSpPr>
+      <p:sp>
+        <p:nvSpPr>
+          <p:cNvPr id="20483" name="Rectangle 2"/>
+          <p:cNvSpPr>
+            <a:spLocks noGrp="1" noChangeArrowheads="1"/>
+          </p:cNvSpPr>
+          <p:nvPr>
+            <p:ph type="title"/>
+          </p:nvPr>
+        </p:nvSpPr>
+        <p:spPr/>
+        <p:txBody>
+          <a:bodyPr/>
+          <a:lstStyle/>
+          <a:p>
+            <a:pPr eaLnBrk="1" hangingPunct="1"/>
+            <a:r>
+              <a:rPr lang="zh-CN" altLang="en-US" dirty="0"/>
+              <a:t>驱动和桩模块的设计</a:t>
+            </a:r>
+            <a:endParaRPr lang="zh-CN" altLang="en-US" b="1" dirty="0" smtClean="0">
+              <a:cs typeface="楷体" panose="02010609060101010101" charset="-122"/>
+            </a:endParaRPr>
+          </a:p>
+        </p:txBody>
+      </p:sp>
+      <p:sp>
+        <p:nvSpPr>
+          <p:cNvPr id="20484" name="Rectangle 3"/>
+          <p:cNvSpPr>
+            <a:spLocks noGrp="1" noChangeArrowheads="1"/>
+          </p:cNvSpPr>
+          <p:nvPr>
+            <p:ph type="body" idx="1"/>
+          </p:nvPr>
+        </p:nvSpPr>
+        <p:spPr/>
+        <p:txBody>
+          <a:bodyPr/>
+          <a:lstStyle/>
+          <a:p>
+            <a:pPr eaLnBrk="1" hangingPunct="1"/>
+            <a:r>
+              <a:rPr lang="zh-CN" altLang="en-US" sz="3400" b="1" smtClean="0"/>
+              <a:t>驱动模块和桩模块的设计</a:t>
+            </a:r>
+            <a:endParaRPr lang="en-US" altLang="zh-CN" sz="3400" b="1" smtClean="0"/>
+          </a:p>
+          <a:p>
+            <a:pPr lvl="1" eaLnBrk="1" hangingPunct="1"/>
+            <a:r>
+              <a:rPr lang="zh-CN" altLang="en-US" b="1" smtClean="0"/>
+              <a:t>设计原则</a:t>
+            </a:r>
+            <a:endParaRPr lang="en-US" altLang="zh-CN" b="1" smtClean="0"/>
+          </a:p>
+          <a:p>
+            <a:pPr lvl="1" eaLnBrk="1" hangingPunct="1"/>
+            <a:r>
+              <a:rPr lang="zh-CN" altLang="en-US" b="1" smtClean="0">
+                <a:solidFill>
+                  <a:srgbClr val="0000FF"/>
+                </a:solidFill>
+              </a:rPr>
+              <a:t>驱动模块的功能要求</a:t>
+            </a:r>
+            <a:endParaRPr lang="en-US" altLang="zh-CN" b="1" smtClean="0">
+              <a:solidFill>
+                <a:srgbClr val="0000FF"/>
+              </a:solidFill>
+            </a:endParaRPr>
+          </a:p>
+          <a:p>
+            <a:pPr lvl="1" eaLnBrk="1" hangingPunct="1"/>
+            <a:r>
+              <a:rPr lang="zh-CN" altLang="en-US" b="1" smtClean="0"/>
+              <a:t>桩模块的功能要求</a:t>
+            </a:r>
+          </a:p>
+        </p:txBody>
+      </p:sp>
+    </p:spTree>
+    <p:extLst>
+      <p:ext uri="{BB962C8B-B14F-4D97-AF65-F5344CB8AC3E}">
+        <p14:creationId xmlns:p14="http://schemas.microsoft.com/office/powerpoint/2010/main" val="212353018"/>
+      </p:ext>
+    </p:extLst>
+  </p:cSld>
+  <p:clrMapOvr>
+    <a:masterClrMapping/>
+  </p:clrMapOvr>
+  <p:transition/>
+  <p:timing>
+    <p:tnLst>
+      <p:par>
+        <p:cTn id="1" dur="indefinite" restart="never" nodeType="tmRoot"/>
+      </p:par>
+    </p:tnLst>
+  </p:timing>
+</p:sld>
+</file>
+
+<file path=ppt/slides/slide21.xml><?xml version="1.0" encoding="utf-8"?>
+<p:sld xmlns:a="http://schemas.openxmlformats.org/drawingml/2006/main" xmlns:r="http://schemas.openxmlformats.org/officeDocument/2006/relationships" xmlns:p="http://schemas.openxmlformats.org/presentationml/2006/main">
+  <p:cSld>
+    <p:spTree>
+      <p:nvGrpSpPr>
+        <p:cNvPr id="1" name=""/>
+        <p:cNvGrpSpPr/>
+        <p:nvPr/>
+      </p:nvGrpSpPr>
+      <p:grpSpPr>
+        <a:xfrm>
+          <a:off x="0" y="0"/>
+          <a:ext cx="0" cy="0"/>
+          <a:chOff x="0" y="0"/>
+          <a:chExt cx="0" cy="0"/>
+        </a:xfrm>
+      </p:grpSpPr>
+      <p:sp>
+        <p:nvSpPr>
+          <p:cNvPr id="21507" name="Rectangle 2"/>
+          <p:cNvSpPr>
+            <a:spLocks noGrp="1" noChangeArrowheads="1"/>
+          </p:cNvSpPr>
+          <p:nvPr>
+            <p:ph type="title"/>
+          </p:nvPr>
+        </p:nvSpPr>
+        <p:spPr/>
+        <p:txBody>
+          <a:bodyPr/>
+          <a:lstStyle/>
+          <a:p>
+            <a:pPr eaLnBrk="1" hangingPunct="1"/>
+            <a:r>
+              <a:rPr lang="zh-CN" altLang="en-US" dirty="0"/>
+              <a:t>驱动和桩模块的设计</a:t>
+            </a:r>
+            <a:endParaRPr lang="zh-CN" altLang="en-US" b="1" dirty="0" smtClean="0">
+              <a:cs typeface="楷体" panose="02010609060101010101" charset="-122"/>
+            </a:endParaRPr>
+          </a:p>
+        </p:txBody>
+      </p:sp>
+      <p:sp>
+        <p:nvSpPr>
+          <p:cNvPr id="21508" name="Rectangle 3"/>
+          <p:cNvSpPr>
+            <a:spLocks noGrp="1" noChangeArrowheads="1"/>
+          </p:cNvSpPr>
+          <p:nvPr>
+            <p:ph type="body" idx="1"/>
+          </p:nvPr>
+        </p:nvSpPr>
+        <p:spPr>
+          <a:xfrm>
+            <a:off x="695400" y="1340768"/>
+            <a:ext cx="11063605" cy="4267200"/>
+          </a:xfrm>
+        </p:spPr>
+        <p:txBody>
+          <a:bodyPr/>
+          <a:lstStyle/>
+          <a:p>
+            <a:pPr eaLnBrk="1" hangingPunct="1"/>
+            <a:r>
+              <a:rPr lang="zh-CN" altLang="en-US" sz="3400" b="1" dirty="0" smtClean="0"/>
+              <a:t>驱动模块功能要求</a:t>
+            </a:r>
+            <a:endParaRPr lang="en-US" altLang="zh-CN" sz="3400" b="1" dirty="0" smtClean="0"/>
+          </a:p>
+          <a:p>
+            <a:pPr lvl="1" eaLnBrk="1" hangingPunct="1"/>
+            <a:r>
+              <a:rPr lang="zh-CN" altLang="en-US" b="1" dirty="0" smtClean="0"/>
+              <a:t>利用已有的测试用例，接收测试的输入数据</a:t>
+            </a:r>
+            <a:endParaRPr lang="en-US" altLang="zh-CN" b="1" dirty="0" smtClean="0"/>
+          </a:p>
+          <a:p>
+            <a:pPr lvl="1" eaLnBrk="1" hangingPunct="1"/>
+            <a:r>
+              <a:rPr lang="zh-CN" altLang="en-US" b="1" dirty="0" smtClean="0"/>
+              <a:t>将测试数据传递给被测单元</a:t>
+            </a:r>
+            <a:endParaRPr lang="en-US" altLang="zh-CN" b="1" dirty="0" smtClean="0"/>
+          </a:p>
+          <a:p>
+            <a:pPr lvl="1" eaLnBrk="1" hangingPunct="1"/>
+            <a:r>
+              <a:rPr lang="zh-CN" altLang="en-US" b="1" dirty="0" smtClean="0"/>
+              <a:t>打印和输出测试用例的相关结果，判断测试是通过还是失败（断言）</a:t>
+            </a:r>
+            <a:endParaRPr lang="en-US" altLang="zh-CN" b="1" dirty="0" smtClean="0"/>
+          </a:p>
+          <a:p>
+            <a:pPr lvl="1" eaLnBrk="1" hangingPunct="1"/>
+            <a:r>
+              <a:rPr lang="zh-CN" altLang="en-US" b="1" dirty="0" smtClean="0"/>
+              <a:t>通过测试日志文件记录测试过程，便于后续数据保存和分析</a:t>
+            </a:r>
+          </a:p>
+        </p:txBody>
+      </p:sp>
+    </p:spTree>
+    <p:extLst>
+      <p:ext uri="{BB962C8B-B14F-4D97-AF65-F5344CB8AC3E}">
+        <p14:creationId xmlns:p14="http://schemas.microsoft.com/office/powerpoint/2010/main" val="3743160141"/>
+      </p:ext>
+    </p:extLst>
+  </p:cSld>
+  <p:clrMapOvr>
+    <a:masterClrMapping/>
+  </p:clrMapOvr>
+  <p:transition/>
+  <p:timing>
+    <p:tnLst>
+      <p:par>
+        <p:cTn id="1" dur="indefinite" restart="never" nodeType="tmRoot"/>
+      </p:par>
+    </p:tnLst>
+  </p:timing>
+</p:sld>
+</file>
+
+<file path=ppt/slides/slide22.xml><?xml version="1.0" encoding="utf-8"?>
+<p:sld xmlns:a="http://schemas.openxmlformats.org/drawingml/2006/main" xmlns:r="http://schemas.openxmlformats.org/officeDocument/2006/relationships" xmlns:p="http://schemas.openxmlformats.org/presentationml/2006/main">
+  <p:cSld>
+    <p:spTree>
+      <p:nvGrpSpPr>
+        <p:cNvPr id="1" name=""/>
+        <p:cNvGrpSpPr/>
+        <p:nvPr/>
+      </p:nvGrpSpPr>
+      <p:grpSpPr>
+        <a:xfrm>
+          <a:off x="0" y="0"/>
+          <a:ext cx="0" cy="0"/>
+          <a:chOff x="0" y="0"/>
+          <a:chExt cx="0" cy="0"/>
+        </a:xfrm>
+      </p:grpSpPr>
+      <p:sp>
+        <p:nvSpPr>
+          <p:cNvPr id="22531" name="Rectangle 2"/>
+          <p:cNvSpPr>
+            <a:spLocks noGrp="1" noChangeArrowheads="1"/>
+          </p:cNvSpPr>
+          <p:nvPr>
+            <p:ph type="title"/>
+          </p:nvPr>
+        </p:nvSpPr>
+        <p:spPr/>
+        <p:txBody>
+          <a:bodyPr/>
+          <a:lstStyle/>
+          <a:p>
+            <a:pPr eaLnBrk="1" hangingPunct="1"/>
+            <a:r>
+              <a:rPr lang="zh-CN" altLang="en-US" dirty="0"/>
+              <a:t>驱动和桩模块的设计</a:t>
+            </a:r>
+            <a:endParaRPr lang="zh-CN" altLang="en-US" b="1" dirty="0" smtClean="0">
+              <a:cs typeface="楷体" panose="02010609060101010101" charset="-122"/>
+            </a:endParaRPr>
+          </a:p>
+        </p:txBody>
+      </p:sp>
+      <p:sp>
+        <p:nvSpPr>
+          <p:cNvPr id="22532" name="Rectangle 3"/>
+          <p:cNvSpPr>
+            <a:spLocks noGrp="1" noChangeArrowheads="1"/>
+          </p:cNvSpPr>
+          <p:nvPr>
+            <p:ph type="body" idx="1"/>
+          </p:nvPr>
+        </p:nvSpPr>
+        <p:spPr/>
+        <p:txBody>
+          <a:bodyPr/>
+          <a:lstStyle/>
+          <a:p>
+            <a:pPr eaLnBrk="1" hangingPunct="1"/>
+            <a:r>
+              <a:rPr lang="zh-CN" altLang="en-US" sz="3400" b="1" smtClean="0"/>
+              <a:t>驱动模块和桩模块的设计</a:t>
+            </a:r>
+            <a:endParaRPr lang="en-US" altLang="zh-CN" sz="3400" b="1" smtClean="0"/>
+          </a:p>
+          <a:p>
+            <a:pPr lvl="1" eaLnBrk="1" hangingPunct="1"/>
+            <a:r>
+              <a:rPr lang="zh-CN" altLang="en-US" b="1" smtClean="0"/>
+              <a:t>设计原则</a:t>
+            </a:r>
+            <a:endParaRPr lang="en-US" altLang="zh-CN" b="1" smtClean="0"/>
+          </a:p>
+          <a:p>
+            <a:pPr lvl="1" eaLnBrk="1" hangingPunct="1"/>
+            <a:r>
+              <a:rPr lang="zh-CN" altLang="en-US" b="1" smtClean="0"/>
+              <a:t>驱动模块的功能要求</a:t>
+            </a:r>
+            <a:endParaRPr lang="en-US" altLang="zh-CN" b="1" smtClean="0"/>
+          </a:p>
+          <a:p>
+            <a:pPr lvl="1" eaLnBrk="1" hangingPunct="1"/>
+            <a:r>
+              <a:rPr lang="zh-CN" altLang="en-US" b="1" smtClean="0">
+                <a:solidFill>
+                  <a:srgbClr val="0000FF"/>
+                </a:solidFill>
+              </a:rPr>
+              <a:t>桩模块的功能要求</a:t>
+            </a:r>
+          </a:p>
+        </p:txBody>
+      </p:sp>
+    </p:spTree>
+    <p:extLst>
+      <p:ext uri="{BB962C8B-B14F-4D97-AF65-F5344CB8AC3E}">
+        <p14:creationId xmlns:p14="http://schemas.microsoft.com/office/powerpoint/2010/main" val="2435298653"/>
+      </p:ext>
+    </p:extLst>
+  </p:cSld>
+  <p:clrMapOvr>
+    <a:masterClrMapping/>
+  </p:clrMapOvr>
+  <p:transition/>
+  <p:timing>
+    <p:tnLst>
+      <p:par>
+        <p:cTn id="1" dur="indefinite" restart="never" nodeType="tmRoot"/>
+      </p:par>
+    </p:tnLst>
+  </p:timing>
+</p:sld>
+</file>
+
+<file path=ppt/slides/slide23.xml><?xml version="1.0" encoding="utf-8"?>
+<p:sld xmlns:a="http://schemas.openxmlformats.org/drawingml/2006/main" xmlns:r="http://schemas.openxmlformats.org/officeDocument/2006/relationships" xmlns:p="http://schemas.openxmlformats.org/presentationml/2006/main">
+  <p:cSld>
+    <p:spTree>
+      <p:nvGrpSpPr>
+        <p:cNvPr id="1" name=""/>
+        <p:cNvGrpSpPr/>
+        <p:nvPr/>
+      </p:nvGrpSpPr>
+      <p:grpSpPr>
+        <a:xfrm>
+          <a:off x="0" y="0"/>
+          <a:ext cx="0" cy="0"/>
+          <a:chOff x="0" y="0"/>
+          <a:chExt cx="0" cy="0"/>
+        </a:xfrm>
+      </p:grpSpPr>
+      <p:sp>
+        <p:nvSpPr>
+          <p:cNvPr id="23555" name="Rectangle 2"/>
+          <p:cNvSpPr>
+            <a:spLocks noGrp="1" noChangeArrowheads="1"/>
+          </p:cNvSpPr>
+          <p:nvPr>
+            <p:ph type="title"/>
+          </p:nvPr>
+        </p:nvSpPr>
+        <p:spPr/>
+        <p:txBody>
+          <a:bodyPr/>
+          <a:lstStyle/>
+          <a:p>
+            <a:pPr eaLnBrk="1" hangingPunct="1"/>
+            <a:r>
+              <a:rPr lang="zh-CN" altLang="en-US" dirty="0"/>
+              <a:t>驱动和桩模块的设计</a:t>
+            </a:r>
+            <a:endParaRPr lang="zh-CN" altLang="en-US" b="1" dirty="0" smtClean="0">
+              <a:cs typeface="楷体" panose="02010609060101010101" charset="-122"/>
+            </a:endParaRPr>
+          </a:p>
+        </p:txBody>
+      </p:sp>
+      <p:sp>
+        <p:nvSpPr>
+          <p:cNvPr id="23556" name="Rectangle 3"/>
+          <p:cNvSpPr>
+            <a:spLocks noGrp="1" noChangeArrowheads="1"/>
+          </p:cNvSpPr>
+          <p:nvPr>
+            <p:ph type="body" idx="1"/>
+          </p:nvPr>
+        </p:nvSpPr>
+        <p:spPr/>
+        <p:txBody>
+          <a:bodyPr/>
+          <a:lstStyle/>
+          <a:p>
+            <a:pPr eaLnBrk="1" hangingPunct="1"/>
+            <a:r>
+              <a:rPr lang="zh-CN" altLang="en-US" sz="3400" b="1" smtClean="0"/>
+              <a:t>桩模块功能要求</a:t>
+            </a:r>
+            <a:endParaRPr lang="en-US" altLang="zh-CN" sz="3400" b="1" smtClean="0"/>
+          </a:p>
+          <a:p>
+            <a:pPr lvl="1" eaLnBrk="1" hangingPunct="1"/>
+            <a:r>
+              <a:rPr lang="zh-CN" altLang="en-US" b="1" smtClean="0"/>
+              <a:t>在特定条件下完成原单元的基本功能</a:t>
+            </a:r>
+            <a:endParaRPr lang="en-US" altLang="zh-CN" b="1" smtClean="0"/>
+          </a:p>
+          <a:p>
+            <a:pPr lvl="1" eaLnBrk="1" hangingPunct="1"/>
+            <a:r>
+              <a:rPr lang="zh-CN" altLang="en-US" b="1" smtClean="0"/>
+              <a:t>能够被正确调用</a:t>
+            </a:r>
+            <a:endParaRPr lang="en-US" altLang="zh-CN" b="1" smtClean="0"/>
+          </a:p>
+          <a:p>
+            <a:pPr lvl="1" eaLnBrk="1" hangingPunct="1"/>
+            <a:r>
+              <a:rPr lang="zh-CN" altLang="en-US" b="1" smtClean="0"/>
+              <a:t>有返回值</a:t>
+            </a:r>
+            <a:endParaRPr lang="en-US" altLang="zh-CN" b="1" smtClean="0"/>
+          </a:p>
+          <a:p>
+            <a:pPr lvl="1" eaLnBrk="1" hangingPunct="1"/>
+            <a:r>
+              <a:rPr lang="zh-CN" altLang="en-US" b="1" smtClean="0"/>
+              <a:t>不包含原单元的所有细节</a:t>
+            </a:r>
+          </a:p>
+        </p:txBody>
+      </p:sp>
+    </p:spTree>
+    <p:extLst>
+      <p:ext uri="{BB962C8B-B14F-4D97-AF65-F5344CB8AC3E}">
+        <p14:creationId xmlns:p14="http://schemas.microsoft.com/office/powerpoint/2010/main" val="1350171680"/>
+      </p:ext>
+    </p:extLst>
+  </p:cSld>
+  <p:clrMapOvr>
+    <a:masterClrMapping/>
+  </p:clrMapOvr>
+  <p:transition/>
+  <p:timing>
+    <p:tnLst>
+      <p:par>
+        <p:cTn id="1" dur="indefinite" restart="never" nodeType="tmRoot"/>
+      </p:par>
+    </p:tnLst>
+  </p:timing>
+</p:sld>
+</file>
+
+<file path=ppt/slides/slide24.xml><?xml version="1.0" encoding="utf-8"?>
+<p:sld xmlns:a="http://schemas.openxmlformats.org/drawingml/2006/main" xmlns:r="http://schemas.openxmlformats.org/officeDocument/2006/relationships" xmlns:p="http://schemas.openxmlformats.org/presentationml/2006/main">
+  <p:cSld>
+    <p:spTree>
+      <p:nvGrpSpPr>
+        <p:cNvPr id="1" name=""/>
+        <p:cNvGrpSpPr/>
+        <p:nvPr/>
+      </p:nvGrpSpPr>
+      <p:grpSpPr>
+        <a:xfrm>
+          <a:off x="0" y="0"/>
+          <a:ext cx="0" cy="0"/>
+          <a:chOff x="0" y="0"/>
+          <a:chExt cx="0" cy="0"/>
+        </a:xfrm>
+      </p:grpSpPr>
+      <p:sp>
+        <p:nvSpPr>
+          <p:cNvPr id="2" name="内容占位符 1"/>
+          <p:cNvSpPr>
+            <a:spLocks noGrp="1"/>
+          </p:cNvSpPr>
+          <p:nvPr>
+            <p:ph idx="1"/>
+          </p:nvPr>
+        </p:nvSpPr>
+        <p:spPr>
+          <a:xfrm>
+            <a:off x="2927648" y="1052736"/>
+            <a:ext cx="10221383" cy="4641850"/>
+          </a:xfrm>
+        </p:spPr>
+        <p:txBody>
+          <a:bodyPr/>
+          <a:lstStyle/>
+          <a:p>
+            <a:r>
+              <a:rPr lang="zh-CN" altLang="en-US" dirty="0"/>
+              <a:t>单元测试的基本概念</a:t>
+            </a:r>
+            <a:endParaRPr lang="en-US" altLang="zh-CN" dirty="0"/>
+          </a:p>
+          <a:p>
+            <a:r>
+              <a:rPr lang="zh-CN" altLang="en-US" dirty="0"/>
+              <a:t>单元测试的主要内容</a:t>
+            </a:r>
+            <a:endParaRPr lang="en-US" altLang="zh-CN" dirty="0"/>
+          </a:p>
+          <a:p>
+            <a:r>
+              <a:rPr lang="zh-CN" altLang="en-US" dirty="0"/>
+              <a:t>驱动和桩模块的设计</a:t>
+            </a:r>
+            <a:endParaRPr lang="en-US" altLang="zh-CN" dirty="0"/>
+          </a:p>
+          <a:p>
+            <a:r>
+              <a:rPr lang="zh-CN" altLang="en-US" dirty="0">
+                <a:solidFill>
+                  <a:srgbClr val="FF0000"/>
+                </a:solidFill>
+              </a:rPr>
+              <a:t>单元测试实例</a:t>
+            </a:r>
+            <a:endParaRPr lang="en-US" altLang="zh-CN" dirty="0">
+              <a:solidFill>
+                <a:srgbClr val="FF0000"/>
+              </a:solidFill>
+            </a:endParaRPr>
+          </a:p>
+          <a:p>
+            <a:pPr>
+              <a:lnSpc>
+                <a:spcPct val="150000"/>
+              </a:lnSpc>
+            </a:pPr>
+            <a:endParaRPr lang="zh-CN" altLang="en-US" dirty="0"/>
+          </a:p>
+        </p:txBody>
+      </p:sp>
+      <p:sp>
+        <p:nvSpPr>
+          <p:cNvPr id="3" name="标题 2"/>
+          <p:cNvSpPr>
+            <a:spLocks noGrp="1"/>
+          </p:cNvSpPr>
+          <p:nvPr>
+            <p:ph type="title" idx="4294967295"/>
+          </p:nvPr>
+        </p:nvSpPr>
+        <p:spPr/>
+        <p:txBody>
+          <a:bodyPr/>
+          <a:lstStyle/>
+          <a:p>
+            <a:pPr algn="ctr"/>
+            <a:r>
+              <a:rPr lang="zh-CN" altLang="en-US" dirty="0" smtClean="0"/>
+              <a:t>目   录</a:t>
+            </a:r>
+            <a:endParaRPr lang="zh-CN" altLang="en-US" dirty="0"/>
+          </a:p>
+        </p:txBody>
+      </p:sp>
+    </p:spTree>
+    <p:extLst>
+      <p:ext uri="{BB962C8B-B14F-4D97-AF65-F5344CB8AC3E}">
+        <p14:creationId xmlns:p14="http://schemas.microsoft.com/office/powerpoint/2010/main" val="2171189711"/>
+      </p:ext>
+    </p:extLst>
+  </p:cSld>
+  <p:clrMapOvr>
+    <a:masterClrMapping/>
+  </p:clrMapOvr>
+  <p:timing>
+    <p:tnLst>
+      <p:par>
+        <p:cTn id="1" dur="indefinite" restart="never" nodeType="tmRoot"/>
+      </p:par>
+    </p:tnLst>
+  </p:timing>
+</p:sld>
+</file>
+
+<file path=ppt/slides/slide25.xml><?xml version="1.0" encoding="utf-8"?>
+<p:sld xmlns:a="http://schemas.openxmlformats.org/drawingml/2006/main" xmlns:r="http://schemas.openxmlformats.org/officeDocument/2006/relationships" xmlns:p="http://schemas.openxmlformats.org/presentationml/2006/main">
+  <p:cSld>
+    <p:spTree>
+      <p:nvGrpSpPr>
+        <p:cNvPr id="1" name=""/>
+        <p:cNvGrpSpPr/>
+        <p:nvPr/>
+      </p:nvGrpSpPr>
+      <p:grpSpPr>
+        <a:xfrm>
+          <a:off x="0" y="0"/>
+          <a:ext cx="0" cy="0"/>
+          <a:chOff x="0" y="0"/>
+          <a:chExt cx="0" cy="0"/>
+        </a:xfrm>
+      </p:grpSpPr>
+      <p:sp>
+        <p:nvSpPr>
+          <p:cNvPr id="25603" name="Rectangle 2"/>
+          <p:cNvSpPr>
+            <a:spLocks noGrp="1" noChangeArrowheads="1"/>
+          </p:cNvSpPr>
+          <p:nvPr>
+            <p:ph type="title"/>
+          </p:nvPr>
+        </p:nvSpPr>
+        <p:spPr/>
+        <p:txBody>
+          <a:bodyPr/>
+          <a:lstStyle/>
+          <a:p>
+            <a:pPr eaLnBrk="1" hangingPunct="1"/>
+            <a:r>
+              <a:rPr lang="zh-CN" altLang="en-US" dirty="0"/>
+              <a:t>单元测试内容举例</a:t>
+            </a:r>
+            <a:endParaRPr lang="zh-CN" altLang="en-US" b="1" dirty="0" smtClean="0">
+              <a:cs typeface="楷体" panose="02010609060101010101" charset="-122"/>
+            </a:endParaRPr>
+          </a:p>
+        </p:txBody>
+      </p:sp>
+      <p:sp>
+        <p:nvSpPr>
+          <p:cNvPr id="25604" name="Rectangle 3"/>
+          <p:cNvSpPr>
+            <a:spLocks noGrp="1" noChangeArrowheads="1"/>
+          </p:cNvSpPr>
+          <p:nvPr>
+            <p:ph type="body" idx="1"/>
+          </p:nvPr>
+        </p:nvSpPr>
+        <p:spPr/>
+        <p:txBody>
+          <a:bodyPr/>
+          <a:lstStyle/>
+          <a:p>
+            <a:pPr eaLnBrk="1" hangingPunct="1"/>
+            <a:r>
+              <a:rPr lang="zh-CN" altLang="en-US" sz="3400" b="1" smtClean="0">
+                <a:solidFill>
+                  <a:srgbClr val="0000FF"/>
+                </a:solidFill>
+                <a:ea typeface="华文新魏" panose="02010800040101010101" pitchFamily="2" charset="-122"/>
+              </a:rPr>
+              <a:t>账单计算问题</a:t>
+            </a:r>
+          </a:p>
+          <a:p>
+            <a:pPr lvl="1"/>
+            <a:r>
+              <a:rPr lang="zh-CN" altLang="en-US" sz="2200" b="1" smtClean="0">
+                <a:solidFill>
+                  <a:srgbClr val="0000FF"/>
+                </a:solidFill>
+                <a:ea typeface="华文新魏" panose="02010800040101010101" pitchFamily="2" charset="-122"/>
+              </a:rPr>
+              <a:t>当账单上的一次性消费数额（简称消费额）为负数或零时，返回负数表示消费数额无效；</a:t>
+            </a:r>
+          </a:p>
+          <a:p>
+            <a:pPr lvl="1"/>
+            <a:r>
+              <a:rPr lang="zh-CN" altLang="en-US" sz="2200" b="1" smtClean="0">
+                <a:solidFill>
+                  <a:srgbClr val="0000FF"/>
+                </a:solidFill>
+                <a:ea typeface="华文新魏" panose="02010800040101010101" pitchFamily="2" charset="-122"/>
+              </a:rPr>
+              <a:t>当消费数在</a:t>
+            </a:r>
+            <a:r>
+              <a:rPr lang="en-US" altLang="en-US" sz="2200" b="1" smtClean="0">
+                <a:solidFill>
+                  <a:srgbClr val="0000FF"/>
+                </a:solidFill>
+                <a:ea typeface="华文新魏" panose="02010800040101010101" pitchFamily="2" charset="-122"/>
+              </a:rPr>
+              <a:t>800</a:t>
+            </a:r>
+            <a:r>
+              <a:rPr lang="zh-CN" altLang="en-US" sz="2200" b="1" smtClean="0">
+                <a:solidFill>
+                  <a:srgbClr val="0000FF"/>
+                </a:solidFill>
+                <a:ea typeface="华文新魏" panose="02010800040101010101" pitchFamily="2" charset="-122"/>
+              </a:rPr>
+              <a:t>元到</a:t>
+            </a:r>
+            <a:r>
+              <a:rPr lang="en-US" altLang="en-US" sz="2200" b="1" smtClean="0">
+                <a:solidFill>
+                  <a:srgbClr val="0000FF"/>
+                </a:solidFill>
+                <a:ea typeface="华文新魏" panose="02010800040101010101" pitchFamily="2" charset="-122"/>
+              </a:rPr>
+              <a:t>1800</a:t>
+            </a:r>
+            <a:r>
+              <a:rPr lang="zh-CN" altLang="en-US" sz="2200" b="1" smtClean="0">
+                <a:solidFill>
+                  <a:srgbClr val="0000FF"/>
+                </a:solidFill>
+                <a:ea typeface="华文新魏" panose="02010800040101010101" pitchFamily="2" charset="-122"/>
+              </a:rPr>
+              <a:t>元之间时</a:t>
+            </a:r>
+            <a:r>
+              <a:rPr lang="en-US" altLang="en-US" sz="2200" b="1" smtClean="0">
+                <a:solidFill>
+                  <a:srgbClr val="0000FF"/>
+                </a:solidFill>
+                <a:ea typeface="华文新魏" panose="02010800040101010101" pitchFamily="2" charset="-122"/>
+              </a:rPr>
+              <a:t>(</a:t>
+            </a:r>
+            <a:r>
+              <a:rPr lang="zh-CN" altLang="en-US" sz="2200" b="1" smtClean="0">
+                <a:solidFill>
+                  <a:srgbClr val="0000FF"/>
+                </a:solidFill>
+                <a:ea typeface="华文新魏" panose="02010800040101010101" pitchFamily="2" charset="-122"/>
+              </a:rPr>
+              <a:t>不含</a:t>
+            </a:r>
+            <a:r>
+              <a:rPr lang="en-US" altLang="en-US" sz="2200" b="1" smtClean="0">
+                <a:solidFill>
+                  <a:srgbClr val="0000FF"/>
+                </a:solidFill>
+                <a:ea typeface="华文新魏" panose="02010800040101010101" pitchFamily="2" charset="-122"/>
+              </a:rPr>
+              <a:t>800</a:t>
+            </a:r>
+            <a:r>
+              <a:rPr lang="zh-CN" altLang="en-US" sz="2200" b="1" smtClean="0">
+                <a:solidFill>
+                  <a:srgbClr val="0000FF"/>
+                </a:solidFill>
+                <a:ea typeface="华文新魏" panose="02010800040101010101" pitchFamily="2" charset="-122"/>
+              </a:rPr>
+              <a:t>元，但包含</a:t>
+            </a:r>
+            <a:r>
+              <a:rPr lang="en-US" altLang="en-US" sz="2200" b="1" smtClean="0">
+                <a:solidFill>
+                  <a:srgbClr val="0000FF"/>
+                </a:solidFill>
+                <a:ea typeface="华文新魏" panose="02010800040101010101" pitchFamily="2" charset="-122"/>
+              </a:rPr>
+              <a:t>1800</a:t>
+            </a:r>
+            <a:r>
+              <a:rPr lang="zh-CN" altLang="en-US" sz="2200" b="1" smtClean="0">
+                <a:solidFill>
+                  <a:srgbClr val="0000FF"/>
+                </a:solidFill>
+                <a:ea typeface="华文新魏" panose="02010800040101010101" pitchFamily="2" charset="-122"/>
+              </a:rPr>
+              <a:t>元</a:t>
+            </a:r>
+            <a:r>
+              <a:rPr lang="en-US" altLang="en-US" sz="2200" b="1" smtClean="0">
+                <a:solidFill>
+                  <a:srgbClr val="0000FF"/>
+                </a:solidFill>
+                <a:ea typeface="华文新魏" panose="02010800040101010101" pitchFamily="2" charset="-122"/>
+              </a:rPr>
+              <a:t>)</a:t>
+            </a:r>
+            <a:r>
+              <a:rPr lang="zh-CN" altLang="en-US" sz="2200" b="1" smtClean="0">
+                <a:solidFill>
+                  <a:srgbClr val="0000FF"/>
+                </a:solidFill>
+                <a:ea typeface="华文新魏" panose="02010800040101010101" pitchFamily="2" charset="-122"/>
+              </a:rPr>
+              <a:t>，为</a:t>
+            </a:r>
+            <a:r>
+              <a:rPr lang="en-US" altLang="en-US" sz="2200" b="1" smtClean="0">
+                <a:solidFill>
+                  <a:srgbClr val="0000FF"/>
+                </a:solidFill>
+                <a:ea typeface="华文新魏" panose="02010800040101010101" pitchFamily="2" charset="-122"/>
+              </a:rPr>
+              <a:t>9</a:t>
+            </a:r>
+            <a:r>
+              <a:rPr lang="zh-CN" altLang="en-US" sz="2200" b="1" smtClean="0">
+                <a:solidFill>
+                  <a:srgbClr val="0000FF"/>
+                </a:solidFill>
+                <a:ea typeface="华文新魏" panose="02010800040101010101" pitchFamily="2" charset="-122"/>
+              </a:rPr>
+              <a:t>折；</a:t>
+            </a:r>
+          </a:p>
+          <a:p>
+            <a:pPr lvl="1"/>
+            <a:r>
+              <a:rPr lang="zh-CN" altLang="en-US" sz="2200" b="1" smtClean="0">
+                <a:solidFill>
+                  <a:srgbClr val="0000FF"/>
+                </a:solidFill>
+                <a:ea typeface="华文新魏" panose="02010800040101010101" pitchFamily="2" charset="-122"/>
+              </a:rPr>
+              <a:t>当消费额在</a:t>
+            </a:r>
+            <a:r>
+              <a:rPr lang="en-US" altLang="en-US" sz="2200" b="1" smtClean="0">
+                <a:solidFill>
+                  <a:srgbClr val="0000FF"/>
+                </a:solidFill>
+                <a:ea typeface="华文新魏" panose="02010800040101010101" pitchFamily="2" charset="-122"/>
+              </a:rPr>
+              <a:t>1800</a:t>
+            </a:r>
+            <a:r>
+              <a:rPr lang="zh-CN" altLang="en-US" sz="2200" b="1" smtClean="0">
+                <a:solidFill>
+                  <a:srgbClr val="0000FF"/>
+                </a:solidFill>
+                <a:ea typeface="华文新魏" panose="02010800040101010101" pitchFamily="2" charset="-122"/>
+              </a:rPr>
+              <a:t>元到</a:t>
+            </a:r>
+            <a:r>
+              <a:rPr lang="en-US" altLang="en-US" sz="2200" b="1" smtClean="0">
+                <a:solidFill>
+                  <a:srgbClr val="0000FF"/>
+                </a:solidFill>
+                <a:ea typeface="华文新魏" panose="02010800040101010101" pitchFamily="2" charset="-122"/>
+              </a:rPr>
+              <a:t>4800</a:t>
+            </a:r>
+            <a:r>
+              <a:rPr lang="zh-CN" altLang="en-US" sz="2200" b="1" smtClean="0">
+                <a:solidFill>
+                  <a:srgbClr val="0000FF"/>
+                </a:solidFill>
+                <a:ea typeface="华文新魏" panose="02010800040101010101" pitchFamily="2" charset="-122"/>
+              </a:rPr>
+              <a:t>元之间时</a:t>
+            </a:r>
+            <a:r>
+              <a:rPr lang="en-US" altLang="en-US" sz="2200" b="1" smtClean="0">
+                <a:solidFill>
+                  <a:srgbClr val="0000FF"/>
+                </a:solidFill>
+                <a:ea typeface="华文新魏" panose="02010800040101010101" pitchFamily="2" charset="-122"/>
+              </a:rPr>
+              <a:t>(</a:t>
+            </a:r>
+            <a:r>
+              <a:rPr lang="zh-CN" altLang="en-US" sz="2200" b="1" smtClean="0">
+                <a:solidFill>
+                  <a:srgbClr val="0000FF"/>
+                </a:solidFill>
+                <a:ea typeface="华文新魏" panose="02010800040101010101" pitchFamily="2" charset="-122"/>
+              </a:rPr>
+              <a:t>含</a:t>
+            </a:r>
+            <a:r>
+              <a:rPr lang="en-US" altLang="en-US" sz="2200" b="1" smtClean="0">
+                <a:solidFill>
+                  <a:srgbClr val="0000FF"/>
+                </a:solidFill>
+                <a:ea typeface="华文新魏" panose="02010800040101010101" pitchFamily="2" charset="-122"/>
+              </a:rPr>
+              <a:t>4800</a:t>
+            </a:r>
+            <a:r>
+              <a:rPr lang="zh-CN" altLang="en-US" sz="2200" b="1" smtClean="0">
+                <a:solidFill>
+                  <a:srgbClr val="0000FF"/>
+                </a:solidFill>
+                <a:ea typeface="华文新魏" panose="02010800040101010101" pitchFamily="2" charset="-122"/>
+              </a:rPr>
+              <a:t>元</a:t>
+            </a:r>
+            <a:r>
+              <a:rPr lang="en-US" altLang="en-US" sz="2200" b="1" smtClean="0">
+                <a:solidFill>
+                  <a:srgbClr val="0000FF"/>
+                </a:solidFill>
+                <a:ea typeface="华文新魏" panose="02010800040101010101" pitchFamily="2" charset="-122"/>
+              </a:rPr>
+              <a:t>)</a:t>
+            </a:r>
+            <a:r>
+              <a:rPr lang="zh-CN" altLang="en-US" sz="2200" b="1" smtClean="0">
+                <a:solidFill>
+                  <a:srgbClr val="0000FF"/>
+                </a:solidFill>
+                <a:ea typeface="华文新魏" panose="02010800040101010101" pitchFamily="2" charset="-122"/>
+              </a:rPr>
+              <a:t>，为</a:t>
+            </a:r>
+            <a:r>
+              <a:rPr lang="en-US" altLang="en-US" sz="2200" b="1" smtClean="0">
+                <a:solidFill>
+                  <a:srgbClr val="0000FF"/>
+                </a:solidFill>
+                <a:ea typeface="华文新魏" panose="02010800040101010101" pitchFamily="2" charset="-122"/>
+              </a:rPr>
+              <a:t>8</a:t>
+            </a:r>
+            <a:r>
+              <a:rPr lang="zh-CN" altLang="en-US" sz="2200" b="1" smtClean="0">
+                <a:solidFill>
+                  <a:srgbClr val="0000FF"/>
+                </a:solidFill>
+                <a:ea typeface="华文新魏" panose="02010800040101010101" pitchFamily="2" charset="-122"/>
+              </a:rPr>
+              <a:t>折；</a:t>
+            </a:r>
+          </a:p>
+          <a:p>
+            <a:pPr lvl="1"/>
+            <a:r>
+              <a:rPr lang="zh-CN" altLang="en-US" sz="2200" b="1" smtClean="0">
+                <a:solidFill>
+                  <a:srgbClr val="0000FF"/>
+                </a:solidFill>
+                <a:ea typeface="华文新魏" panose="02010800040101010101" pitchFamily="2" charset="-122"/>
+              </a:rPr>
+              <a:t>当消费额在</a:t>
+            </a:r>
+            <a:r>
+              <a:rPr lang="en-US" altLang="en-US" sz="2200" b="1" smtClean="0">
+                <a:solidFill>
+                  <a:srgbClr val="0000FF"/>
+                </a:solidFill>
+                <a:ea typeface="华文新魏" panose="02010800040101010101" pitchFamily="2" charset="-122"/>
+              </a:rPr>
+              <a:t>4800</a:t>
+            </a:r>
+            <a:r>
+              <a:rPr lang="zh-CN" altLang="en-US" sz="2200" b="1" smtClean="0">
+                <a:solidFill>
+                  <a:srgbClr val="0000FF"/>
+                </a:solidFill>
+                <a:ea typeface="华文新魏" panose="02010800040101010101" pitchFamily="2" charset="-122"/>
+              </a:rPr>
+              <a:t>元以上时</a:t>
+            </a:r>
+            <a:r>
+              <a:rPr lang="en-US" altLang="en-US" sz="2200" b="1" smtClean="0">
+                <a:solidFill>
+                  <a:srgbClr val="0000FF"/>
+                </a:solidFill>
+                <a:ea typeface="华文新魏" panose="02010800040101010101" pitchFamily="2" charset="-122"/>
+              </a:rPr>
+              <a:t>(</a:t>
+            </a:r>
+            <a:r>
+              <a:rPr lang="zh-CN" altLang="en-US" sz="2200" b="1" smtClean="0">
+                <a:solidFill>
+                  <a:srgbClr val="0000FF"/>
+                </a:solidFill>
+                <a:ea typeface="华文新魏" panose="02010800040101010101" pitchFamily="2" charset="-122"/>
+              </a:rPr>
+              <a:t>不含</a:t>
+            </a:r>
+            <a:r>
+              <a:rPr lang="en-US" altLang="en-US" sz="2200" b="1" smtClean="0">
+                <a:solidFill>
+                  <a:srgbClr val="0000FF"/>
+                </a:solidFill>
+                <a:ea typeface="华文新魏" panose="02010800040101010101" pitchFamily="2" charset="-122"/>
+              </a:rPr>
+              <a:t>4800</a:t>
+            </a:r>
+            <a:r>
+              <a:rPr lang="zh-CN" altLang="en-US" sz="2200" b="1" smtClean="0">
+                <a:solidFill>
+                  <a:srgbClr val="0000FF"/>
+                </a:solidFill>
+                <a:ea typeface="华文新魏" panose="02010800040101010101" pitchFamily="2" charset="-122"/>
+              </a:rPr>
+              <a:t>元</a:t>
+            </a:r>
+            <a:r>
+              <a:rPr lang="en-US" altLang="en-US" sz="2200" b="1" smtClean="0">
+                <a:solidFill>
+                  <a:srgbClr val="0000FF"/>
+                </a:solidFill>
+                <a:ea typeface="华文新魏" panose="02010800040101010101" pitchFamily="2" charset="-122"/>
+              </a:rPr>
+              <a:t>)</a:t>
+            </a:r>
+            <a:r>
+              <a:rPr lang="zh-CN" altLang="en-US" sz="2200" b="1" smtClean="0">
+                <a:solidFill>
+                  <a:srgbClr val="0000FF"/>
+                </a:solidFill>
+                <a:ea typeface="华文新魏" panose="02010800040101010101" pitchFamily="2" charset="-122"/>
+              </a:rPr>
+              <a:t>，一律为</a:t>
+            </a:r>
+            <a:r>
+              <a:rPr lang="en-US" altLang="en-US" sz="2200" b="1" smtClean="0">
+                <a:solidFill>
+                  <a:srgbClr val="0000FF"/>
+                </a:solidFill>
+                <a:ea typeface="华文新魏" panose="02010800040101010101" pitchFamily="2" charset="-122"/>
+              </a:rPr>
+              <a:t>7</a:t>
+            </a:r>
+            <a:r>
+              <a:rPr lang="zh-CN" altLang="en-US" sz="2200" b="1" smtClean="0">
+                <a:solidFill>
+                  <a:srgbClr val="0000FF"/>
+                </a:solidFill>
+                <a:ea typeface="华文新魏" panose="02010800040101010101" pitchFamily="2" charset="-122"/>
+              </a:rPr>
+              <a:t>折；</a:t>
+            </a:r>
+          </a:p>
+          <a:p>
+            <a:pPr lvl="1"/>
+            <a:r>
+              <a:rPr lang="zh-CN" altLang="en-US" sz="2200" b="1" smtClean="0">
+                <a:solidFill>
+                  <a:srgbClr val="0000FF"/>
+                </a:solidFill>
+                <a:ea typeface="华文新魏" panose="02010800040101010101" pitchFamily="2" charset="-122"/>
+              </a:rPr>
+              <a:t>当消费额无效时，程序应提示消费数额无效</a:t>
+            </a:r>
+          </a:p>
+        </p:txBody>
+      </p:sp>
+    </p:spTree>
+    <p:extLst>
+      <p:ext uri="{BB962C8B-B14F-4D97-AF65-F5344CB8AC3E}">
+        <p14:creationId xmlns:p14="http://schemas.microsoft.com/office/powerpoint/2010/main" val="1010035683"/>
+      </p:ext>
+    </p:extLst>
+  </p:cSld>
+  <p:clrMapOvr>
+    <a:masterClrMapping/>
+  </p:clrMapOvr>
+  <p:transition/>
+  <p:timing>
+    <p:tnLst>
+      <p:par>
+        <p:cTn id="1" dur="indefinite" restart="never" nodeType="tmRoot"/>
+      </p:par>
+    </p:tnLst>
+  </p:timing>
+</p:sld>
+</file>
+
+<file path=ppt/slides/slide26.xml><?xml version="1.0" encoding="utf-8"?>
+<p:sld xmlns:a="http://schemas.openxmlformats.org/drawingml/2006/main" xmlns:r="http://schemas.openxmlformats.org/officeDocument/2006/relationships" xmlns:p="http://schemas.openxmlformats.org/presentationml/2006/main">
+  <p:cSld>
+    <p:spTree>
+      <p:nvGrpSpPr>
+        <p:cNvPr id="1" name=""/>
+        <p:cNvGrpSpPr/>
+        <p:nvPr/>
+      </p:nvGrpSpPr>
+      <p:grpSpPr>
+        <a:xfrm>
+          <a:off x="0" y="0"/>
+          <a:ext cx="0" cy="0"/>
+          <a:chOff x="0" y="0"/>
+          <a:chExt cx="0" cy="0"/>
+        </a:xfrm>
+      </p:grpSpPr>
+      <p:pic>
+        <p:nvPicPr>
+          <p:cNvPr id="1026" name="Picture 2"/>
+          <p:cNvPicPr>
+            <a:picLocks noChangeAspect="1" noChangeArrowheads="1"/>
+          </p:cNvPicPr>
+          <p:nvPr/>
+        </p:nvPicPr>
+        <p:blipFill rotWithShape="1">
+          <a:blip r:embed="rId2">
+            <a:extLst>
+              <a:ext uri="{28A0092B-C50C-407E-A947-70E740481C1C}">
+                <a14:useLocalDpi xmlns:a14="http://schemas.microsoft.com/office/drawing/2010/main" val="0"/>
+              </a:ext>
+            </a:extLst>
+          </a:blip>
+          <a:srcRect b="7454"/>
+          <a:stretch/>
+        </p:blipFill>
+        <p:spPr bwMode="auto">
+          <a:xfrm>
+            <a:off x="1199456" y="1268760"/>
+            <a:ext cx="8885245" cy="4658841"/>
+          </a:xfrm>
+          <a:prstGeom prst="rect">
+            <a:avLst/>
+          </a:prstGeom>
+          <a:noFill/>
+          <a:ln>
+            <a:noFill/>
+          </a:ln>
+          <a:effectLst/>
+          <a:extLst>
+            <a:ext uri="{909E8E84-426E-40DD-AFC4-6F175D3DCCD1}">
+              <a14:hiddenFill xmlns:a14="http://schemas.microsoft.com/office/drawing/2010/main">
+                <a:solidFill>
+                  <a:schemeClr val="accent1"/>
+                </a:solidFill>
+              </a14:hiddenFill>
+            </a:ext>
+            <a:ext uri="{91240B29-F687-4F45-9708-019B960494DF}">
+              <a14:hiddenLine xmlns:a14="http://schemas.microsoft.com/office/drawing/2010/main" w="9525">
+                <a:solidFill>
+                  <a:schemeClr val="tx1"/>
+                </a:solidFill>
+                <a:miter lim="800000"/>
+                <a:headEnd/>
+                <a:tailEnd/>
+              </a14:hiddenLine>
+            </a:ext>
+            <a:ext uri="{AF507438-7753-43E0-B8FC-AC1667EBCBE1}">
+              <a14:hiddenEffects xmlns:a14="http://schemas.microsoft.com/office/drawing/2010/main">
+                <a:effectLst>
+                  <a:outerShdw dist="35921" dir="2700000" algn="ctr" rotWithShape="0">
+                    <a:schemeClr val="bg2"/>
+                  </a:outerShdw>
+                </a:effectLst>
+              </a14:hiddenEffects>
+            </a:ext>
+          </a:extLst>
+        </p:spPr>
+      </p:pic>
+      <p:sp>
+        <p:nvSpPr>
+          <p:cNvPr id="5" name="Rectangle 2"/>
+          <p:cNvSpPr>
+            <a:spLocks noGrp="1" noChangeArrowheads="1"/>
+          </p:cNvSpPr>
+          <p:nvPr>
+            <p:ph type="title"/>
+          </p:nvPr>
+        </p:nvSpPr>
+        <p:spPr>
+          <a:xfrm>
+            <a:off x="684584" y="260648"/>
+            <a:ext cx="10668000" cy="720080"/>
+          </a:xfrm>
+        </p:spPr>
+        <p:txBody>
+          <a:bodyPr/>
+          <a:lstStyle/>
+          <a:p>
+            <a:pPr eaLnBrk="1" hangingPunct="1"/>
+            <a:r>
+              <a:rPr lang="zh-CN" altLang="en-US" dirty="0"/>
+              <a:t>单元测试内容举例</a:t>
+            </a:r>
+            <a:endParaRPr lang="zh-CN" altLang="en-US" b="1" dirty="0" smtClean="0">
+              <a:cs typeface="楷体" panose="02010609060101010101" charset="-122"/>
+            </a:endParaRPr>
+          </a:p>
+        </p:txBody>
+      </p:sp>
+    </p:spTree>
+    <p:extLst>
+      <p:ext uri="{BB962C8B-B14F-4D97-AF65-F5344CB8AC3E}">
+        <p14:creationId xmlns:p14="http://schemas.microsoft.com/office/powerpoint/2010/main" val="2770249701"/>
+      </p:ext>
+    </p:extLst>
+  </p:cSld>
+  <p:clrMapOvr>
+    <a:masterClrMapping/>
+  </p:clrMapOvr>
+  <p:transition>
+    <p:blinds dir="vert"/>
+  </p:transition>
+</p:sld>
+</file>
+
+<file path=ppt/slides/slide27.xml><?xml version="1.0" encoding="utf-8"?>
+<p:sld xmlns:a="http://schemas.openxmlformats.org/drawingml/2006/main" xmlns:r="http://schemas.openxmlformats.org/officeDocument/2006/relationships" xmlns:p="http://schemas.openxmlformats.org/presentationml/2006/main">
+  <p:cSld>
+    <p:spTree>
+      <p:nvGrpSpPr>
+        <p:cNvPr id="1" name=""/>
+        <p:cNvGrpSpPr/>
+        <p:nvPr/>
+      </p:nvGrpSpPr>
+      <p:grpSpPr>
+        <a:xfrm>
+          <a:off x="0" y="0"/>
+          <a:ext cx="0" cy="0"/>
+          <a:chOff x="0" y="0"/>
+          <a:chExt cx="0" cy="0"/>
+        </a:xfrm>
+      </p:grpSpPr>
+      <p:sp>
+        <p:nvSpPr>
+          <p:cNvPr id="3" name="标题 2"/>
+          <p:cNvSpPr>
+            <a:spLocks noGrp="1"/>
+          </p:cNvSpPr>
+          <p:nvPr>
+            <p:ph type="title"/>
+          </p:nvPr>
+        </p:nvSpPr>
+        <p:spPr/>
+        <p:txBody>
+          <a:bodyPr/>
+          <a:lstStyle/>
+          <a:p>
+            <a:r>
+              <a:rPr lang="zh-CN" altLang="en-US" smtClean="0"/>
+              <a:t>单元测试举例</a:t>
+            </a:r>
+            <a:endParaRPr lang="zh-CN" altLang="en-US" dirty="0"/>
+          </a:p>
+        </p:txBody>
+      </p:sp>
+      <p:sp>
+        <p:nvSpPr>
+          <p:cNvPr id="2" name="内容占位符 1"/>
+          <p:cNvSpPr>
+            <a:spLocks noGrp="1"/>
+          </p:cNvSpPr>
+          <p:nvPr>
+            <p:ph idx="1"/>
+          </p:nvPr>
+        </p:nvSpPr>
+        <p:spPr>
+          <a:xfrm>
+            <a:off x="623392" y="980728"/>
+            <a:ext cx="11233248" cy="4843264"/>
+          </a:xfrm>
+        </p:spPr>
+        <p:txBody>
+          <a:bodyPr/>
+          <a:lstStyle/>
+          <a:p>
+            <a:r>
+              <a:rPr lang="zh-CN" altLang="en-US" dirty="0" smtClean="0"/>
+              <a:t>第一步：做静态和动态检查</a:t>
+            </a:r>
+            <a:endParaRPr lang="en-US" altLang="zh-CN" dirty="0" smtClean="0"/>
+          </a:p>
+          <a:p>
+            <a:r>
+              <a:rPr lang="zh-CN" altLang="en-US" dirty="0" smtClean="0"/>
+              <a:t>第二步：编写测试用例做相应测试</a:t>
+            </a:r>
+            <a:r>
+              <a:rPr lang="en-US" altLang="zh-CN" dirty="0" smtClean="0"/>
+              <a:t>(</a:t>
+            </a:r>
+            <a:r>
+              <a:rPr lang="zh-CN" altLang="en-US" dirty="0" smtClean="0"/>
+              <a:t>借鉴黑盒测试用例设计方法如：等价类、边界值</a:t>
+            </a:r>
+            <a:r>
+              <a:rPr lang="en-US" altLang="zh-CN" dirty="0" smtClean="0"/>
+              <a:t>)</a:t>
+            </a:r>
+          </a:p>
+          <a:p>
+            <a:r>
+              <a:rPr lang="zh-CN" altLang="en-US" dirty="0" smtClean="0"/>
+              <a:t>第三步：使用判定覆盖或独立路径覆盖进行测试（有时会与黑盒测试用例重合，则选其一即可）</a:t>
+            </a:r>
+            <a:endParaRPr lang="zh-CN" altLang="en-US" dirty="0"/>
+          </a:p>
+        </p:txBody>
+      </p:sp>
+    </p:spTree>
+    <p:extLst>
+      <p:ext uri="{BB962C8B-B14F-4D97-AF65-F5344CB8AC3E}">
+        <p14:creationId xmlns:p14="http://schemas.microsoft.com/office/powerpoint/2010/main" val="669329688"/>
+      </p:ext>
+    </p:extLst>
+  </p:cSld>
+  <p:clrMapOvr>
+    <a:masterClrMapping/>
+  </p:clrMapOvr>
+  <p:transition>
+    <p:blinds dir="vert"/>
+  </p:transition>
+  <p:timing>
+    <p:tnLst>
+      <p:par>
+        <p:cTn id="1" dur="indefinite" restart="never" nodeType="tmRoot">
+          <p:childTnLst>
+            <p:seq concurrent="1" nextAc="seek">
+              <p:cTn id="2" dur="indefinite" nodeType="mainSeq">
+                <p:childTnLst>
+                  <p:par>
+                    <p:cTn id="3" fill="hold">
+                      <p:stCondLst>
+                        <p:cond delay="indefinite"/>
+                      </p:stCondLst>
+                      <p:childTnLst>
+                        <p:par>
+                          <p:cTn id="4" fill="hold">
+                            <p:stCondLst>
+                              <p:cond delay="0"/>
+                            </p:stCondLst>
+                            <p:childTnLst>
+                              <p:par>
+                                <p:cTn id="5" presetID="2" presetClass="entr" presetSubtype="4" fill="hold" nodeType="clickEffect">
+                                  <p:stCondLst>
+                                    <p:cond delay="0"/>
+                                  </p:stCondLst>
+                                  <p:childTnLst>
+                                    <p:set>
+                                      <p:cBhvr>
+                                        <p:cTn id="6" dur="1" fill="hold">
+                                          <p:stCondLst>
+                                            <p:cond delay="0"/>
+                                          </p:stCondLst>
+                                        </p:cTn>
+                                        <p:tgtEl>
+                                          <p:spTgt spid="2">
+                                            <p:txEl>
+                                              <p:pRg st="0" end="0"/>
+                                            </p:txEl>
+                                          </p:spTgt>
+                                        </p:tgtEl>
+                                        <p:attrNameLst>
+                                          <p:attrName>style.visibility</p:attrName>
+                                        </p:attrNameLst>
+                                      </p:cBhvr>
+                                      <p:to>
+                                        <p:strVal val="visible"/>
+                                      </p:to>
+                                    </p:set>
+                                    <p:anim calcmode="lin" valueType="num">
+                                      <p:cBhvr additive="base">
+                                        <p:cTn id="7" dur="500" fill="hold"/>
+                                        <p:tgtEl>
+                                          <p:spTgt spid="2">
+                                            <p:txEl>
+                                              <p:pRg st="0" end="0"/>
+                                            </p:txEl>
+                                          </p:spTgt>
+                                        </p:tgtEl>
+                                        <p:attrNameLst>
+                                          <p:attrName>ppt_x</p:attrName>
+                                        </p:attrNameLst>
+                                      </p:cBhvr>
+                                      <p:tavLst>
+                                        <p:tav tm="0">
+                                          <p:val>
+                                            <p:strVal val="#ppt_x"/>
+                                          </p:val>
+                                        </p:tav>
+                                        <p:tav tm="100000">
+                                          <p:val>
+                                            <p:strVal val="#ppt_x"/>
+                                          </p:val>
+                                        </p:tav>
+                                      </p:tavLst>
+                                    </p:anim>
+                                    <p:anim calcmode="lin" valueType="num">
+                                      <p:cBhvr additive="base">
+                                        <p:cTn id="8" dur="500" fill="hold"/>
+                                        <p:tgtEl>
+                                          <p:spTgt spid="2">
+                                            <p:txEl>
+                                              <p:pRg st="0" end="0"/>
+                                            </p:txEl>
+                                          </p:spTgt>
+                                        </p:tgtEl>
+                                        <p:attrNameLst>
+                                          <p:attrName>ppt_y</p:attrName>
+                                        </p:attrNameLst>
+                                      </p:cBhvr>
+                                      <p:tavLst>
+                                        <p:tav tm="0">
+                                          <p:val>
+                                            <p:strVal val="1+#ppt_h/2"/>
+                                          </p:val>
+                                        </p:tav>
+                                        <p:tav tm="100000">
+                                          <p:val>
+                                            <p:strVal val="#ppt_y"/>
+                                          </p:val>
+                                        </p:tav>
+                                      </p:tavLst>
+                                    </p:anim>
+                                  </p:childTnLst>
+                                </p:cTn>
+                              </p:par>
+                            </p:childTnLst>
+                          </p:cTn>
+                        </p:par>
+                      </p:childTnLst>
+                    </p:cTn>
+                  </p:par>
+                  <p:par>
+                    <p:cTn id="9" fill="hold">
+                      <p:stCondLst>
+                        <p:cond delay="indefinite"/>
+                      </p:stCondLst>
+                      <p:childTnLst>
+                        <p:par>
+                          <p:cTn id="10" fill="hold">
+                            <p:stCondLst>
+                              <p:cond delay="0"/>
+                            </p:stCondLst>
+                            <p:childTnLst>
+                              <p:par>
+                                <p:cTn id="11" presetID="2" presetClass="entr" presetSubtype="4" fill="hold" nodeType="clickEffect">
+                                  <p:stCondLst>
+                                    <p:cond delay="0"/>
+                                  </p:stCondLst>
+                                  <p:childTnLst>
+                                    <p:set>
+                                      <p:cBhvr>
+                                        <p:cTn id="12" dur="1" fill="hold">
+                                          <p:stCondLst>
+                                            <p:cond delay="0"/>
+                                          </p:stCondLst>
+                                        </p:cTn>
+                                        <p:tgtEl>
+                                          <p:spTgt spid="2">
+                                            <p:txEl>
+                                              <p:pRg st="1" end="1"/>
+                                            </p:txEl>
+                                          </p:spTgt>
+                                        </p:tgtEl>
+                                        <p:attrNameLst>
+                                          <p:attrName>style.visibility</p:attrName>
+                                        </p:attrNameLst>
+                                      </p:cBhvr>
+                                      <p:to>
+                                        <p:strVal val="visible"/>
+                                      </p:to>
+                                    </p:set>
+                                    <p:anim calcmode="lin" valueType="num">
+                                      <p:cBhvr additive="base">
+                                        <p:cTn id="13" dur="500" fill="hold"/>
+                                        <p:tgtEl>
+                                          <p:spTgt spid="2">
+                                            <p:txEl>
+                                              <p:pRg st="1" end="1"/>
+                                            </p:txEl>
+                                          </p:spTgt>
+                                        </p:tgtEl>
+                                        <p:attrNameLst>
+                                          <p:attrName>ppt_x</p:attrName>
+                                        </p:attrNameLst>
+                                      </p:cBhvr>
+                                      <p:tavLst>
+                                        <p:tav tm="0">
+                                          <p:val>
+                                            <p:strVal val="#ppt_x"/>
+                                          </p:val>
+                                        </p:tav>
+                                        <p:tav tm="100000">
+                                          <p:val>
+                                            <p:strVal val="#ppt_x"/>
+                                          </p:val>
+                                        </p:tav>
+                                      </p:tavLst>
+                                    </p:anim>
+                                    <p:anim calcmode="lin" valueType="num">
+                                      <p:cBhvr additive="base">
+                                        <p:cTn id="14" dur="500" fill="hold"/>
+                                        <p:tgtEl>
+                                          <p:spTgt spid="2">
+                                            <p:txEl>
+                                              <p:pRg st="1" end="1"/>
+                                            </p:txEl>
+                                          </p:spTgt>
+                                        </p:tgtEl>
+                                        <p:attrNameLst>
+                                          <p:attrName>ppt_y</p:attrName>
+                                        </p:attrNameLst>
+                                      </p:cBhvr>
+                                      <p:tavLst>
+                                        <p:tav tm="0">
+                                          <p:val>
+                                            <p:strVal val="1+#ppt_h/2"/>
+                                          </p:val>
+                                        </p:tav>
+                                        <p:tav tm="100000">
+                                          <p:val>
+                                            <p:strVal val="#ppt_y"/>
+                                          </p:val>
+                                        </p:tav>
+                                      </p:tavLst>
+                                    </p:anim>
+                                  </p:childTnLst>
+                                </p:cTn>
+                              </p:par>
+                            </p:childTnLst>
+                          </p:cTn>
+                        </p:par>
+                      </p:childTnLst>
+                    </p:cTn>
+                  </p:par>
+                  <p:par>
+                    <p:cTn id="15" fill="hold">
+                      <p:stCondLst>
+                        <p:cond delay="indefinite"/>
+                      </p:stCondLst>
+                      <p:childTnLst>
+                        <p:par>
+                          <p:cTn id="16" fill="hold">
+                            <p:stCondLst>
+                              <p:cond delay="0"/>
+                            </p:stCondLst>
+                            <p:childTnLst>
+                              <p:par>
+                                <p:cTn id="17" presetID="2" presetClass="entr" presetSubtype="4" fill="hold" nodeType="clickEffect">
+                                  <p:stCondLst>
+                                    <p:cond delay="0"/>
+                                  </p:stCondLst>
+                                  <p:childTnLst>
+                                    <p:set>
+                                      <p:cBhvr>
+                                        <p:cTn id="18" dur="1" fill="hold">
+                                          <p:stCondLst>
+                                            <p:cond delay="0"/>
+                                          </p:stCondLst>
+                                        </p:cTn>
+                                        <p:tgtEl>
+                                          <p:spTgt spid="2">
+                                            <p:txEl>
+                                              <p:pRg st="2" end="2"/>
+                                            </p:txEl>
+                                          </p:spTgt>
+                                        </p:tgtEl>
+                                        <p:attrNameLst>
+                                          <p:attrName>style.visibility</p:attrName>
+                                        </p:attrNameLst>
+                                      </p:cBhvr>
+                                      <p:to>
+                                        <p:strVal val="visible"/>
+                                      </p:to>
+                                    </p:set>
+                                    <p:anim calcmode="lin" valueType="num">
+                                      <p:cBhvr additive="base">
+                                        <p:cTn id="19" dur="500" fill="hold"/>
+                                        <p:tgtEl>
+                                          <p:spTgt spid="2">
+                                            <p:txEl>
+                                              <p:pRg st="2" end="2"/>
+                                            </p:txEl>
+                                          </p:spTgt>
+                                        </p:tgtEl>
+                                        <p:attrNameLst>
+                                          <p:attrName>ppt_x</p:attrName>
+                                        </p:attrNameLst>
+                                      </p:cBhvr>
+                                      <p:tavLst>
+                                        <p:tav tm="0">
+                                          <p:val>
+                                            <p:strVal val="#ppt_x"/>
+                                          </p:val>
+                                        </p:tav>
+                                        <p:tav tm="100000">
+                                          <p:val>
+                                            <p:strVal val="#ppt_x"/>
+                                          </p:val>
+                                        </p:tav>
+                                      </p:tavLst>
+                                    </p:anim>
+                                    <p:anim calcmode="lin" valueType="num">
+                                      <p:cBhvr additive="base">
+                                        <p:cTn id="20" dur="500" fill="hold"/>
+                                        <p:tgtEl>
+                                          <p:spTgt spid="2">
+                                            <p:txEl>
+                                              <p:pRg st="2" end="2"/>
+                                            </p:txEl>
+                                          </p:spTgt>
+                                        </p:tgtEl>
+                                        <p:attrNameLst>
+                                          <p:attrName>ppt_y</p:attrName>
+                                        </p:attrNameLst>
+                                      </p:cBhvr>
+                                      <p:tavLst>
+                                        <p:tav tm="0">
+                                          <p:val>
+                                            <p:strVal val="1+#ppt_h/2"/>
+                                          </p:val>
+                                        </p:tav>
+                                        <p:tav tm="100000">
+                                          <p:val>
+                                            <p:strVal val="#ppt_y"/>
+                                          </p:val>
+                                        </p:tav>
+                                      </p:tavLst>
+                                    </p:anim>
+                                  </p:childTnLst>
+                                </p:cTn>
+                              </p:par>
+                            </p:childTnLst>
+                          </p:cTn>
+                        </p:par>
+                      </p:childTnLst>
+                    </p:cTn>
+                  </p:par>
+                </p:childTnLst>
+              </p:cTn>
+              <p:prevCondLst>
+                <p:cond evt="onPrev" delay="0">
+                  <p:tgtEl>
+                    <p:sldTgt/>
+                  </p:tgtEl>
+                </p:cond>
+              </p:prevCondLst>
+              <p:nextCondLst>
+                <p:cond evt="onNext" delay="0">
+                  <p:tgtEl>
+                    <p:sldTgt/>
+                  </p:tgtEl>
+                </p:cond>
+              </p:nextCondLst>
+            </p:seq>
+          </p:childTnLst>
+        </p:cTn>
+      </p:par>
+    </p:tnLst>
+  </p:timing>
+</p:sld>
+</file>
+
+<file path=ppt/slides/slide28.xml><?xml version="1.0" encoding="utf-8"?>
+<p:sld xmlns:a="http://schemas.openxmlformats.org/drawingml/2006/main" xmlns:r="http://schemas.openxmlformats.org/officeDocument/2006/relationships" xmlns:p="http://schemas.openxmlformats.org/presentationml/2006/main">
+  <p:cSld>
+    <p:spTree>
+      <p:nvGrpSpPr>
+        <p:cNvPr id="1" name=""/>
+        <p:cNvGrpSpPr/>
+        <p:nvPr/>
+      </p:nvGrpSpPr>
+      <p:grpSpPr>
+        <a:xfrm>
+          <a:off x="0" y="0"/>
+          <a:ext cx="0" cy="0"/>
+          <a:chOff x="0" y="0"/>
+          <a:chExt cx="0" cy="0"/>
+        </a:xfrm>
+      </p:grpSpPr>
+      <p:sp>
+        <p:nvSpPr>
+          <p:cNvPr id="3" name="标题 2"/>
+          <p:cNvSpPr>
+            <a:spLocks noGrp="1"/>
+          </p:cNvSpPr>
+          <p:nvPr>
+            <p:ph type="title"/>
+          </p:nvPr>
+        </p:nvSpPr>
+        <p:spPr/>
+        <p:txBody>
+          <a:bodyPr/>
+          <a:lstStyle/>
+          <a:p>
+            <a:r>
+              <a:rPr lang="zh-CN" altLang="en-US" smtClean="0"/>
+              <a:t>单元测试举例</a:t>
+            </a:r>
+            <a:endParaRPr lang="zh-CN" altLang="en-US" dirty="0"/>
+          </a:p>
+        </p:txBody>
+      </p:sp>
+      <p:sp>
+        <p:nvSpPr>
+          <p:cNvPr id="7" name="内容占位符 6"/>
+          <p:cNvSpPr>
+            <a:spLocks noGrp="1"/>
+          </p:cNvSpPr>
+          <p:nvPr>
+            <p:ph idx="1"/>
+          </p:nvPr>
+        </p:nvSpPr>
+        <p:spPr/>
+        <p:txBody>
+          <a:bodyPr/>
+          <a:lstStyle/>
+          <a:p>
+            <a:endParaRPr lang="zh-CN" altLang="en-US"/>
+          </a:p>
+        </p:txBody>
+      </p:sp>
+      <p:pic>
+        <p:nvPicPr>
+          <p:cNvPr id="5" name="Picture 2"/>
+          <p:cNvPicPr>
+            <a:picLocks noChangeAspect="1" noChangeArrowheads="1"/>
+          </p:cNvPicPr>
+          <p:nvPr/>
+        </p:nvPicPr>
+        <p:blipFill>
+          <a:blip r:embed="rId2">
+            <a:extLst>
+              <a:ext uri="{28A0092B-C50C-407E-A947-70E740481C1C}">
+                <a14:useLocalDpi xmlns:a14="http://schemas.microsoft.com/office/drawing/2010/main" val="0"/>
+              </a:ext>
+            </a:extLst>
+          </a:blip>
+          <a:srcRect/>
+          <a:stretch>
+            <a:fillRect/>
+          </a:stretch>
+        </p:blipFill>
+        <p:spPr bwMode="auto">
+          <a:xfrm>
+            <a:off x="690563" y="857250"/>
+            <a:ext cx="10938867" cy="5657850"/>
+          </a:xfrm>
+          <a:prstGeom prst="rect">
+            <a:avLst/>
+          </a:prstGeom>
+          <a:noFill/>
+          <a:ln>
+            <a:noFill/>
+          </a:ln>
+          <a:extLst>
+            <a:ext uri="{909E8E84-426E-40DD-AFC4-6F175D3DCCD1}">
+              <a14:hiddenFill xmlns:a14="http://schemas.microsoft.com/office/drawing/2010/main">
+                <a:solidFill>
+                  <a:srgbClr val="FFFFFF"/>
+                </a:solidFill>
+              </a14:hiddenFill>
+            </a:ext>
+            <a:ext uri="{91240B29-F687-4F45-9708-019B960494DF}">
+              <a14:hiddenLine xmlns:a14="http://schemas.microsoft.com/office/drawing/2010/main" w="9525">
+                <a:solidFill>
+                  <a:srgbClr val="000000"/>
+                </a:solidFill>
+                <a:miter lim="800000"/>
+                <a:headEnd/>
+                <a:tailEnd/>
+              </a14:hiddenLine>
+            </a:ext>
+          </a:extLst>
+        </p:spPr>
+      </p:pic>
+    </p:spTree>
+    <p:extLst>
+      <p:ext uri="{BB962C8B-B14F-4D97-AF65-F5344CB8AC3E}">
+        <p14:creationId xmlns:p14="http://schemas.microsoft.com/office/powerpoint/2010/main" val="1205924547"/>
+      </p:ext>
+    </p:extLst>
+  </p:cSld>
+  <p:clrMapOvr>
+    <a:masterClrMapping/>
+  </p:clrMapOvr>
+  <p:transition>
+    <p:blinds dir="vert"/>
+  </p:transition>
+  <p:timing>
+    <p:tnLst>
+      <p:par>
+        <p:cTn id="1" dur="indefinite" restart="never" nodeType="tmRoot"/>
+      </p:par>
+    </p:tnLst>
+  </p:timing>
+</p:sld>
+</file>
+
+<file path=ppt/slides/slide29.xml><?xml version="1.0" encoding="utf-8"?>
+<p:sld xmlns:a="http://schemas.openxmlformats.org/drawingml/2006/main" xmlns:r="http://schemas.openxmlformats.org/officeDocument/2006/relationships" xmlns:p="http://schemas.openxmlformats.org/presentationml/2006/main">
+  <p:cSld>
+    <p:spTree>
+      <p:nvGrpSpPr>
+        <p:cNvPr id="1" name=""/>
+        <p:cNvGrpSpPr/>
+        <p:nvPr/>
+      </p:nvGrpSpPr>
+      <p:grpSpPr>
+        <a:xfrm>
+          <a:off x="0" y="0"/>
+          <a:ext cx="0" cy="0"/>
+          <a:chOff x="0" y="0"/>
+          <a:chExt cx="0" cy="0"/>
+        </a:xfrm>
+      </p:grpSpPr>
+      <p:sp>
+        <p:nvSpPr>
+          <p:cNvPr id="3" name="标题 2"/>
+          <p:cNvSpPr>
+            <a:spLocks noGrp="1"/>
+          </p:cNvSpPr>
+          <p:nvPr>
+            <p:ph type="title"/>
+          </p:nvPr>
+        </p:nvSpPr>
+        <p:spPr/>
+        <p:txBody>
+          <a:bodyPr/>
+          <a:lstStyle/>
+          <a:p>
+            <a:r>
+              <a:rPr lang="zh-CN" altLang="en-US" smtClean="0"/>
+              <a:t>单元测试举例</a:t>
+            </a:r>
+            <a:endParaRPr lang="zh-CN" altLang="en-US" dirty="0"/>
+          </a:p>
+        </p:txBody>
+      </p:sp>
+      <p:sp>
+        <p:nvSpPr>
+          <p:cNvPr id="7" name="内容占位符 6"/>
+          <p:cNvSpPr>
+            <a:spLocks noGrp="1"/>
+          </p:cNvSpPr>
+          <p:nvPr>
+            <p:ph idx="1"/>
+          </p:nvPr>
+        </p:nvSpPr>
+        <p:spPr/>
+        <p:txBody>
+          <a:bodyPr/>
+          <a:lstStyle/>
+          <a:p>
+            <a:endParaRPr lang="zh-CN" altLang="en-US"/>
+          </a:p>
+        </p:txBody>
+      </p:sp>
+      <p:pic>
+        <p:nvPicPr>
+          <p:cNvPr id="4" name="Picture 2"/>
+          <p:cNvPicPr>
+            <a:picLocks noChangeAspect="1" noChangeArrowheads="1"/>
+          </p:cNvPicPr>
+          <p:nvPr/>
+        </p:nvPicPr>
+        <p:blipFill>
+          <a:blip r:embed="rId2">
+            <a:extLst>
+              <a:ext uri="{28A0092B-C50C-407E-A947-70E740481C1C}">
+                <a14:useLocalDpi xmlns:a14="http://schemas.microsoft.com/office/drawing/2010/main" val="0"/>
+              </a:ext>
+            </a:extLst>
+          </a:blip>
+          <a:srcRect/>
+          <a:stretch>
+            <a:fillRect/>
+          </a:stretch>
+        </p:blipFill>
+        <p:spPr bwMode="auto">
+          <a:xfrm>
+            <a:off x="623392" y="937832"/>
+            <a:ext cx="11318354" cy="5716967"/>
+          </a:xfrm>
+          <a:prstGeom prst="rect">
+            <a:avLst/>
+          </a:prstGeom>
+          <a:noFill/>
+          <a:ln>
+            <a:noFill/>
+          </a:ln>
+          <a:extLst>
+            <a:ext uri="{909E8E84-426E-40DD-AFC4-6F175D3DCCD1}">
+              <a14:hiddenFill xmlns:a14="http://schemas.microsoft.com/office/drawing/2010/main">
+                <a:solidFill>
+                  <a:srgbClr val="FFFFFF"/>
+                </a:solidFill>
+              </a14:hiddenFill>
+            </a:ext>
+            <a:ext uri="{91240B29-F687-4F45-9708-019B960494DF}">
+              <a14:hiddenLine xmlns:a14="http://schemas.microsoft.com/office/drawing/2010/main" w="9525">
+                <a:solidFill>
+                  <a:srgbClr val="000000"/>
+                </a:solidFill>
+                <a:miter lim="800000"/>
+                <a:headEnd/>
+                <a:tailEnd/>
+              </a14:hiddenLine>
+            </a:ext>
+          </a:extLst>
+        </p:spPr>
+      </p:pic>
+    </p:spTree>
+    <p:extLst>
+      <p:ext uri="{BB962C8B-B14F-4D97-AF65-F5344CB8AC3E}">
+        <p14:creationId xmlns:p14="http://schemas.microsoft.com/office/powerpoint/2010/main" val="2042619177"/>
+      </p:ext>
+    </p:extLst>
+  </p:cSld>
+  <p:clrMapOvr>
+    <a:masterClrMapping/>
+  </p:clrMapOvr>
+  <p:transition>
+    <p:blinds dir="vert"/>
+  </p:transition>
+  <p:timing>
+    <p:tnLst>
+      <p:par>
+        <p:cTn id="1" dur="indefinite" restart="never" nodeType="tmRoot"/>
+      </p:par>
+    </p:tnLst>
+  </p:timing>
+</p:sld>
+</file>
+
+<file path=ppt/slides/slide3.xml><?xml version="1.0" encoding="utf-8"?>
+<p:sld xmlns:a="http://schemas.openxmlformats.org/drawingml/2006/main" xmlns:r="http://schemas.openxmlformats.org/officeDocument/2006/relationships" xmlns:p="http://schemas.openxmlformats.org/presentationml/2006/main" show="0">
+  <p:cSld>
+    <p:spTree>
+      <p:nvGrpSpPr>
+        <p:cNvPr id="1" name=""/>
+        <p:cNvGrpSpPr/>
+        <p:nvPr/>
+      </p:nvGrpSpPr>
+      <p:grpSpPr>
+        <a:xfrm>
+          <a:off x="0" y="0"/>
+          <a:ext cx="0" cy="0"/>
+          <a:chOff x="0" y="0"/>
+          <a:chExt cx="0" cy="0"/>
+        </a:xfrm>
+      </p:grpSpPr>
+      <p:sp>
+        <p:nvSpPr>
+          <p:cNvPr id="3" name="标题 2"/>
+          <p:cNvSpPr>
+            <a:spLocks noGrp="1"/>
+          </p:cNvSpPr>
+          <p:nvPr>
+            <p:ph type="title"/>
+          </p:nvPr>
+        </p:nvSpPr>
+        <p:spPr/>
+        <p:txBody>
+          <a:bodyPr/>
+          <a:lstStyle/>
+          <a:p>
+            <a:r>
+              <a:rPr lang="zh-CN" altLang="en-US" smtClean="0"/>
+              <a:t>内容回顾</a:t>
+            </a:r>
+            <a:endParaRPr lang="zh-CN" altLang="en-US" dirty="0"/>
+          </a:p>
+        </p:txBody>
+      </p:sp>
+      <p:sp>
+        <p:nvSpPr>
+          <p:cNvPr id="2" name="内容占位符 1"/>
+          <p:cNvSpPr>
+            <a:spLocks noGrp="1"/>
+          </p:cNvSpPr>
+          <p:nvPr>
+            <p:ph idx="1"/>
+          </p:nvPr>
+        </p:nvSpPr>
+        <p:spPr>
+          <a:xfrm>
+            <a:off x="623392" y="836712"/>
+            <a:ext cx="10873208" cy="4843264"/>
+          </a:xfrm>
+        </p:spPr>
+        <p:txBody>
+          <a:bodyPr/>
+          <a:lstStyle/>
+          <a:p>
+            <a:r>
+              <a:rPr lang="zh-CN" altLang="en-US" dirty="0" smtClean="0"/>
+              <a:t>对变量的测试</a:t>
+            </a:r>
+            <a:endParaRPr lang="en-US" altLang="zh-CN" dirty="0" smtClean="0"/>
+          </a:p>
+          <a:p>
+            <a:pPr lvl="1"/>
+            <a:r>
+              <a:rPr lang="zh-CN" altLang="en-US" dirty="0" smtClean="0"/>
+              <a:t>基本概念：定义变量，使用变量，定义</a:t>
+            </a:r>
+            <a:r>
+              <a:rPr lang="en-US" altLang="zh-CN" dirty="0" smtClean="0"/>
+              <a:t>/</a:t>
+            </a:r>
+            <a:r>
+              <a:rPr lang="zh-CN" altLang="en-US" dirty="0" smtClean="0"/>
+              <a:t>使用节点对，定义</a:t>
+            </a:r>
+            <a:r>
+              <a:rPr lang="en-US" altLang="zh-CN" dirty="0" smtClean="0"/>
+              <a:t>/</a:t>
+            </a:r>
+            <a:r>
+              <a:rPr lang="zh-CN" altLang="en-US" dirty="0" smtClean="0"/>
+              <a:t>使用路径，定义</a:t>
+            </a:r>
+            <a:r>
+              <a:rPr lang="en-US" altLang="zh-CN" dirty="0" smtClean="0"/>
+              <a:t>/</a:t>
+            </a:r>
+            <a:r>
+              <a:rPr lang="zh-CN" altLang="en-US" dirty="0" smtClean="0"/>
+              <a:t>清除路径</a:t>
+            </a:r>
+            <a:endParaRPr lang="en-US" altLang="zh-CN" dirty="0" smtClean="0"/>
+          </a:p>
+          <a:p>
+            <a:r>
+              <a:rPr lang="zh-CN" altLang="en-US" dirty="0" smtClean="0"/>
+              <a:t>对变量测试的步骤</a:t>
+            </a:r>
+            <a:endParaRPr lang="en-US" altLang="zh-CN" dirty="0" smtClean="0"/>
+          </a:p>
+          <a:p>
+            <a:pPr lvl="1"/>
+            <a:r>
+              <a:rPr lang="zh-CN" altLang="en-US" dirty="0" smtClean="0"/>
+              <a:t>确定重点测试的变量</a:t>
+            </a:r>
+            <a:r>
+              <a:rPr lang="en-US" altLang="zh-CN" dirty="0" smtClean="0"/>
+              <a:t>V</a:t>
+            </a:r>
+          </a:p>
+          <a:p>
+            <a:pPr lvl="1"/>
+            <a:r>
+              <a:rPr lang="zh-CN" altLang="en-US" dirty="0" smtClean="0"/>
+              <a:t>确定变量</a:t>
+            </a:r>
+            <a:r>
+              <a:rPr lang="en-US" altLang="zh-CN" dirty="0" smtClean="0"/>
+              <a:t>V</a:t>
+            </a:r>
+            <a:r>
+              <a:rPr lang="zh-CN" altLang="en-US" dirty="0" smtClean="0"/>
+              <a:t>的所有定义</a:t>
+            </a:r>
+            <a:r>
+              <a:rPr lang="en-US" altLang="zh-CN" dirty="0" smtClean="0"/>
+              <a:t>/</a:t>
+            </a:r>
+            <a:r>
+              <a:rPr lang="zh-CN" altLang="en-US" dirty="0" smtClean="0"/>
+              <a:t>使用节点对</a:t>
+            </a:r>
+            <a:endParaRPr lang="en-US" altLang="zh-CN" dirty="0" smtClean="0"/>
+          </a:p>
+          <a:p>
+            <a:pPr lvl="1"/>
+            <a:r>
+              <a:rPr lang="zh-CN" altLang="en-US" dirty="0" smtClean="0"/>
+              <a:t>找到高风险路径</a:t>
+            </a:r>
+            <a:endParaRPr lang="en-US" altLang="zh-CN" dirty="0" smtClean="0"/>
+          </a:p>
+          <a:p>
+            <a:pPr lvl="1"/>
+            <a:r>
+              <a:rPr lang="zh-CN" altLang="en-US" dirty="0" smtClean="0"/>
+              <a:t>针对找到的高风险路径进行测试</a:t>
+            </a:r>
+            <a:endParaRPr lang="zh-CN" altLang="en-US" dirty="0"/>
+          </a:p>
+        </p:txBody>
+      </p:sp>
+    </p:spTree>
+    <p:extLst>
+      <p:ext uri="{BB962C8B-B14F-4D97-AF65-F5344CB8AC3E}">
+        <p14:creationId xmlns:p14="http://schemas.microsoft.com/office/powerpoint/2010/main" val="3564554923"/>
+      </p:ext>
+    </p:extLst>
+  </p:cSld>
+  <p:clrMapOvr>
+    <a:masterClrMapping/>
+  </p:clrMapOvr>
+  <p:transition>
+    <p:blinds dir="vert"/>
+  </p:transition>
+  <p:timing>
+    <p:tnLst>
+      <p:par>
+        <p:cTn id="1" dur="indefinite" restart="never" nodeType="tmRoot">
+          <p:childTnLst>
+            <p:seq concurrent="1" nextAc="seek">
+              <p:cTn id="2" dur="indefinite" nodeType="mainSeq">
+                <p:childTnLst>
+                  <p:par>
+                    <p:cTn id="3" fill="hold">
+                      <p:stCondLst>
+                        <p:cond delay="indefinite"/>
+                      </p:stCondLst>
+                      <p:childTnLst>
+                        <p:par>
+                          <p:cTn id="4" fill="hold">
+                            <p:stCondLst>
+                              <p:cond delay="0"/>
+                            </p:stCondLst>
+                            <p:childTnLst>
+                              <p:par>
+                                <p:cTn id="5" presetID="2" presetClass="entr" presetSubtype="4" fill="hold" nodeType="clickEffect">
+                                  <p:stCondLst>
+                                    <p:cond delay="0"/>
+                                  </p:stCondLst>
+                                  <p:childTnLst>
+                                    <p:set>
+                                      <p:cBhvr>
+                                        <p:cTn id="6" dur="1" fill="hold">
+                                          <p:stCondLst>
+                                            <p:cond delay="0"/>
+                                          </p:stCondLst>
+                                        </p:cTn>
+                                        <p:tgtEl>
+                                          <p:spTgt spid="2">
+                                            <p:txEl>
+                                              <p:pRg st="0" end="0"/>
+                                            </p:txEl>
+                                          </p:spTgt>
+                                        </p:tgtEl>
+                                        <p:attrNameLst>
+                                          <p:attrName>style.visibility</p:attrName>
+                                        </p:attrNameLst>
+                                      </p:cBhvr>
+                                      <p:to>
+                                        <p:strVal val="visible"/>
+                                      </p:to>
+                                    </p:set>
+                                    <p:anim calcmode="lin" valueType="num">
+                                      <p:cBhvr additive="base">
+                                        <p:cTn id="7" dur="500" fill="hold"/>
+                                        <p:tgtEl>
+                                          <p:spTgt spid="2">
+                                            <p:txEl>
+                                              <p:pRg st="0" end="0"/>
+                                            </p:txEl>
+                                          </p:spTgt>
+                                        </p:tgtEl>
+                                        <p:attrNameLst>
+                                          <p:attrName>ppt_x</p:attrName>
+                                        </p:attrNameLst>
+                                      </p:cBhvr>
+                                      <p:tavLst>
+                                        <p:tav tm="0">
+                                          <p:val>
+                                            <p:strVal val="#ppt_x"/>
+                                          </p:val>
+                                        </p:tav>
+                                        <p:tav tm="100000">
+                                          <p:val>
+                                            <p:strVal val="#ppt_x"/>
+                                          </p:val>
+                                        </p:tav>
+                                      </p:tavLst>
+                                    </p:anim>
+                                    <p:anim calcmode="lin" valueType="num">
+                                      <p:cBhvr additive="base">
+                                        <p:cTn id="8" dur="500" fill="hold"/>
+                                        <p:tgtEl>
+                                          <p:spTgt spid="2">
+                                            <p:txEl>
+                                              <p:pRg st="0" end="0"/>
+                                            </p:txEl>
+                                          </p:spTgt>
+                                        </p:tgtEl>
+                                        <p:attrNameLst>
+                                          <p:attrName>ppt_y</p:attrName>
+                                        </p:attrNameLst>
+                                      </p:cBhvr>
+                                      <p:tavLst>
+                                        <p:tav tm="0">
+                                          <p:val>
+                                            <p:strVal val="1+#ppt_h/2"/>
+                                          </p:val>
+                                        </p:tav>
+                                        <p:tav tm="100000">
+                                          <p:val>
+                                            <p:strVal val="#ppt_y"/>
+                                          </p:val>
+                                        </p:tav>
+                                      </p:tavLst>
+                                    </p:anim>
+                                  </p:childTnLst>
+                                </p:cTn>
+                              </p:par>
+                            </p:childTnLst>
+                          </p:cTn>
+                        </p:par>
+                      </p:childTnLst>
+                    </p:cTn>
+                  </p:par>
+                  <p:par>
+                    <p:cTn id="9" fill="hold">
+                      <p:stCondLst>
+                        <p:cond delay="indefinite"/>
+                      </p:stCondLst>
+                      <p:childTnLst>
+                        <p:par>
+                          <p:cTn id="10" fill="hold">
+                            <p:stCondLst>
+                              <p:cond delay="0"/>
+                            </p:stCondLst>
+                            <p:childTnLst>
+                              <p:par>
+                                <p:cTn id="11" presetID="2" presetClass="entr" presetSubtype="4" fill="hold" nodeType="clickEffect">
+                                  <p:stCondLst>
+                                    <p:cond delay="0"/>
+                                  </p:stCondLst>
+                                  <p:childTnLst>
+                                    <p:set>
+                                      <p:cBhvr>
+                                        <p:cTn id="12" dur="1" fill="hold">
+                                          <p:stCondLst>
+                                            <p:cond delay="0"/>
+                                          </p:stCondLst>
+                                        </p:cTn>
+                                        <p:tgtEl>
+                                          <p:spTgt spid="2">
+                                            <p:txEl>
+                                              <p:pRg st="1" end="1"/>
+                                            </p:txEl>
+                                          </p:spTgt>
+                                        </p:tgtEl>
+                                        <p:attrNameLst>
+                                          <p:attrName>style.visibility</p:attrName>
+                                        </p:attrNameLst>
+                                      </p:cBhvr>
+                                      <p:to>
+                                        <p:strVal val="visible"/>
+                                      </p:to>
+                                    </p:set>
+                                    <p:anim calcmode="lin" valueType="num">
+                                      <p:cBhvr additive="base">
+                                        <p:cTn id="13" dur="500" fill="hold"/>
+                                        <p:tgtEl>
+                                          <p:spTgt spid="2">
+                                            <p:txEl>
+                                              <p:pRg st="1" end="1"/>
+                                            </p:txEl>
+                                          </p:spTgt>
+                                        </p:tgtEl>
+                                        <p:attrNameLst>
+                                          <p:attrName>ppt_x</p:attrName>
+                                        </p:attrNameLst>
+                                      </p:cBhvr>
+                                      <p:tavLst>
+                                        <p:tav tm="0">
+                                          <p:val>
+                                            <p:strVal val="#ppt_x"/>
+                                          </p:val>
+                                        </p:tav>
+                                        <p:tav tm="100000">
+                                          <p:val>
+                                            <p:strVal val="#ppt_x"/>
+                                          </p:val>
+                                        </p:tav>
+                                      </p:tavLst>
+                                    </p:anim>
+                                    <p:anim calcmode="lin" valueType="num">
+                                      <p:cBhvr additive="base">
+                                        <p:cTn id="14" dur="500" fill="hold"/>
+                                        <p:tgtEl>
+                                          <p:spTgt spid="2">
+                                            <p:txEl>
+                                              <p:pRg st="1" end="1"/>
+                                            </p:txEl>
+                                          </p:spTgt>
+                                        </p:tgtEl>
+                                        <p:attrNameLst>
+                                          <p:attrName>ppt_y</p:attrName>
+                                        </p:attrNameLst>
+                                      </p:cBhvr>
+                                      <p:tavLst>
+                                        <p:tav tm="0">
+                                          <p:val>
+                                            <p:strVal val="1+#ppt_h/2"/>
+                                          </p:val>
+                                        </p:tav>
+                                        <p:tav tm="100000">
+                                          <p:val>
+                                            <p:strVal val="#ppt_y"/>
+                                          </p:val>
+                                        </p:tav>
+                                      </p:tavLst>
+                                    </p:anim>
+                                  </p:childTnLst>
+                                </p:cTn>
+                              </p:par>
+                            </p:childTnLst>
+                          </p:cTn>
+                        </p:par>
+                      </p:childTnLst>
+                    </p:cTn>
+                  </p:par>
+                  <p:par>
+                    <p:cTn id="15" fill="hold">
+                      <p:stCondLst>
+                        <p:cond delay="indefinite"/>
+                      </p:stCondLst>
+                      <p:childTnLst>
+                        <p:par>
+                          <p:cTn id="16" fill="hold">
+                            <p:stCondLst>
+                              <p:cond delay="0"/>
+                            </p:stCondLst>
+                            <p:childTnLst>
+                              <p:par>
+                                <p:cTn id="17" presetID="2" presetClass="entr" presetSubtype="4" fill="hold" nodeType="clickEffect">
+                                  <p:stCondLst>
+                                    <p:cond delay="0"/>
+                                  </p:stCondLst>
+                                  <p:childTnLst>
+                                    <p:set>
+                                      <p:cBhvr>
+                                        <p:cTn id="18" dur="1" fill="hold">
+                                          <p:stCondLst>
+                                            <p:cond delay="0"/>
+                                          </p:stCondLst>
+                                        </p:cTn>
+                                        <p:tgtEl>
+                                          <p:spTgt spid="2">
+                                            <p:txEl>
+                                              <p:pRg st="2" end="2"/>
+                                            </p:txEl>
+                                          </p:spTgt>
+                                        </p:tgtEl>
+                                        <p:attrNameLst>
+                                          <p:attrName>style.visibility</p:attrName>
+                                        </p:attrNameLst>
+                                      </p:cBhvr>
+                                      <p:to>
+                                        <p:strVal val="visible"/>
+                                      </p:to>
+                                    </p:set>
+                                    <p:anim calcmode="lin" valueType="num">
+                                      <p:cBhvr additive="base">
+                                        <p:cTn id="19" dur="500" fill="hold"/>
+                                        <p:tgtEl>
+                                          <p:spTgt spid="2">
+                                            <p:txEl>
+                                              <p:pRg st="2" end="2"/>
+                                            </p:txEl>
+                                          </p:spTgt>
+                                        </p:tgtEl>
+                                        <p:attrNameLst>
+                                          <p:attrName>ppt_x</p:attrName>
+                                        </p:attrNameLst>
+                                      </p:cBhvr>
+                                      <p:tavLst>
+                                        <p:tav tm="0">
+                                          <p:val>
+                                            <p:strVal val="#ppt_x"/>
+                                          </p:val>
+                                        </p:tav>
+                                        <p:tav tm="100000">
+                                          <p:val>
+                                            <p:strVal val="#ppt_x"/>
+                                          </p:val>
+                                        </p:tav>
+                                      </p:tavLst>
+                                    </p:anim>
+                                    <p:anim calcmode="lin" valueType="num">
+                                      <p:cBhvr additive="base">
+                                        <p:cTn id="20" dur="500" fill="hold"/>
+                                        <p:tgtEl>
+                                          <p:spTgt spid="2">
+                                            <p:txEl>
+                                              <p:pRg st="2" end="2"/>
+                                            </p:txEl>
+                                          </p:spTgt>
+                                        </p:tgtEl>
+                                        <p:attrNameLst>
+                                          <p:attrName>ppt_y</p:attrName>
+                                        </p:attrNameLst>
+                                      </p:cBhvr>
+                                      <p:tavLst>
+                                        <p:tav tm="0">
+                                          <p:val>
+                                            <p:strVal val="1+#ppt_h/2"/>
+                                          </p:val>
+                                        </p:tav>
+                                        <p:tav tm="100000">
+                                          <p:val>
+                                            <p:strVal val="#ppt_y"/>
+                                          </p:val>
+                                        </p:tav>
+                                      </p:tavLst>
+                                    </p:anim>
+                                  </p:childTnLst>
+                                </p:cTn>
+                              </p:par>
+                            </p:childTnLst>
+                          </p:cTn>
+                        </p:par>
+                      </p:childTnLst>
+                    </p:cTn>
+                  </p:par>
+                  <p:par>
+                    <p:cTn id="21" fill="hold">
+                      <p:stCondLst>
+                        <p:cond delay="indefinite"/>
+                      </p:stCondLst>
+                      <p:childTnLst>
+                        <p:par>
+                          <p:cTn id="22" fill="hold">
+                            <p:stCondLst>
+                              <p:cond delay="0"/>
+                            </p:stCondLst>
+                            <p:childTnLst>
+                              <p:par>
+                                <p:cTn id="23" presetID="2" presetClass="entr" presetSubtype="4" fill="hold" nodeType="clickEffect">
+                                  <p:stCondLst>
+                                    <p:cond delay="0"/>
+                                  </p:stCondLst>
+                                  <p:childTnLst>
+                                    <p:set>
+                                      <p:cBhvr>
+                                        <p:cTn id="24" dur="1" fill="hold">
+                                          <p:stCondLst>
+                                            <p:cond delay="0"/>
+                                          </p:stCondLst>
+                                        </p:cTn>
+                                        <p:tgtEl>
+                                          <p:spTgt spid="2">
+                                            <p:txEl>
+                                              <p:pRg st="3" end="3"/>
+                                            </p:txEl>
+                                          </p:spTgt>
+                                        </p:tgtEl>
+                                        <p:attrNameLst>
+                                          <p:attrName>style.visibility</p:attrName>
+                                        </p:attrNameLst>
+                                      </p:cBhvr>
+                                      <p:to>
+                                        <p:strVal val="visible"/>
+                                      </p:to>
+                                    </p:set>
+                                    <p:anim calcmode="lin" valueType="num">
+                                      <p:cBhvr additive="base">
+                                        <p:cTn id="25" dur="500" fill="hold"/>
+                                        <p:tgtEl>
+                                          <p:spTgt spid="2">
+                                            <p:txEl>
+                                              <p:pRg st="3" end="3"/>
+                                            </p:txEl>
+                                          </p:spTgt>
+                                        </p:tgtEl>
+                                        <p:attrNameLst>
+                                          <p:attrName>ppt_x</p:attrName>
+                                        </p:attrNameLst>
+                                      </p:cBhvr>
+                                      <p:tavLst>
+                                        <p:tav tm="0">
+                                          <p:val>
+                                            <p:strVal val="#ppt_x"/>
+                                          </p:val>
+                                        </p:tav>
+                                        <p:tav tm="100000">
+                                          <p:val>
+                                            <p:strVal val="#ppt_x"/>
+                                          </p:val>
+                                        </p:tav>
+                                      </p:tavLst>
+                                    </p:anim>
+                                    <p:anim calcmode="lin" valueType="num">
+                                      <p:cBhvr additive="base">
+                                        <p:cTn id="26" dur="500" fill="hold"/>
+                                        <p:tgtEl>
+                                          <p:spTgt spid="2">
+                                            <p:txEl>
+                                              <p:pRg st="3" end="3"/>
+                                            </p:txEl>
+                                          </p:spTgt>
+                                        </p:tgtEl>
+                                        <p:attrNameLst>
+                                          <p:attrName>ppt_y</p:attrName>
+                                        </p:attrNameLst>
+                                      </p:cBhvr>
+                                      <p:tavLst>
+                                        <p:tav tm="0">
+                                          <p:val>
+                                            <p:strVal val="1+#ppt_h/2"/>
+                                          </p:val>
+                                        </p:tav>
+                                        <p:tav tm="100000">
+                                          <p:val>
+                                            <p:strVal val="#ppt_y"/>
+                                          </p:val>
+                                        </p:tav>
+                                      </p:tavLst>
+                                    </p:anim>
+                                  </p:childTnLst>
+                                </p:cTn>
+                              </p:par>
+                            </p:childTnLst>
+                          </p:cTn>
+                        </p:par>
+                      </p:childTnLst>
+                    </p:cTn>
+                  </p:par>
+                  <p:par>
+                    <p:cTn id="27" fill="hold">
+                      <p:stCondLst>
+                        <p:cond delay="indefinite"/>
+                      </p:stCondLst>
+                      <p:childTnLst>
+                        <p:par>
+                          <p:cTn id="28" fill="hold">
+                            <p:stCondLst>
+                              <p:cond delay="0"/>
+                            </p:stCondLst>
+                            <p:childTnLst>
+                              <p:par>
+                                <p:cTn id="29" presetID="2" presetClass="entr" presetSubtype="4" fill="hold" nodeType="clickEffect">
+                                  <p:stCondLst>
+                                    <p:cond delay="0"/>
+                                  </p:stCondLst>
+                                  <p:childTnLst>
+                                    <p:set>
+                                      <p:cBhvr>
+                                        <p:cTn id="30" dur="1" fill="hold">
+                                          <p:stCondLst>
+                                            <p:cond delay="0"/>
+                                          </p:stCondLst>
+                                        </p:cTn>
+                                        <p:tgtEl>
+                                          <p:spTgt spid="2">
+                                            <p:txEl>
+                                              <p:pRg st="4" end="4"/>
+                                            </p:txEl>
+                                          </p:spTgt>
+                                        </p:tgtEl>
+                                        <p:attrNameLst>
+                                          <p:attrName>style.visibility</p:attrName>
+                                        </p:attrNameLst>
+                                      </p:cBhvr>
+                                      <p:to>
+                                        <p:strVal val="visible"/>
+                                      </p:to>
+                                    </p:set>
+                                    <p:anim calcmode="lin" valueType="num">
+                                      <p:cBhvr additive="base">
+                                        <p:cTn id="31" dur="500" fill="hold"/>
+                                        <p:tgtEl>
+                                          <p:spTgt spid="2">
+                                            <p:txEl>
+                                              <p:pRg st="4" end="4"/>
+                                            </p:txEl>
+                                          </p:spTgt>
+                                        </p:tgtEl>
+                                        <p:attrNameLst>
+                                          <p:attrName>ppt_x</p:attrName>
+                                        </p:attrNameLst>
+                                      </p:cBhvr>
+                                      <p:tavLst>
+                                        <p:tav tm="0">
+                                          <p:val>
+                                            <p:strVal val="#ppt_x"/>
+                                          </p:val>
+                                        </p:tav>
+                                        <p:tav tm="100000">
+                                          <p:val>
+                                            <p:strVal val="#ppt_x"/>
+                                          </p:val>
+                                        </p:tav>
+                                      </p:tavLst>
+                                    </p:anim>
+                                    <p:anim calcmode="lin" valueType="num">
+                                      <p:cBhvr additive="base">
+                                        <p:cTn id="32" dur="500" fill="hold"/>
+                                        <p:tgtEl>
+                                          <p:spTgt spid="2">
+                                            <p:txEl>
+                                              <p:pRg st="4" end="4"/>
+                                            </p:txEl>
+                                          </p:spTgt>
+                                        </p:tgtEl>
+                                        <p:attrNameLst>
+                                          <p:attrName>ppt_y</p:attrName>
+                                        </p:attrNameLst>
+                                      </p:cBhvr>
+                                      <p:tavLst>
+                                        <p:tav tm="0">
+                                          <p:val>
+                                            <p:strVal val="1+#ppt_h/2"/>
+                                          </p:val>
+                                        </p:tav>
+                                        <p:tav tm="100000">
+                                          <p:val>
+                                            <p:strVal val="#ppt_y"/>
+                                          </p:val>
+                                        </p:tav>
+                                      </p:tavLst>
+                                    </p:anim>
+                                  </p:childTnLst>
+                                </p:cTn>
+                              </p:par>
+                            </p:childTnLst>
+                          </p:cTn>
+                        </p:par>
+                      </p:childTnLst>
+                    </p:cTn>
+                  </p:par>
+                  <p:par>
+                    <p:cTn id="33" fill="hold">
+                      <p:stCondLst>
+                        <p:cond delay="indefinite"/>
+                      </p:stCondLst>
+                      <p:childTnLst>
+                        <p:par>
+                          <p:cTn id="34" fill="hold">
+                            <p:stCondLst>
+                              <p:cond delay="0"/>
+                            </p:stCondLst>
+                            <p:childTnLst>
+                              <p:par>
+                                <p:cTn id="35" presetID="2" presetClass="entr" presetSubtype="4" fill="hold" nodeType="clickEffect">
+                                  <p:stCondLst>
+                                    <p:cond delay="0"/>
+                                  </p:stCondLst>
+                                  <p:childTnLst>
+                                    <p:set>
+                                      <p:cBhvr>
+                                        <p:cTn id="36" dur="1" fill="hold">
+                                          <p:stCondLst>
+                                            <p:cond delay="0"/>
+                                          </p:stCondLst>
+                                        </p:cTn>
+                                        <p:tgtEl>
+                                          <p:spTgt spid="2">
+                                            <p:txEl>
+                                              <p:pRg st="5" end="5"/>
+                                            </p:txEl>
+                                          </p:spTgt>
+                                        </p:tgtEl>
+                                        <p:attrNameLst>
+                                          <p:attrName>style.visibility</p:attrName>
+                                        </p:attrNameLst>
+                                      </p:cBhvr>
+                                      <p:to>
+                                        <p:strVal val="visible"/>
+                                      </p:to>
+                                    </p:set>
+                                    <p:anim calcmode="lin" valueType="num">
+                                      <p:cBhvr additive="base">
+                                        <p:cTn id="37" dur="500" fill="hold"/>
+                                        <p:tgtEl>
+                                          <p:spTgt spid="2">
+                                            <p:txEl>
+                                              <p:pRg st="5" end="5"/>
+                                            </p:txEl>
+                                          </p:spTgt>
+                                        </p:tgtEl>
+                                        <p:attrNameLst>
+                                          <p:attrName>ppt_x</p:attrName>
+                                        </p:attrNameLst>
+                                      </p:cBhvr>
+                                      <p:tavLst>
+                                        <p:tav tm="0">
+                                          <p:val>
+                                            <p:strVal val="#ppt_x"/>
+                                          </p:val>
+                                        </p:tav>
+                                        <p:tav tm="100000">
+                                          <p:val>
+                                            <p:strVal val="#ppt_x"/>
+                                          </p:val>
+                                        </p:tav>
+                                      </p:tavLst>
+                                    </p:anim>
+                                    <p:anim calcmode="lin" valueType="num">
+                                      <p:cBhvr additive="base">
+                                        <p:cTn id="38" dur="500" fill="hold"/>
+                                        <p:tgtEl>
+                                          <p:spTgt spid="2">
+                                            <p:txEl>
+                                              <p:pRg st="5" end="5"/>
+                                            </p:txEl>
+                                          </p:spTgt>
+                                        </p:tgtEl>
+                                        <p:attrNameLst>
+                                          <p:attrName>ppt_y</p:attrName>
+                                        </p:attrNameLst>
+                                      </p:cBhvr>
+                                      <p:tavLst>
+                                        <p:tav tm="0">
+                                          <p:val>
+                                            <p:strVal val="1+#ppt_h/2"/>
+                                          </p:val>
+                                        </p:tav>
+                                        <p:tav tm="100000">
+                                          <p:val>
+                                            <p:strVal val="#ppt_y"/>
+                                          </p:val>
+                                        </p:tav>
+                                      </p:tavLst>
+                                    </p:anim>
+                                  </p:childTnLst>
+                                </p:cTn>
+                              </p:par>
+                            </p:childTnLst>
+                          </p:cTn>
+                        </p:par>
+                      </p:childTnLst>
+                    </p:cTn>
+                  </p:par>
+                  <p:par>
+                    <p:cTn id="39" fill="hold">
+                      <p:stCondLst>
+                        <p:cond delay="indefinite"/>
+                      </p:stCondLst>
+                      <p:childTnLst>
+                        <p:par>
+                          <p:cTn id="40" fill="hold">
+                            <p:stCondLst>
+                              <p:cond delay="0"/>
+                            </p:stCondLst>
+                            <p:childTnLst>
+                              <p:par>
+                                <p:cTn id="41" presetID="2" presetClass="entr" presetSubtype="4" fill="hold" nodeType="clickEffect">
+                                  <p:stCondLst>
+                                    <p:cond delay="0"/>
+                                  </p:stCondLst>
+                                  <p:childTnLst>
+                                    <p:set>
+                                      <p:cBhvr>
+                                        <p:cTn id="42" dur="1" fill="hold">
+                                          <p:stCondLst>
+                                            <p:cond delay="0"/>
+                                          </p:stCondLst>
+                                        </p:cTn>
+                                        <p:tgtEl>
+                                          <p:spTgt spid="2">
+                                            <p:txEl>
+                                              <p:pRg st="6" end="6"/>
+                                            </p:txEl>
+                                          </p:spTgt>
+                                        </p:tgtEl>
+                                        <p:attrNameLst>
+                                          <p:attrName>style.visibility</p:attrName>
+                                        </p:attrNameLst>
+                                      </p:cBhvr>
+                                      <p:to>
+                                        <p:strVal val="visible"/>
+                                      </p:to>
+                                    </p:set>
+                                    <p:anim calcmode="lin" valueType="num">
+                                      <p:cBhvr additive="base">
+                                        <p:cTn id="43" dur="500" fill="hold"/>
+                                        <p:tgtEl>
+                                          <p:spTgt spid="2">
+                                            <p:txEl>
+                                              <p:pRg st="6" end="6"/>
+                                            </p:txEl>
+                                          </p:spTgt>
+                                        </p:tgtEl>
+                                        <p:attrNameLst>
+                                          <p:attrName>ppt_x</p:attrName>
+                                        </p:attrNameLst>
+                                      </p:cBhvr>
+                                      <p:tavLst>
+                                        <p:tav tm="0">
+                                          <p:val>
+                                            <p:strVal val="#ppt_x"/>
+                                          </p:val>
+                                        </p:tav>
+                                        <p:tav tm="100000">
+                                          <p:val>
+                                            <p:strVal val="#ppt_x"/>
+                                          </p:val>
+                                        </p:tav>
+                                      </p:tavLst>
+                                    </p:anim>
+                                    <p:anim calcmode="lin" valueType="num">
+                                      <p:cBhvr additive="base">
+                                        <p:cTn id="44" dur="500" fill="hold"/>
+                                        <p:tgtEl>
+                                          <p:spTgt spid="2">
+                                            <p:txEl>
+                                              <p:pRg st="6" end="6"/>
+                                            </p:txEl>
+                                          </p:spTgt>
+                                        </p:tgtEl>
+                                        <p:attrNameLst>
+                                          <p:attrName>ppt_y</p:attrName>
+                                        </p:attrNameLst>
+                                      </p:cBhvr>
+                                      <p:tavLst>
+                                        <p:tav tm="0">
+                                          <p:val>
+                                            <p:strVal val="1+#ppt_h/2"/>
+                                          </p:val>
+                                        </p:tav>
+                                        <p:tav tm="100000">
+                                          <p:val>
+                                            <p:strVal val="#ppt_y"/>
+                                          </p:val>
+                                        </p:tav>
+                                      </p:tavLst>
+                                    </p:anim>
+                                  </p:childTnLst>
+                                </p:cTn>
+                              </p:par>
+                            </p:childTnLst>
+                          </p:cTn>
+                        </p:par>
+                      </p:childTnLst>
+                    </p:cTn>
+                  </p:par>
+                </p:childTnLst>
+              </p:cTn>
+              <p:prevCondLst>
+                <p:cond evt="onPrev" delay="0">
+                  <p:tgtEl>
+                    <p:sldTgt/>
+                  </p:tgtEl>
+                </p:cond>
+              </p:prevCondLst>
+              <p:nextCondLst>
+                <p:cond evt="onNext" delay="0">
+                  <p:tgtEl>
+                    <p:sldTgt/>
+                  </p:tgtEl>
+                </p:cond>
+              </p:nextCondLst>
+            </p:seq>
+          </p:childTnLst>
+        </p:cTn>
+      </p:par>
+    </p:tnLst>
+  </p:timing>
+</p:sld>
+</file>
+
+<file path=ppt/slides/slide30.xml><?xml version="1.0" encoding="utf-8"?>
 <p:sld xmlns:a="http://schemas.openxmlformats.org/drawingml/2006/main" xmlns:r="http://schemas.openxmlformats.org/officeDocument/2006/relationships" xmlns:p="http://schemas.openxmlformats.org/presentationml/2006/main">
   <p:cSld>
     <p:spTree>
@@ -8116,7 +10724,7 @@
 </p:sld>
 </file>
 
-<file path=ppt/slides/slide21.xml><?xml version="1.0" encoding="utf-8"?>
+<file path=ppt/slides/slide31.xml><?xml version="1.0" encoding="utf-8"?>
 <p:sld xmlns:a="http://schemas.openxmlformats.org/drawingml/2006/main" xmlns:r="http://schemas.openxmlformats.org/officeDocument/2006/relationships" xmlns:p="http://schemas.openxmlformats.org/presentationml/2006/main">
   <p:cSld>
     <p:spTree>
@@ -8184,7 +10792,11 @@
             </a:r>
             <a:r>
               <a:rPr lang="en-US" altLang="zh-CN" dirty="0" smtClean="0"/>
-              <a:t>Junit, subunit</a:t>
+              <a:t>Junit, </a:t>
+            </a:r>
+            <a:r>
+              <a:rPr lang="en-US" altLang="zh-CN" dirty="0" err="1" smtClean="0"/>
+              <a:t>TestNG</a:t>
             </a:r>
             <a:r>
               <a:rPr lang="zh-CN" altLang="en-US" dirty="0" smtClean="0"/>
@@ -8217,7 +10829,7 @@
 </p:sld>
 </file>
 
-<file path=ppt/slides/slide22.xml><?xml version="1.0" encoding="utf-8"?>
+<file path=ppt/slides/slide32.xml><?xml version="1.0" encoding="utf-8"?>
 <p:sld xmlns:a="http://schemas.openxmlformats.org/drawingml/2006/main" xmlns:r="http://schemas.openxmlformats.org/officeDocument/2006/relationships" xmlns:p="http://schemas.openxmlformats.org/presentationml/2006/main">
   <p:cSld>
     <p:spTree>
@@ -8351,7 +10963,7 @@
 </p:sld>
 </file>
 
-<file path=ppt/slides/slide23.xml><?xml version="1.0" encoding="utf-8"?>
+<file path=ppt/slides/slide33.xml><?xml version="1.0" encoding="utf-8"?>
 <p:sld xmlns:a="http://schemas.openxmlformats.org/drawingml/2006/main" xmlns:r="http://schemas.openxmlformats.org/officeDocument/2006/relationships" xmlns:p="http://schemas.openxmlformats.org/presentationml/2006/main">
   <p:cSld>
     <p:spTree>
@@ -8460,7 +11072,7 @@
 </p:sld>
 </file>
 
-<file path=ppt/slides/slide24.xml><?xml version="1.0" encoding="utf-8"?>
+<file path=ppt/slides/slide34.xml><?xml version="1.0" encoding="utf-8"?>
 <p:sld xmlns:a="http://schemas.openxmlformats.org/drawingml/2006/main" xmlns:r="http://schemas.openxmlformats.org/officeDocument/2006/relationships" xmlns:p="http://schemas.openxmlformats.org/presentationml/2006/main">
   <p:cSld>
     <p:spTree>
@@ -8575,7 +11187,7 @@
 </p:sld>
 </file>
 
-<file path=ppt/slides/slide25.xml><?xml version="1.0" encoding="utf-8"?>
+<file path=ppt/slides/slide35.xml><?xml version="1.0" encoding="utf-8"?>
 <p:sld xmlns:a="http://schemas.openxmlformats.org/drawingml/2006/main" xmlns:r="http://schemas.openxmlformats.org/officeDocument/2006/relationships" xmlns:p="http://schemas.openxmlformats.org/presentationml/2006/main">
   <p:cSld>
     <p:spTree>
@@ -10250,931 +12862,6 @@
 </p:sld>
 </file>
 
-<file path=ppt/slides/slide3.xml><?xml version="1.0" encoding="utf-8"?>
-<p:sld xmlns:a="http://schemas.openxmlformats.org/drawingml/2006/main" xmlns:r="http://schemas.openxmlformats.org/officeDocument/2006/relationships" xmlns:p="http://schemas.openxmlformats.org/presentationml/2006/main" show="0">
-  <p:cSld>
-    <p:spTree>
-      <p:nvGrpSpPr>
-        <p:cNvPr id="1" name=""/>
-        <p:cNvGrpSpPr/>
-        <p:nvPr/>
-      </p:nvGrpSpPr>
-      <p:grpSpPr>
-        <a:xfrm>
-          <a:off x="0" y="0"/>
-          <a:ext cx="0" cy="0"/>
-          <a:chOff x="0" y="0"/>
-          <a:chExt cx="0" cy="0"/>
-        </a:xfrm>
-      </p:grpSpPr>
-      <p:sp>
-        <p:nvSpPr>
-          <p:cNvPr id="3" name="标题 2"/>
-          <p:cNvSpPr>
-            <a:spLocks noGrp="1"/>
-          </p:cNvSpPr>
-          <p:nvPr>
-            <p:ph type="title"/>
-          </p:nvPr>
-        </p:nvSpPr>
-        <p:spPr/>
-        <p:txBody>
-          <a:bodyPr/>
-          <a:lstStyle/>
-          <a:p>
-            <a:r>
-              <a:rPr lang="zh-CN" altLang="en-US" smtClean="0"/>
-              <a:t>内容回顾</a:t>
-            </a:r>
-            <a:endParaRPr lang="zh-CN" altLang="en-US" dirty="0"/>
-          </a:p>
-        </p:txBody>
-      </p:sp>
-      <p:sp>
-        <p:nvSpPr>
-          <p:cNvPr id="2" name="内容占位符 1"/>
-          <p:cNvSpPr>
-            <a:spLocks noGrp="1"/>
-          </p:cNvSpPr>
-          <p:nvPr>
-            <p:ph idx="1"/>
-          </p:nvPr>
-        </p:nvSpPr>
-        <p:spPr>
-          <a:xfrm>
-            <a:off x="623392" y="836712"/>
-            <a:ext cx="10873208" cy="4843264"/>
-          </a:xfrm>
-        </p:spPr>
-        <p:txBody>
-          <a:bodyPr/>
-          <a:lstStyle/>
-          <a:p>
-            <a:r>
-              <a:rPr lang="zh-CN" altLang="en-US" dirty="0" smtClean="0"/>
-              <a:t>对变量的测试</a:t>
-            </a:r>
-            <a:endParaRPr lang="en-US" altLang="zh-CN" dirty="0" smtClean="0"/>
-          </a:p>
-          <a:p>
-            <a:pPr lvl="1"/>
-            <a:r>
-              <a:rPr lang="zh-CN" altLang="en-US" dirty="0" smtClean="0"/>
-              <a:t>基本概念：定义变量，使用变量，定义</a:t>
-            </a:r>
-            <a:r>
-              <a:rPr lang="en-US" altLang="zh-CN" dirty="0" smtClean="0"/>
-              <a:t>/</a:t>
-            </a:r>
-            <a:r>
-              <a:rPr lang="zh-CN" altLang="en-US" dirty="0" smtClean="0"/>
-              <a:t>使用节点对，定义</a:t>
-            </a:r>
-            <a:r>
-              <a:rPr lang="en-US" altLang="zh-CN" dirty="0" smtClean="0"/>
-              <a:t>/</a:t>
-            </a:r>
-            <a:r>
-              <a:rPr lang="zh-CN" altLang="en-US" dirty="0" smtClean="0"/>
-              <a:t>使用路径，定义</a:t>
-            </a:r>
-            <a:r>
-              <a:rPr lang="en-US" altLang="zh-CN" dirty="0" smtClean="0"/>
-              <a:t>/</a:t>
-            </a:r>
-            <a:r>
-              <a:rPr lang="zh-CN" altLang="en-US" dirty="0" smtClean="0"/>
-              <a:t>清除路径</a:t>
-            </a:r>
-            <a:endParaRPr lang="en-US" altLang="zh-CN" dirty="0" smtClean="0"/>
-          </a:p>
-          <a:p>
-            <a:r>
-              <a:rPr lang="zh-CN" altLang="en-US" dirty="0" smtClean="0"/>
-              <a:t>对变量测试的步骤</a:t>
-            </a:r>
-            <a:endParaRPr lang="en-US" altLang="zh-CN" dirty="0" smtClean="0"/>
-          </a:p>
-          <a:p>
-            <a:pPr lvl="1"/>
-            <a:r>
-              <a:rPr lang="zh-CN" altLang="en-US" dirty="0" smtClean="0"/>
-              <a:t>确定重点测试的变量</a:t>
-            </a:r>
-            <a:r>
-              <a:rPr lang="en-US" altLang="zh-CN" dirty="0" smtClean="0"/>
-              <a:t>V</a:t>
-            </a:r>
-          </a:p>
-          <a:p>
-            <a:pPr lvl="1"/>
-            <a:r>
-              <a:rPr lang="zh-CN" altLang="en-US" dirty="0" smtClean="0"/>
-              <a:t>确定变量</a:t>
-            </a:r>
-            <a:r>
-              <a:rPr lang="en-US" altLang="zh-CN" dirty="0" smtClean="0"/>
-              <a:t>V</a:t>
-            </a:r>
-            <a:r>
-              <a:rPr lang="zh-CN" altLang="en-US" dirty="0" smtClean="0"/>
-              <a:t>的所有定义</a:t>
-            </a:r>
-            <a:r>
-              <a:rPr lang="en-US" altLang="zh-CN" dirty="0" smtClean="0"/>
-              <a:t>/</a:t>
-            </a:r>
-            <a:r>
-              <a:rPr lang="zh-CN" altLang="en-US" dirty="0" smtClean="0"/>
-              <a:t>使用节点对</a:t>
-            </a:r>
-            <a:endParaRPr lang="en-US" altLang="zh-CN" dirty="0" smtClean="0"/>
-          </a:p>
-          <a:p>
-            <a:pPr lvl="1"/>
-            <a:r>
-              <a:rPr lang="zh-CN" altLang="en-US" dirty="0" smtClean="0"/>
-              <a:t>找到高风险路径</a:t>
-            </a:r>
-            <a:endParaRPr lang="en-US" altLang="zh-CN" dirty="0" smtClean="0"/>
-          </a:p>
-          <a:p>
-            <a:pPr lvl="1"/>
-            <a:r>
-              <a:rPr lang="zh-CN" altLang="en-US" dirty="0" smtClean="0"/>
-              <a:t>针对找到的高风险路径进行测试</a:t>
-            </a:r>
-            <a:endParaRPr lang="zh-CN" altLang="en-US" dirty="0"/>
-          </a:p>
-        </p:txBody>
-      </p:sp>
-    </p:spTree>
-    <p:extLst>
-      <p:ext uri="{BB962C8B-B14F-4D97-AF65-F5344CB8AC3E}">
-        <p14:creationId xmlns:p14="http://schemas.microsoft.com/office/powerpoint/2010/main" val="3564554923"/>
-      </p:ext>
-    </p:extLst>
-  </p:cSld>
-  <p:clrMapOvr>
-    <a:masterClrMapping/>
-  </p:clrMapOvr>
-  <p:transition>
-    <p:blinds dir="vert"/>
-  </p:transition>
-  <p:timing>
-    <p:tnLst>
-      <p:par>
-        <p:cTn id="1" dur="indefinite" restart="never" nodeType="tmRoot">
-          <p:childTnLst>
-            <p:seq concurrent="1" nextAc="seek">
-              <p:cTn id="2" dur="indefinite" nodeType="mainSeq">
-                <p:childTnLst>
-                  <p:par>
-                    <p:cTn id="3" fill="hold">
-                      <p:stCondLst>
-                        <p:cond delay="indefinite"/>
-                      </p:stCondLst>
-                      <p:childTnLst>
-                        <p:par>
-                          <p:cTn id="4" fill="hold">
-                            <p:stCondLst>
-                              <p:cond delay="0"/>
-                            </p:stCondLst>
-                            <p:childTnLst>
-                              <p:par>
-                                <p:cTn id="5" presetID="2" presetClass="entr" presetSubtype="4" fill="hold" nodeType="clickEffect">
-                                  <p:stCondLst>
-                                    <p:cond delay="0"/>
-                                  </p:stCondLst>
-                                  <p:childTnLst>
-                                    <p:set>
-                                      <p:cBhvr>
-                                        <p:cTn id="6" dur="1" fill="hold">
-                                          <p:stCondLst>
-                                            <p:cond delay="0"/>
-                                          </p:stCondLst>
-                                        </p:cTn>
-                                        <p:tgtEl>
-                                          <p:spTgt spid="2">
-                                            <p:txEl>
-                                              <p:pRg st="0" end="0"/>
-                                            </p:txEl>
-                                          </p:spTgt>
-                                        </p:tgtEl>
-                                        <p:attrNameLst>
-                                          <p:attrName>style.visibility</p:attrName>
-                                        </p:attrNameLst>
-                                      </p:cBhvr>
-                                      <p:to>
-                                        <p:strVal val="visible"/>
-                                      </p:to>
-                                    </p:set>
-                                    <p:anim calcmode="lin" valueType="num">
-                                      <p:cBhvr additive="base">
-                                        <p:cTn id="7" dur="500" fill="hold"/>
-                                        <p:tgtEl>
-                                          <p:spTgt spid="2">
-                                            <p:txEl>
-                                              <p:pRg st="0" end="0"/>
-                                            </p:txEl>
-                                          </p:spTgt>
-                                        </p:tgtEl>
-                                        <p:attrNameLst>
-                                          <p:attrName>ppt_x</p:attrName>
-                                        </p:attrNameLst>
-                                      </p:cBhvr>
-                                      <p:tavLst>
-                                        <p:tav tm="0">
-                                          <p:val>
-                                            <p:strVal val="#ppt_x"/>
-                                          </p:val>
-                                        </p:tav>
-                                        <p:tav tm="100000">
-                                          <p:val>
-                                            <p:strVal val="#ppt_x"/>
-                                          </p:val>
-                                        </p:tav>
-                                      </p:tavLst>
-                                    </p:anim>
-                                    <p:anim calcmode="lin" valueType="num">
-                                      <p:cBhvr additive="base">
-                                        <p:cTn id="8" dur="500" fill="hold"/>
-                                        <p:tgtEl>
-                                          <p:spTgt spid="2">
-                                            <p:txEl>
-                                              <p:pRg st="0" end="0"/>
-                                            </p:txEl>
-                                          </p:spTgt>
-                                        </p:tgtEl>
-                                        <p:attrNameLst>
-                                          <p:attrName>ppt_y</p:attrName>
-                                        </p:attrNameLst>
-                                      </p:cBhvr>
-                                      <p:tavLst>
-                                        <p:tav tm="0">
-                                          <p:val>
-                                            <p:strVal val="1+#ppt_h/2"/>
-                                          </p:val>
-                                        </p:tav>
-                                        <p:tav tm="100000">
-                                          <p:val>
-                                            <p:strVal val="#ppt_y"/>
-                                          </p:val>
-                                        </p:tav>
-                                      </p:tavLst>
-                                    </p:anim>
-                                  </p:childTnLst>
-                                </p:cTn>
-                              </p:par>
-                            </p:childTnLst>
-                          </p:cTn>
-                        </p:par>
-                      </p:childTnLst>
-                    </p:cTn>
-                  </p:par>
-                  <p:par>
-                    <p:cTn id="9" fill="hold">
-                      <p:stCondLst>
-                        <p:cond delay="indefinite"/>
-                      </p:stCondLst>
-                      <p:childTnLst>
-                        <p:par>
-                          <p:cTn id="10" fill="hold">
-                            <p:stCondLst>
-                              <p:cond delay="0"/>
-                            </p:stCondLst>
-                            <p:childTnLst>
-                              <p:par>
-                                <p:cTn id="11" presetID="2" presetClass="entr" presetSubtype="4" fill="hold" nodeType="clickEffect">
-                                  <p:stCondLst>
-                                    <p:cond delay="0"/>
-                                  </p:stCondLst>
-                                  <p:childTnLst>
-                                    <p:set>
-                                      <p:cBhvr>
-                                        <p:cTn id="12" dur="1" fill="hold">
-                                          <p:stCondLst>
-                                            <p:cond delay="0"/>
-                                          </p:stCondLst>
-                                        </p:cTn>
-                                        <p:tgtEl>
-                                          <p:spTgt spid="2">
-                                            <p:txEl>
-                                              <p:pRg st="1" end="1"/>
-                                            </p:txEl>
-                                          </p:spTgt>
-                                        </p:tgtEl>
-                                        <p:attrNameLst>
-                                          <p:attrName>style.visibility</p:attrName>
-                                        </p:attrNameLst>
-                                      </p:cBhvr>
-                                      <p:to>
-                                        <p:strVal val="visible"/>
-                                      </p:to>
-                                    </p:set>
-                                    <p:anim calcmode="lin" valueType="num">
-                                      <p:cBhvr additive="base">
-                                        <p:cTn id="13" dur="500" fill="hold"/>
-                                        <p:tgtEl>
-                                          <p:spTgt spid="2">
-                                            <p:txEl>
-                                              <p:pRg st="1" end="1"/>
-                                            </p:txEl>
-                                          </p:spTgt>
-                                        </p:tgtEl>
-                                        <p:attrNameLst>
-                                          <p:attrName>ppt_x</p:attrName>
-                                        </p:attrNameLst>
-                                      </p:cBhvr>
-                                      <p:tavLst>
-                                        <p:tav tm="0">
-                                          <p:val>
-                                            <p:strVal val="#ppt_x"/>
-                                          </p:val>
-                                        </p:tav>
-                                        <p:tav tm="100000">
-                                          <p:val>
-                                            <p:strVal val="#ppt_x"/>
-                                          </p:val>
-                                        </p:tav>
-                                      </p:tavLst>
-                                    </p:anim>
-                                    <p:anim calcmode="lin" valueType="num">
-                                      <p:cBhvr additive="base">
-                                        <p:cTn id="14" dur="500" fill="hold"/>
-                                        <p:tgtEl>
-                                          <p:spTgt spid="2">
-                                            <p:txEl>
-                                              <p:pRg st="1" end="1"/>
-                                            </p:txEl>
-                                          </p:spTgt>
-                                        </p:tgtEl>
-                                        <p:attrNameLst>
-                                          <p:attrName>ppt_y</p:attrName>
-                                        </p:attrNameLst>
-                                      </p:cBhvr>
-                                      <p:tavLst>
-                                        <p:tav tm="0">
-                                          <p:val>
-                                            <p:strVal val="1+#ppt_h/2"/>
-                                          </p:val>
-                                        </p:tav>
-                                        <p:tav tm="100000">
-                                          <p:val>
-                                            <p:strVal val="#ppt_y"/>
-                                          </p:val>
-                                        </p:tav>
-                                      </p:tavLst>
-                                    </p:anim>
-                                  </p:childTnLst>
-                                </p:cTn>
-                              </p:par>
-                            </p:childTnLst>
-                          </p:cTn>
-                        </p:par>
-                      </p:childTnLst>
-                    </p:cTn>
-                  </p:par>
-                  <p:par>
-                    <p:cTn id="15" fill="hold">
-                      <p:stCondLst>
-                        <p:cond delay="indefinite"/>
-                      </p:stCondLst>
-                      <p:childTnLst>
-                        <p:par>
-                          <p:cTn id="16" fill="hold">
-                            <p:stCondLst>
-                              <p:cond delay="0"/>
-                            </p:stCondLst>
-                            <p:childTnLst>
-                              <p:par>
-                                <p:cTn id="17" presetID="2" presetClass="entr" presetSubtype="4" fill="hold" nodeType="clickEffect">
-                                  <p:stCondLst>
-                                    <p:cond delay="0"/>
-                                  </p:stCondLst>
-                                  <p:childTnLst>
-                                    <p:set>
-                                      <p:cBhvr>
-                                        <p:cTn id="18" dur="1" fill="hold">
-                                          <p:stCondLst>
-                                            <p:cond delay="0"/>
-                                          </p:stCondLst>
-                                        </p:cTn>
-                                        <p:tgtEl>
-                                          <p:spTgt spid="2">
-                                            <p:txEl>
-                                              <p:pRg st="2" end="2"/>
-                                            </p:txEl>
-                                          </p:spTgt>
-                                        </p:tgtEl>
-                                        <p:attrNameLst>
-                                          <p:attrName>style.visibility</p:attrName>
-                                        </p:attrNameLst>
-                                      </p:cBhvr>
-                                      <p:to>
-                                        <p:strVal val="visible"/>
-                                      </p:to>
-                                    </p:set>
-                                    <p:anim calcmode="lin" valueType="num">
-                                      <p:cBhvr additive="base">
-                                        <p:cTn id="19" dur="500" fill="hold"/>
-                                        <p:tgtEl>
-                                          <p:spTgt spid="2">
-                                            <p:txEl>
-                                              <p:pRg st="2" end="2"/>
-                                            </p:txEl>
-                                          </p:spTgt>
-                                        </p:tgtEl>
-                                        <p:attrNameLst>
-                                          <p:attrName>ppt_x</p:attrName>
-                                        </p:attrNameLst>
-                                      </p:cBhvr>
-                                      <p:tavLst>
-                                        <p:tav tm="0">
-                                          <p:val>
-                                            <p:strVal val="#ppt_x"/>
-                                          </p:val>
-                                        </p:tav>
-                                        <p:tav tm="100000">
-                                          <p:val>
-                                            <p:strVal val="#ppt_x"/>
-                                          </p:val>
-                                        </p:tav>
-                                      </p:tavLst>
-                                    </p:anim>
-                                    <p:anim calcmode="lin" valueType="num">
-                                      <p:cBhvr additive="base">
-                                        <p:cTn id="20" dur="500" fill="hold"/>
-                                        <p:tgtEl>
-                                          <p:spTgt spid="2">
-                                            <p:txEl>
-                                              <p:pRg st="2" end="2"/>
-                                            </p:txEl>
-                                          </p:spTgt>
-                                        </p:tgtEl>
-                                        <p:attrNameLst>
-                                          <p:attrName>ppt_y</p:attrName>
-                                        </p:attrNameLst>
-                                      </p:cBhvr>
-                                      <p:tavLst>
-                                        <p:tav tm="0">
-                                          <p:val>
-                                            <p:strVal val="1+#ppt_h/2"/>
-                                          </p:val>
-                                        </p:tav>
-                                        <p:tav tm="100000">
-                                          <p:val>
-                                            <p:strVal val="#ppt_y"/>
-                                          </p:val>
-                                        </p:tav>
-                                      </p:tavLst>
-                                    </p:anim>
-                                  </p:childTnLst>
-                                </p:cTn>
-                              </p:par>
-                            </p:childTnLst>
-                          </p:cTn>
-                        </p:par>
-                      </p:childTnLst>
-                    </p:cTn>
-                  </p:par>
-                  <p:par>
-                    <p:cTn id="21" fill="hold">
-                      <p:stCondLst>
-                        <p:cond delay="indefinite"/>
-                      </p:stCondLst>
-                      <p:childTnLst>
-                        <p:par>
-                          <p:cTn id="22" fill="hold">
-                            <p:stCondLst>
-                              <p:cond delay="0"/>
-                            </p:stCondLst>
-                            <p:childTnLst>
-                              <p:par>
-                                <p:cTn id="23" presetID="2" presetClass="entr" presetSubtype="4" fill="hold" nodeType="clickEffect">
-                                  <p:stCondLst>
-                                    <p:cond delay="0"/>
-                                  </p:stCondLst>
-                                  <p:childTnLst>
-                                    <p:set>
-                                      <p:cBhvr>
-                                        <p:cTn id="24" dur="1" fill="hold">
-                                          <p:stCondLst>
-                                            <p:cond delay="0"/>
-                                          </p:stCondLst>
-                                        </p:cTn>
-                                        <p:tgtEl>
-                                          <p:spTgt spid="2">
-                                            <p:txEl>
-                                              <p:pRg st="3" end="3"/>
-                                            </p:txEl>
-                                          </p:spTgt>
-                                        </p:tgtEl>
-                                        <p:attrNameLst>
-                                          <p:attrName>style.visibility</p:attrName>
-                                        </p:attrNameLst>
-                                      </p:cBhvr>
-                                      <p:to>
-                                        <p:strVal val="visible"/>
-                                      </p:to>
-                                    </p:set>
-                                    <p:anim calcmode="lin" valueType="num">
-                                      <p:cBhvr additive="base">
-                                        <p:cTn id="25" dur="500" fill="hold"/>
-                                        <p:tgtEl>
-                                          <p:spTgt spid="2">
-                                            <p:txEl>
-                                              <p:pRg st="3" end="3"/>
-                                            </p:txEl>
-                                          </p:spTgt>
-                                        </p:tgtEl>
-                                        <p:attrNameLst>
-                                          <p:attrName>ppt_x</p:attrName>
-                                        </p:attrNameLst>
-                                      </p:cBhvr>
-                                      <p:tavLst>
-                                        <p:tav tm="0">
-                                          <p:val>
-                                            <p:strVal val="#ppt_x"/>
-                                          </p:val>
-                                        </p:tav>
-                                        <p:tav tm="100000">
-                                          <p:val>
-                                            <p:strVal val="#ppt_x"/>
-                                          </p:val>
-                                        </p:tav>
-                                      </p:tavLst>
-                                    </p:anim>
-                                    <p:anim calcmode="lin" valueType="num">
-                                      <p:cBhvr additive="base">
-                                        <p:cTn id="26" dur="500" fill="hold"/>
-                                        <p:tgtEl>
-                                          <p:spTgt spid="2">
-                                            <p:txEl>
-                                              <p:pRg st="3" end="3"/>
-                                            </p:txEl>
-                                          </p:spTgt>
-                                        </p:tgtEl>
-                                        <p:attrNameLst>
-                                          <p:attrName>ppt_y</p:attrName>
-                                        </p:attrNameLst>
-                                      </p:cBhvr>
-                                      <p:tavLst>
-                                        <p:tav tm="0">
-                                          <p:val>
-                                            <p:strVal val="1+#ppt_h/2"/>
-                                          </p:val>
-                                        </p:tav>
-                                        <p:tav tm="100000">
-                                          <p:val>
-                                            <p:strVal val="#ppt_y"/>
-                                          </p:val>
-                                        </p:tav>
-                                      </p:tavLst>
-                                    </p:anim>
-                                  </p:childTnLst>
-                                </p:cTn>
-                              </p:par>
-                            </p:childTnLst>
-                          </p:cTn>
-                        </p:par>
-                      </p:childTnLst>
-                    </p:cTn>
-                  </p:par>
-                  <p:par>
-                    <p:cTn id="27" fill="hold">
-                      <p:stCondLst>
-                        <p:cond delay="indefinite"/>
-                      </p:stCondLst>
-                      <p:childTnLst>
-                        <p:par>
-                          <p:cTn id="28" fill="hold">
-                            <p:stCondLst>
-                              <p:cond delay="0"/>
-                            </p:stCondLst>
-                            <p:childTnLst>
-                              <p:par>
-                                <p:cTn id="29" presetID="2" presetClass="entr" presetSubtype="4" fill="hold" nodeType="clickEffect">
-                                  <p:stCondLst>
-                                    <p:cond delay="0"/>
-                                  </p:stCondLst>
-                                  <p:childTnLst>
-                                    <p:set>
-                                      <p:cBhvr>
-                                        <p:cTn id="30" dur="1" fill="hold">
-                                          <p:stCondLst>
-                                            <p:cond delay="0"/>
-                                          </p:stCondLst>
-                                        </p:cTn>
-                                        <p:tgtEl>
-                                          <p:spTgt spid="2">
-                                            <p:txEl>
-                                              <p:pRg st="4" end="4"/>
-                                            </p:txEl>
-                                          </p:spTgt>
-                                        </p:tgtEl>
-                                        <p:attrNameLst>
-                                          <p:attrName>style.visibility</p:attrName>
-                                        </p:attrNameLst>
-                                      </p:cBhvr>
-                                      <p:to>
-                                        <p:strVal val="visible"/>
-                                      </p:to>
-                                    </p:set>
-                                    <p:anim calcmode="lin" valueType="num">
-                                      <p:cBhvr additive="base">
-                                        <p:cTn id="31" dur="500" fill="hold"/>
-                                        <p:tgtEl>
-                                          <p:spTgt spid="2">
-                                            <p:txEl>
-                                              <p:pRg st="4" end="4"/>
-                                            </p:txEl>
-                                          </p:spTgt>
-                                        </p:tgtEl>
-                                        <p:attrNameLst>
-                                          <p:attrName>ppt_x</p:attrName>
-                                        </p:attrNameLst>
-                                      </p:cBhvr>
-                                      <p:tavLst>
-                                        <p:tav tm="0">
-                                          <p:val>
-                                            <p:strVal val="#ppt_x"/>
-                                          </p:val>
-                                        </p:tav>
-                                        <p:tav tm="100000">
-                                          <p:val>
-                                            <p:strVal val="#ppt_x"/>
-                                          </p:val>
-                                        </p:tav>
-                                      </p:tavLst>
-                                    </p:anim>
-                                    <p:anim calcmode="lin" valueType="num">
-                                      <p:cBhvr additive="base">
-                                        <p:cTn id="32" dur="500" fill="hold"/>
-                                        <p:tgtEl>
-                                          <p:spTgt spid="2">
-                                            <p:txEl>
-                                              <p:pRg st="4" end="4"/>
-                                            </p:txEl>
-                                          </p:spTgt>
-                                        </p:tgtEl>
-                                        <p:attrNameLst>
-                                          <p:attrName>ppt_y</p:attrName>
-                                        </p:attrNameLst>
-                                      </p:cBhvr>
-                                      <p:tavLst>
-                                        <p:tav tm="0">
-                                          <p:val>
-                                            <p:strVal val="1+#ppt_h/2"/>
-                                          </p:val>
-                                        </p:tav>
-                                        <p:tav tm="100000">
-                                          <p:val>
-                                            <p:strVal val="#ppt_y"/>
-                                          </p:val>
-                                        </p:tav>
-                                      </p:tavLst>
-                                    </p:anim>
-                                  </p:childTnLst>
-                                </p:cTn>
-                              </p:par>
-                            </p:childTnLst>
-                          </p:cTn>
-                        </p:par>
-                      </p:childTnLst>
-                    </p:cTn>
-                  </p:par>
-                  <p:par>
-                    <p:cTn id="33" fill="hold">
-                      <p:stCondLst>
-                        <p:cond delay="indefinite"/>
-                      </p:stCondLst>
-                      <p:childTnLst>
-                        <p:par>
-                          <p:cTn id="34" fill="hold">
-                            <p:stCondLst>
-                              <p:cond delay="0"/>
-                            </p:stCondLst>
-                            <p:childTnLst>
-                              <p:par>
-                                <p:cTn id="35" presetID="2" presetClass="entr" presetSubtype="4" fill="hold" nodeType="clickEffect">
-                                  <p:stCondLst>
-                                    <p:cond delay="0"/>
-                                  </p:stCondLst>
-                                  <p:childTnLst>
-                                    <p:set>
-                                      <p:cBhvr>
-                                        <p:cTn id="36" dur="1" fill="hold">
-                                          <p:stCondLst>
-                                            <p:cond delay="0"/>
-                                          </p:stCondLst>
-                                        </p:cTn>
-                                        <p:tgtEl>
-                                          <p:spTgt spid="2">
-                                            <p:txEl>
-                                              <p:pRg st="5" end="5"/>
-                                            </p:txEl>
-                                          </p:spTgt>
-                                        </p:tgtEl>
-                                        <p:attrNameLst>
-                                          <p:attrName>style.visibility</p:attrName>
-                                        </p:attrNameLst>
-                                      </p:cBhvr>
-                                      <p:to>
-                                        <p:strVal val="visible"/>
-                                      </p:to>
-                                    </p:set>
-                                    <p:anim calcmode="lin" valueType="num">
-                                      <p:cBhvr additive="base">
-                                        <p:cTn id="37" dur="500" fill="hold"/>
-                                        <p:tgtEl>
-                                          <p:spTgt spid="2">
-                                            <p:txEl>
-                                              <p:pRg st="5" end="5"/>
-                                            </p:txEl>
-                                          </p:spTgt>
-                                        </p:tgtEl>
-                                        <p:attrNameLst>
-                                          <p:attrName>ppt_x</p:attrName>
-                                        </p:attrNameLst>
-                                      </p:cBhvr>
-                                      <p:tavLst>
-                                        <p:tav tm="0">
-                                          <p:val>
-                                            <p:strVal val="#ppt_x"/>
-                                          </p:val>
-                                        </p:tav>
-                                        <p:tav tm="100000">
-                                          <p:val>
-                                            <p:strVal val="#ppt_x"/>
-                                          </p:val>
-                                        </p:tav>
-                                      </p:tavLst>
-                                    </p:anim>
-                                    <p:anim calcmode="lin" valueType="num">
-                                      <p:cBhvr additive="base">
-                                        <p:cTn id="38" dur="500" fill="hold"/>
-                                        <p:tgtEl>
-                                          <p:spTgt spid="2">
-                                            <p:txEl>
-                                              <p:pRg st="5" end="5"/>
-                                            </p:txEl>
-                                          </p:spTgt>
-                                        </p:tgtEl>
-                                        <p:attrNameLst>
-                                          <p:attrName>ppt_y</p:attrName>
-                                        </p:attrNameLst>
-                                      </p:cBhvr>
-                                      <p:tavLst>
-                                        <p:tav tm="0">
-                                          <p:val>
-                                            <p:strVal val="1+#ppt_h/2"/>
-                                          </p:val>
-                                        </p:tav>
-                                        <p:tav tm="100000">
-                                          <p:val>
-                                            <p:strVal val="#ppt_y"/>
-                                          </p:val>
-                                        </p:tav>
-                                      </p:tavLst>
-                                    </p:anim>
-                                  </p:childTnLst>
-                                </p:cTn>
-                              </p:par>
-                            </p:childTnLst>
-                          </p:cTn>
-                        </p:par>
-                      </p:childTnLst>
-                    </p:cTn>
-                  </p:par>
-                  <p:par>
-                    <p:cTn id="39" fill="hold">
-                      <p:stCondLst>
-                        <p:cond delay="indefinite"/>
-                      </p:stCondLst>
-                      <p:childTnLst>
-                        <p:par>
-                          <p:cTn id="40" fill="hold">
-                            <p:stCondLst>
-                              <p:cond delay="0"/>
-                            </p:stCondLst>
-                            <p:childTnLst>
-                              <p:par>
-                                <p:cTn id="41" presetID="2" presetClass="entr" presetSubtype="4" fill="hold" nodeType="clickEffect">
-                                  <p:stCondLst>
-                                    <p:cond delay="0"/>
-                                  </p:stCondLst>
-                                  <p:childTnLst>
-                                    <p:set>
-                                      <p:cBhvr>
-                                        <p:cTn id="42" dur="1" fill="hold">
-                                          <p:stCondLst>
-                                            <p:cond delay="0"/>
-                                          </p:stCondLst>
-                                        </p:cTn>
-                                        <p:tgtEl>
-                                          <p:spTgt spid="2">
-                                            <p:txEl>
-                                              <p:pRg st="6" end="6"/>
-                                            </p:txEl>
-                                          </p:spTgt>
-                                        </p:tgtEl>
-                                        <p:attrNameLst>
-                                          <p:attrName>style.visibility</p:attrName>
-                                        </p:attrNameLst>
-                                      </p:cBhvr>
-                                      <p:to>
-                                        <p:strVal val="visible"/>
-                                      </p:to>
-                                    </p:set>
-                                    <p:anim calcmode="lin" valueType="num">
-                                      <p:cBhvr additive="base">
-                                        <p:cTn id="43" dur="500" fill="hold"/>
-                                        <p:tgtEl>
-                                          <p:spTgt spid="2">
-                                            <p:txEl>
-                                              <p:pRg st="6" end="6"/>
-                                            </p:txEl>
-                                          </p:spTgt>
-                                        </p:tgtEl>
-                                        <p:attrNameLst>
-                                          <p:attrName>ppt_x</p:attrName>
-                                        </p:attrNameLst>
-                                      </p:cBhvr>
-                                      <p:tavLst>
-                                        <p:tav tm="0">
-                                          <p:val>
-                                            <p:strVal val="#ppt_x"/>
-                                          </p:val>
-                                        </p:tav>
-                                        <p:tav tm="100000">
-                                          <p:val>
-                                            <p:strVal val="#ppt_x"/>
-                                          </p:val>
-                                        </p:tav>
-                                      </p:tavLst>
-                                    </p:anim>
-                                    <p:anim calcmode="lin" valueType="num">
-                                      <p:cBhvr additive="base">
-                                        <p:cTn id="44" dur="500" fill="hold"/>
-                                        <p:tgtEl>
-                                          <p:spTgt spid="2">
-                                            <p:txEl>
-                                              <p:pRg st="6" end="6"/>
-                                            </p:txEl>
-                                          </p:spTgt>
-                                        </p:tgtEl>
-                                        <p:attrNameLst>
-                                          <p:attrName>ppt_y</p:attrName>
-                                        </p:attrNameLst>
-                                      </p:cBhvr>
-                                      <p:tavLst>
-                                        <p:tav tm="0">
-                                          <p:val>
-                                            <p:strVal val="1+#ppt_h/2"/>
-                                          </p:val>
-                                        </p:tav>
-                                        <p:tav tm="100000">
-                                          <p:val>
-                                            <p:strVal val="#ppt_y"/>
-                                          </p:val>
-                                        </p:tav>
-                                      </p:tavLst>
-                                    </p:anim>
-                                  </p:childTnLst>
-                                </p:cTn>
-                              </p:par>
-                            </p:childTnLst>
-                          </p:cTn>
-                        </p:par>
-                      </p:childTnLst>
-                    </p:cTn>
-                  </p:par>
-                </p:childTnLst>
-              </p:cTn>
-              <p:prevCondLst>
-                <p:cond evt="onPrev" delay="0">
-                  <p:tgtEl>
-                    <p:sldTgt/>
-                  </p:tgtEl>
-                </p:cond>
-              </p:prevCondLst>
-              <p:nextCondLst>
-                <p:cond evt="onNext" delay="0">
-                  <p:tgtEl>
-                    <p:sldTgt/>
-                  </p:tgtEl>
-                </p:cond>
-              </p:nextCondLst>
-            </p:seq>
-          </p:childTnLst>
-        </p:cTn>
-      </p:par>
-    </p:tnLst>
-  </p:timing>
-</p:sld>
-</file>
-
 <file path=ppt/slides/slide4.xml><?xml version="1.0" encoding="utf-8"?>
 <p:sld xmlns:a="http://schemas.openxmlformats.org/drawingml/2006/main" xmlns:r="http://schemas.openxmlformats.org/officeDocument/2006/relationships" xmlns:p="http://schemas.openxmlformats.org/presentationml/2006/main">
   <p:cSld>
@@ -12076,7 +13763,15 @@
                   <a:srgbClr val="FF0000"/>
                 </a:solidFill>
               </a:rPr>
-              <a:t>单元测试的主要内容</a:t>
+              <a:t>单元测试的主要</a:t>
+            </a:r>
+            <a:r>
+              <a:rPr lang="zh-CN" altLang="en-US" dirty="0" smtClean="0">
+                <a:solidFill>
+                  <a:srgbClr val="FF0000"/>
+                </a:solidFill>
+              </a:rPr>
+              <a:t>内容</a:t>
             </a:r>
             <a:endParaRPr lang="en-US" altLang="zh-CN" dirty="0" smtClean="0">
               <a:solidFill>
@@ -12085,16 +13780,18 @@
             </a:endParaRPr>
           </a:p>
           <a:p>
-            <a:pPr>
-              <a:lnSpc>
-                <a:spcPct val="150000"/>
-              </a:lnSpc>
-            </a:pPr>
-            <a:r>
-              <a:rPr lang="zh-CN" altLang="en-US" dirty="0" smtClean="0"/>
-              <a:t>单元测试的总结</a:t>
-            </a:r>
-            <a:endParaRPr lang="en-US" altLang="zh-CN" dirty="0" smtClean="0"/>
+            <a:r>
+              <a:rPr lang="zh-CN" altLang="en-US" dirty="0"/>
+              <a:t>驱动和桩模块的设计</a:t>
+            </a:r>
+            <a:endParaRPr lang="en-US" altLang="zh-CN" dirty="0"/>
+          </a:p>
+          <a:p>
+            <a:r>
+              <a:rPr lang="zh-CN" altLang="en-US" dirty="0"/>
+              <a:t>单元测试实例</a:t>
+            </a:r>
+            <a:endParaRPr lang="en-US" altLang="zh-CN" dirty="0"/>
           </a:p>
           <a:p>
             <a:pPr>
@@ -12851,7 +14548,7 @@
         </p:nvSpPr>
         <p:spPr>
           <a:xfrm>
-            <a:off x="623392" y="908720"/>
+            <a:off x="623392" y="1106016"/>
             <a:ext cx="10873208" cy="4843264"/>
           </a:xfrm>
         </p:spPr>
@@ -13520,11 +15217,7 @@
             </a:r>
             <a:r>
               <a:rPr lang="zh-CN" altLang="en-US" dirty="0" smtClean="0"/>
-              <a:t>输出域边界或其附近设计</a:t>
-            </a:r>
-            <a:r>
-              <a:rPr lang="zh-CN" altLang="en-US" dirty="0" smtClean="0"/>
-              <a:t>测试用例</a:t>
+              <a:t>输出域边界或其附近设计测试用例</a:t>
             </a:r>
             <a:endParaRPr lang="en-US" altLang="zh-CN" dirty="0" smtClean="0"/>
           </a:p>
